--- a/teaching/cs513-autocps-fall-2020/lecture3-Dynamical-System-Models.pptx
+++ b/teaching/cs513-autocps-fall-2020/lecture3-Dynamical-System-Models.pptx
@@ -5,33 +5,33 @@
     <p:sldMasterId id="2147483648" r:id="rId1"/>
   </p:sldMasterIdLst>
   <p:sldIdLst>
-    <p:sldId id="358" r:id="rId2"/>
-    <p:sldId id="256" r:id="rId3"/>
+    <p:sldId id="256" r:id="rId2"/>
+    <p:sldId id="358" r:id="rId3"/>
     <p:sldId id="333" r:id="rId4"/>
     <p:sldId id="334" r:id="rId5"/>
     <p:sldId id="335" r:id="rId6"/>
     <p:sldId id="336" r:id="rId7"/>
     <p:sldId id="337" r:id="rId8"/>
     <p:sldId id="338" r:id="rId9"/>
-    <p:sldId id="340" r:id="rId10"/>
-    <p:sldId id="341" r:id="rId11"/>
-    <p:sldId id="339" r:id="rId12"/>
-    <p:sldId id="342" r:id="rId13"/>
-    <p:sldId id="343" r:id="rId14"/>
-    <p:sldId id="344" r:id="rId15"/>
-    <p:sldId id="345" r:id="rId16"/>
-    <p:sldId id="346" r:id="rId17"/>
-    <p:sldId id="347" r:id="rId18"/>
-    <p:sldId id="348" r:id="rId19"/>
-    <p:sldId id="349" r:id="rId20"/>
-    <p:sldId id="350" r:id="rId21"/>
-    <p:sldId id="351" r:id="rId22"/>
-    <p:sldId id="352" r:id="rId23"/>
-    <p:sldId id="353" r:id="rId24"/>
-    <p:sldId id="354" r:id="rId25"/>
-    <p:sldId id="355" r:id="rId26"/>
-    <p:sldId id="356" r:id="rId27"/>
-    <p:sldId id="364" r:id="rId28"/>
+    <p:sldId id="339" r:id="rId10"/>
+    <p:sldId id="342" r:id="rId11"/>
+    <p:sldId id="343" r:id="rId12"/>
+    <p:sldId id="344" r:id="rId13"/>
+    <p:sldId id="345" r:id="rId14"/>
+    <p:sldId id="346" r:id="rId15"/>
+    <p:sldId id="347" r:id="rId16"/>
+    <p:sldId id="348" r:id="rId17"/>
+    <p:sldId id="349" r:id="rId18"/>
+    <p:sldId id="350" r:id="rId19"/>
+    <p:sldId id="351" r:id="rId20"/>
+    <p:sldId id="352" r:id="rId21"/>
+    <p:sldId id="353" r:id="rId22"/>
+    <p:sldId id="354" r:id="rId23"/>
+    <p:sldId id="355" r:id="rId24"/>
+    <p:sldId id="356" r:id="rId25"/>
+    <p:sldId id="364" r:id="rId26"/>
+    <p:sldId id="340" r:id="rId27"/>
+    <p:sldId id="341" r:id="rId28"/>
   </p:sldIdLst>
   <p:sldSz cx="12192000" cy="6858000"/>
   <p:notesSz cx="6858000" cy="9144000"/>
@@ -130,6 +130,11 @@
       </a:defRPr>
     </a:lvl9pPr>
   </p:defaultTextStyle>
+  <p:extLst>
+    <p:ext uri="{EFAFB233-063F-42B5-8137-9DF3F51BA10A}">
+      <p15:sldGuideLst xmlns:p15="http://schemas.microsoft.com/office/powerpoint/2012/main"/>
+    </p:ext>
+  </p:extLst>
 </p:presentation>
 </file>
 
@@ -280,7 +285,7 @@
           <a:p>
             <a:fld id="{67A3F3DB-A97F-42A8-8666-E7552CF620C9}" type="datetimeFigureOut">
               <a:rPr lang="en-US" smtClean="0"/>
-              <a:t>8/23/2020</a:t>
+              <a:t>8/30/2020</a:t>
             </a:fld>
             <a:endParaRPr lang="en-US"/>
           </a:p>
@@ -478,7 +483,7 @@
           <a:p>
             <a:fld id="{67A3F3DB-A97F-42A8-8666-E7552CF620C9}" type="datetimeFigureOut">
               <a:rPr lang="en-US" smtClean="0"/>
-              <a:t>8/23/2020</a:t>
+              <a:t>8/30/2020</a:t>
             </a:fld>
             <a:endParaRPr lang="en-US"/>
           </a:p>
@@ -686,7 +691,7 @@
           <a:p>
             <a:fld id="{67A3F3DB-A97F-42A8-8666-E7552CF620C9}" type="datetimeFigureOut">
               <a:rPr lang="en-US" smtClean="0"/>
-              <a:t>8/23/2020</a:t>
+              <a:t>8/30/2020</a:t>
             </a:fld>
             <a:endParaRPr lang="en-US"/>
           </a:p>
@@ -1080,7 +1085,7 @@
           <p:nvPr userDrawn="1"/>
         </p:nvPicPr>
         <mc:AlternateContent xmlns:mc="http://schemas.openxmlformats.org/markup-compatibility/2006">
-          <mc:Choice xmlns="" xmlns:mv="urn:schemas-microsoft-com:mac:vml" xmlns:ma="http://schemas.microsoft.com/office/mac/drawingml/2008/main" Requires="ma">
+          <mc:Choice xmlns:ma="http://schemas.microsoft.com/office/mac/drawingml/2008/main" xmlns:mv="urn:schemas-microsoft-com:mac:vml" xmlns="" Requires="ma">
             <p:blipFill>
               <a:blip r:embed="rId3"/>
               <a:stretch>
@@ -1481,7 +1486,7 @@
           <a:p>
             <a:fld id="{67A3F3DB-A97F-42A8-8666-E7552CF620C9}" type="datetimeFigureOut">
               <a:rPr lang="en-US" smtClean="0"/>
-              <a:t>8/23/2020</a:t>
+              <a:t>8/30/2020</a:t>
             </a:fld>
             <a:endParaRPr lang="en-US"/>
           </a:p>
@@ -1756,7 +1761,7 @@
           <a:p>
             <a:fld id="{67A3F3DB-A97F-42A8-8666-E7552CF620C9}" type="datetimeFigureOut">
               <a:rPr lang="en-US" smtClean="0"/>
-              <a:t>8/23/2020</a:t>
+              <a:t>8/30/2020</a:t>
             </a:fld>
             <a:endParaRPr lang="en-US"/>
           </a:p>
@@ -2021,7 +2026,7 @@
           <a:p>
             <a:fld id="{67A3F3DB-A97F-42A8-8666-E7552CF620C9}" type="datetimeFigureOut">
               <a:rPr lang="en-US" smtClean="0"/>
-              <a:t>8/23/2020</a:t>
+              <a:t>8/30/2020</a:t>
             </a:fld>
             <a:endParaRPr lang="en-US"/>
           </a:p>
@@ -2433,7 +2438,7 @@
           <a:p>
             <a:fld id="{67A3F3DB-A97F-42A8-8666-E7552CF620C9}" type="datetimeFigureOut">
               <a:rPr lang="en-US" smtClean="0"/>
-              <a:t>8/23/2020</a:t>
+              <a:t>8/30/2020</a:t>
             </a:fld>
             <a:endParaRPr lang="en-US"/>
           </a:p>
@@ -2574,7 +2579,7 @@
           <a:p>
             <a:fld id="{67A3F3DB-A97F-42A8-8666-E7552CF620C9}" type="datetimeFigureOut">
               <a:rPr lang="en-US" smtClean="0"/>
-              <a:t>8/23/2020</a:t>
+              <a:t>8/30/2020</a:t>
             </a:fld>
             <a:endParaRPr lang="en-US"/>
           </a:p>
@@ -2687,7 +2692,7 @@
           <a:p>
             <a:fld id="{67A3F3DB-A97F-42A8-8666-E7552CF620C9}" type="datetimeFigureOut">
               <a:rPr lang="en-US" smtClean="0"/>
-              <a:t>8/23/2020</a:t>
+              <a:t>8/30/2020</a:t>
             </a:fld>
             <a:endParaRPr lang="en-US"/>
           </a:p>
@@ -2998,7 +3003,7 @@
           <a:p>
             <a:fld id="{67A3F3DB-A97F-42A8-8666-E7552CF620C9}" type="datetimeFigureOut">
               <a:rPr lang="en-US" smtClean="0"/>
-              <a:t>8/23/2020</a:t>
+              <a:t>8/30/2020</a:t>
             </a:fld>
             <a:endParaRPr lang="en-US"/>
           </a:p>
@@ -3286,7 +3291,7 @@
           <a:p>
             <a:fld id="{67A3F3DB-A97F-42A8-8666-E7552CF620C9}" type="datetimeFigureOut">
               <a:rPr lang="en-US" smtClean="0"/>
-              <a:t>8/23/2020</a:t>
+              <a:t>8/30/2020</a:t>
             </a:fld>
             <a:endParaRPr lang="en-US"/>
           </a:p>
@@ -3527,7 +3532,7 @@
           <a:p>
             <a:fld id="{67A3F3DB-A97F-42A8-8666-E7552CF620C9}" type="datetimeFigureOut">
               <a:rPr lang="en-US" smtClean="0"/>
-              <a:t>8/23/2020</a:t>
+              <a:t>8/30/2020</a:t>
             </a:fld>
             <a:endParaRPr lang="en-US"/>
           </a:p>
@@ -3947,10 +3952,10 @@
       </p:grpSpPr>
       <p:sp>
         <p:nvSpPr>
-          <p:cNvPr id="2" name="Content Placeholder 1">
+          <p:cNvPr id="2" name="Title 1">
             <a:extLst>
               <a:ext uri="{FF2B5EF4-FFF2-40B4-BE49-F238E27FC236}">
-                <a16:creationId xmlns:a16="http://schemas.microsoft.com/office/drawing/2014/main" id="{6808531E-D9DF-4FA3-9504-0F488FE88B71}"/>
+                <a16:creationId xmlns:a16="http://schemas.microsoft.com/office/drawing/2014/main" id="{19C79A87-9CBD-463B-9EB7-CB6895911500}"/>
               </a:ext>
             </a:extLst>
           </p:cNvPr>
@@ -3958,7 +3963,48 @@
             <a:spLocks noGrp="1"/>
           </p:cNvSpPr>
           <p:nvPr>
-            <p:ph idx="1"/>
+            <p:ph type="ctrTitle"/>
+          </p:nvPr>
+        </p:nvSpPr>
+        <p:spPr>
+          <a:xfrm>
+            <a:off x="199785" y="1122363"/>
+            <a:ext cx="11818044" cy="2387600"/>
+          </a:xfrm>
+        </p:spPr>
+        <p:txBody>
+          <a:bodyPr anchor="ctr" anchorCtr="0"/>
+          <a:lstStyle/>
+          <a:p>
+            <a:r>
+              <a:rPr lang="en-US" dirty="0"/>
+              <a:t>Autonomous Cyber-Physical Systems:</a:t>
+            </a:r>
+            <a:br>
+              <a:rPr lang="en-US" dirty="0"/>
+            </a:br>
+            <a:r>
+              <a:rPr lang="en-US" sz="4000" dirty="0"/>
+              <a:t>Dynamical System Models</a:t>
+            </a:r>
+            <a:endParaRPr lang="en-US" dirty="0"/>
+          </a:p>
+        </p:txBody>
+      </p:sp>
+      <p:sp>
+        <p:nvSpPr>
+          <p:cNvPr id="3" name="Subtitle 2">
+            <a:extLst>
+              <a:ext uri="{FF2B5EF4-FFF2-40B4-BE49-F238E27FC236}">
+                <a16:creationId xmlns:a16="http://schemas.microsoft.com/office/drawing/2014/main" id="{52CCF91D-4F26-4DEE-BD5B-2AD08F8DC93B}"/>
+              </a:ext>
+            </a:extLst>
+          </p:cNvPr>
+          <p:cNvSpPr>
+            <a:spLocks noGrp="1"/>
+          </p:cNvSpPr>
+          <p:nvPr>
+            <p:ph type="subTitle" idx="1"/>
           </p:nvPr>
         </p:nvSpPr>
         <p:spPr/>
@@ -3968,68 +4014,23 @@
           </a:bodyPr>
           <a:lstStyle/>
           <a:p>
-            <a:pPr marL="0" indent="0" algn="ctr">
-              <a:buNone/>
-            </a:pPr>
-            <a:endParaRPr lang="en-US" sz="3600" dirty="0"/>
+            <a:r>
+              <a:rPr lang="en-US" dirty="0"/>
+              <a:t>Fall 2020. CS 513.</a:t>
+            </a:r>
           </a:p>
           <a:p>
-            <a:pPr marL="0" indent="0" algn="ctr">
-              <a:buNone/>
-            </a:pPr>
-            <a:endParaRPr lang="en-US" sz="3600" dirty="0"/>
-          </a:p>
-          <a:p>
-            <a:pPr marL="0" indent="0" algn="ctr">
-              <a:buNone/>
-            </a:pPr>
-            <a:endParaRPr lang="en-US" sz="3600" dirty="0"/>
-          </a:p>
-          <a:p>
-            <a:pPr marL="0" indent="0" algn="ctr">
-              <a:buNone/>
-            </a:pPr>
             <a:r>
-              <a:rPr lang="en-US" sz="3600" dirty="0"/>
-              <a:t>Dynamical System Models</a:t>
+              <a:rPr lang="en-US" dirty="0"/>
+              <a:t>Instructor: Jyo Deshmukh</a:t>
             </a:r>
-          </a:p>
-        </p:txBody>
-      </p:sp>
-      <p:sp>
-        <p:nvSpPr>
-          <p:cNvPr id="4" name="Slide Number Placeholder 3">
-            <a:extLst>
-              <a:ext uri="{FF2B5EF4-FFF2-40B4-BE49-F238E27FC236}">
-                <a16:creationId xmlns:a16="http://schemas.microsoft.com/office/drawing/2014/main" id="{2B3E243B-7442-44D4-8F92-E8AEC665316D}"/>
-              </a:ext>
-            </a:extLst>
-          </p:cNvPr>
-          <p:cNvSpPr>
-            <a:spLocks noGrp="1"/>
-          </p:cNvSpPr>
-          <p:nvPr>
-            <p:ph type="sldNum" sz="quarter" idx="12"/>
-          </p:nvPr>
-        </p:nvSpPr>
-        <p:spPr/>
-        <p:txBody>
-          <a:bodyPr/>
-          <a:lstStyle/>
-          <a:p>
-            <a:fld id="{29AAD378-655A-49C6-813C-9FD132EF7440}" type="slidenum">
-              <a:rPr lang="en-US" smtClean="0"/>
-              <a:pPr/>
-              <a:t>1</a:t>
-            </a:fld>
-            <a:endParaRPr lang="en-US" dirty="0"/>
           </a:p>
         </p:txBody>
       </p:sp>
     </p:spTree>
     <p:extLst>
       <p:ext uri="{BB962C8B-B14F-4D97-AF65-F5344CB8AC3E}">
-        <p14:creationId xmlns:p14="http://schemas.microsoft.com/office/powerpoint/2010/main" val="223579750"/>
+        <p14:creationId xmlns:p14="http://schemas.microsoft.com/office/powerpoint/2010/main" val="1477390516"/>
       </p:ext>
     </p:extLst>
   </p:cSld>
@@ -4040,1098 +4041,6 @@
 </file>
 
 <file path=ppt/slides/slide10.xml><?xml version="1.0" encoding="utf-8"?>
-<p:sld xmlns:a="http://schemas.openxmlformats.org/drawingml/2006/main" xmlns:r="http://schemas.openxmlformats.org/officeDocument/2006/relationships" xmlns:p="http://schemas.openxmlformats.org/presentationml/2006/main">
-  <p:cSld>
-    <p:spTree>
-      <p:nvGrpSpPr>
-        <p:cNvPr id="1" name=""/>
-        <p:cNvGrpSpPr/>
-        <p:nvPr/>
-      </p:nvGrpSpPr>
-      <p:grpSpPr>
-        <a:xfrm>
-          <a:off x="0" y="0"/>
-          <a:ext cx="0" cy="0"/>
-          <a:chOff x="0" y="0"/>
-          <a:chExt cx="0" cy="0"/>
-        </a:xfrm>
-      </p:grpSpPr>
-      <p:sp>
-        <p:nvSpPr>
-          <p:cNvPr id="3" name="Title 2">
-            <a:extLst>
-              <a:ext uri="{FF2B5EF4-FFF2-40B4-BE49-F238E27FC236}">
-                <a16:creationId xmlns:a16="http://schemas.microsoft.com/office/drawing/2014/main" id="{9C63E7C2-8151-4F2C-B130-B1444A038A7A}"/>
-              </a:ext>
-            </a:extLst>
-          </p:cNvPr>
-          <p:cNvSpPr>
-            <a:spLocks noGrp="1"/>
-          </p:cNvSpPr>
-          <p:nvPr>
-            <p:ph type="title"/>
-          </p:nvPr>
-        </p:nvSpPr>
-        <p:spPr/>
-        <p:txBody>
-          <a:bodyPr/>
-          <a:lstStyle/>
-          <a:p>
-            <a:r>
-              <a:rPr lang="en-US" dirty="0"/>
-              <a:t>Simulink and Breach Demo</a:t>
-            </a:r>
-          </a:p>
-        </p:txBody>
-      </p:sp>
-      <p:sp>
-        <p:nvSpPr>
-          <p:cNvPr id="4" name="Slide Number Placeholder 3">
-            <a:extLst>
-              <a:ext uri="{FF2B5EF4-FFF2-40B4-BE49-F238E27FC236}">
-                <a16:creationId xmlns:a16="http://schemas.microsoft.com/office/drawing/2014/main" id="{8F7D9CA3-B262-422D-BA61-7A8520C03D2B}"/>
-              </a:ext>
-            </a:extLst>
-          </p:cNvPr>
-          <p:cNvSpPr>
-            <a:spLocks noGrp="1"/>
-          </p:cNvSpPr>
-          <p:nvPr>
-            <p:ph type="sldNum" sz="quarter" idx="12"/>
-          </p:nvPr>
-        </p:nvSpPr>
-        <p:spPr/>
-        <p:txBody>
-          <a:bodyPr/>
-          <a:lstStyle/>
-          <a:p>
-            <a:fld id="{29AAD378-655A-49C6-813C-9FD132EF7440}" type="slidenum">
-              <a:rPr lang="en-US" smtClean="0"/>
-              <a:pPr/>
-              <a:t>10</a:t>
-            </a:fld>
-            <a:endParaRPr lang="en-US" dirty="0"/>
-          </a:p>
-        </p:txBody>
-      </p:sp>
-      <mc:AlternateContent xmlns:mc="http://schemas.openxmlformats.org/markup-compatibility/2006" xmlns:a14="http://schemas.microsoft.com/office/drawing/2010/main">
-        <mc:Choice Requires="a14">
-          <p:sp>
-            <p:nvSpPr>
-              <p:cNvPr id="6" name="Content Placeholder 1">
-                <a:extLst>
-                  <a:ext uri="{FF2B5EF4-FFF2-40B4-BE49-F238E27FC236}">
-                    <a16:creationId xmlns:a16="http://schemas.microsoft.com/office/drawing/2014/main" id="{8834081C-2557-4C5F-9112-59453D215E2C}"/>
-                  </a:ext>
-                </a:extLst>
-              </p:cNvPr>
-              <p:cNvSpPr>
-                <a:spLocks noGrp="1"/>
-              </p:cNvSpPr>
-              <p:nvPr>
-                <p:ph idx="1"/>
-              </p:nvPr>
-            </p:nvSpPr>
-            <p:spPr>
-              <a:xfrm>
-                <a:off x="308113" y="1743743"/>
-                <a:ext cx="5415272" cy="1993369"/>
-              </a:xfrm>
-            </p:spPr>
-            <p:txBody>
-              <a:bodyPr>
-                <a:normAutofit/>
-              </a:bodyPr>
-              <a:lstStyle/>
-              <a:p>
-                <a:r>
-                  <a:rPr lang="en-US" dirty="0"/>
-                  <a:t>Plot in phase-space or state-space.</a:t>
-                </a:r>
-              </a:p>
-              <a:p>
-                <a:r>
-                  <a:rPr lang="en-US" dirty="0"/>
-                  <a:t>Shows trajectory of states starting from </a:t>
-                </a:r>
-                <a14:m>
-                  <m:oMath xmlns:m="http://schemas.openxmlformats.org/officeDocument/2006/math">
-                    <m:sSub>
-                      <m:sSubPr>
-                        <m:ctrlPr>
-                          <a:rPr lang="en-US" b="0" i="1" smtClean="0">
-                            <a:latin typeface="Cambria Math" panose="02040503050406030204" pitchFamily="18" charset="0"/>
-                          </a:rPr>
-                        </m:ctrlPr>
-                      </m:sSubPr>
-                      <m:e>
-                        <m:r>
-                          <a:rPr lang="en-US" b="0" i="1" smtClean="0">
-                            <a:latin typeface="Cambria Math" panose="02040503050406030204" pitchFamily="18" charset="0"/>
-                          </a:rPr>
-                          <m:t>𝑥</m:t>
-                        </m:r>
-                      </m:e>
-                      <m:sub>
-                        <m:r>
-                          <a:rPr lang="en-US" b="0" i="1" smtClean="0">
-                            <a:latin typeface="Cambria Math" panose="02040503050406030204" pitchFamily="18" charset="0"/>
-                          </a:rPr>
-                          <m:t>0</m:t>
-                        </m:r>
-                      </m:sub>
-                    </m:sSub>
-                    <m:r>
-                      <a:rPr lang="en-US" b="0" i="0" smtClean="0">
-                        <a:latin typeface="Cambria Math" panose="02040503050406030204" pitchFamily="18" charset="0"/>
-                      </a:rPr>
-                      <m:t>=5</m:t>
-                    </m:r>
-                  </m:oMath>
-                </a14:m>
-                <a:r>
-                  <a:rPr lang="en-US" dirty="0"/>
-                  <a:t>, </a:t>
-                </a:r>
-                <a14:m>
-                  <m:oMath xmlns:m="http://schemas.openxmlformats.org/officeDocument/2006/math">
-                    <m:sSub>
-                      <m:sSubPr>
-                        <m:ctrlPr>
-                          <a:rPr lang="en-US" b="0" i="1" smtClean="0">
-                            <a:latin typeface="Cambria Math" panose="02040503050406030204" pitchFamily="18" charset="0"/>
-                          </a:rPr>
-                        </m:ctrlPr>
-                      </m:sSubPr>
-                      <m:e>
-                        <m:r>
-                          <a:rPr lang="en-US" b="0" i="1" smtClean="0">
-                            <a:latin typeface="Cambria Math" panose="02040503050406030204" pitchFamily="18" charset="0"/>
-                          </a:rPr>
-                          <m:t>𝑣</m:t>
-                        </m:r>
-                      </m:e>
-                      <m:sub>
-                        <m:r>
-                          <a:rPr lang="en-US" b="0" i="1" smtClean="0">
-                            <a:latin typeface="Cambria Math" panose="02040503050406030204" pitchFamily="18" charset="0"/>
-                          </a:rPr>
-                          <m:t>0</m:t>
-                        </m:r>
-                      </m:sub>
-                    </m:sSub>
-                    <m:r>
-                      <a:rPr lang="en-US" b="0" i="1" smtClean="0">
-                        <a:latin typeface="Cambria Math" panose="02040503050406030204" pitchFamily="18" charset="0"/>
-                      </a:rPr>
-                      <m:t>=20</m:t>
-                    </m:r>
-                  </m:oMath>
-                </a14:m>
-                <a:endParaRPr lang="en-US" dirty="0"/>
-              </a:p>
-            </p:txBody>
-          </p:sp>
-        </mc:Choice>
-        <mc:Fallback xmlns="">
-          <p:sp>
-            <p:nvSpPr>
-              <p:cNvPr id="6" name="Content Placeholder 1">
-                <a:extLst>
-                  <a:ext uri="{FF2B5EF4-FFF2-40B4-BE49-F238E27FC236}">
-                    <a16:creationId xmlns:a16="http://schemas.microsoft.com/office/drawing/2014/main" id="{8834081C-2557-4C5F-9112-59453D215E2C}"/>
-                  </a:ext>
-                </a:extLst>
-              </p:cNvPr>
-              <p:cNvSpPr>
-                <a:spLocks noGrp="1" noRot="1" noChangeAspect="1" noMove="1" noResize="1" noEditPoints="1" noAdjustHandles="1" noChangeArrowheads="1" noChangeShapeType="1" noTextEdit="1"/>
-              </p:cNvSpPr>
-              <p:nvPr>
-                <p:ph idx="1"/>
-              </p:nvPr>
-            </p:nvSpPr>
-            <p:spPr>
-              <a:xfrm>
-                <a:off x="308113" y="1743743"/>
-                <a:ext cx="5415272" cy="1993369"/>
-              </a:xfrm>
-              <a:blipFill>
-                <a:blip r:embed="rId2"/>
-                <a:stretch>
-                  <a:fillRect l="-1464" t="-4893"/>
-                </a:stretch>
-              </a:blipFill>
-            </p:spPr>
-            <p:txBody>
-              <a:bodyPr/>
-              <a:lstStyle/>
-              <a:p>
-                <a:r>
-                  <a:rPr lang="en-US">
-                    <a:noFill/>
-                  </a:rPr>
-                  <a:t> </a:t>
-                </a:r>
-              </a:p>
-            </p:txBody>
-          </p:sp>
-        </mc:Fallback>
-      </mc:AlternateContent>
-      <p:pic>
-        <p:nvPicPr>
-          <p:cNvPr id="7" name="Picture 6">
-            <a:extLst>
-              <a:ext uri="{FF2B5EF4-FFF2-40B4-BE49-F238E27FC236}">
-                <a16:creationId xmlns:a16="http://schemas.microsoft.com/office/drawing/2014/main" id="{3F2EF1F2-118E-478E-B404-81F678113DD1}"/>
-              </a:ext>
-            </a:extLst>
-          </p:cNvPr>
-          <p:cNvPicPr>
-            <a:picLocks noChangeAspect="1"/>
-          </p:cNvPicPr>
-          <p:nvPr/>
-        </p:nvPicPr>
-        <p:blipFill rotWithShape="1">
-          <a:blip r:embed="rId3"/>
-          <a:srcRect l="5654" t="18797" r="6794"/>
-          <a:stretch/>
-        </p:blipFill>
-        <p:spPr>
-          <a:xfrm>
-            <a:off x="6096000" y="1209202"/>
-            <a:ext cx="5592417" cy="4595861"/>
-          </a:xfrm>
-          <a:prstGeom prst="rect">
-            <a:avLst/>
-          </a:prstGeom>
-        </p:spPr>
-      </p:pic>
-    </p:spTree>
-    <p:extLst>
-      <p:ext uri="{BB962C8B-B14F-4D97-AF65-F5344CB8AC3E}">
-        <p14:creationId xmlns:p14="http://schemas.microsoft.com/office/powerpoint/2010/main" val="3041502210"/>
-      </p:ext>
-    </p:extLst>
-  </p:cSld>
-  <p:clrMapOvr>
-    <a:masterClrMapping/>
-  </p:clrMapOvr>
-</p:sld>
-</file>
-
-<file path=ppt/slides/slide11.xml><?xml version="1.0" encoding="utf-8"?>
-<p:sld xmlns:a="http://schemas.openxmlformats.org/drawingml/2006/main" xmlns:r="http://schemas.openxmlformats.org/officeDocument/2006/relationships" xmlns:p="http://schemas.openxmlformats.org/presentationml/2006/main">
-  <p:cSld>
-    <p:spTree>
-      <p:nvGrpSpPr>
-        <p:cNvPr id="1" name=""/>
-        <p:cNvGrpSpPr/>
-        <p:nvPr/>
-      </p:nvGrpSpPr>
-      <p:grpSpPr>
-        <a:xfrm>
-          <a:off x="0" y="0"/>
-          <a:ext cx="0" cy="0"/>
-          <a:chOff x="0" y="0"/>
-          <a:chExt cx="0" cy="0"/>
-        </a:xfrm>
-      </p:grpSpPr>
-      <p:sp>
-        <p:nvSpPr>
-          <p:cNvPr id="3" name="Title 2">
-            <a:extLst>
-              <a:ext uri="{FF2B5EF4-FFF2-40B4-BE49-F238E27FC236}">
-                <a16:creationId xmlns:a16="http://schemas.microsoft.com/office/drawing/2014/main" id="{D4D4DA0B-0A11-4B70-9DA3-B3CC6B18B695}"/>
-              </a:ext>
-            </a:extLst>
-          </p:cNvPr>
-          <p:cNvSpPr>
-            <a:spLocks noGrp="1"/>
-          </p:cNvSpPr>
-          <p:nvPr>
-            <p:ph type="title"/>
-          </p:nvPr>
-        </p:nvSpPr>
-        <p:spPr/>
-        <p:txBody>
-          <a:bodyPr/>
-          <a:lstStyle/>
-          <a:p>
-            <a:r>
-              <a:rPr lang="en-US" dirty="0"/>
-              <a:t>Sample Execution of Car with constant force</a:t>
-            </a:r>
-          </a:p>
-        </p:txBody>
-      </p:sp>
-      <p:sp>
-        <p:nvSpPr>
-          <p:cNvPr id="4" name="Slide Number Placeholder 3">
-            <a:extLst>
-              <a:ext uri="{FF2B5EF4-FFF2-40B4-BE49-F238E27FC236}">
-                <a16:creationId xmlns:a16="http://schemas.microsoft.com/office/drawing/2014/main" id="{79A377F9-F074-410F-A573-DA0F3D5B8874}"/>
-              </a:ext>
-            </a:extLst>
-          </p:cNvPr>
-          <p:cNvSpPr>
-            <a:spLocks noGrp="1"/>
-          </p:cNvSpPr>
-          <p:nvPr>
-            <p:ph type="sldNum" sz="quarter" idx="12"/>
-          </p:nvPr>
-        </p:nvSpPr>
-        <p:spPr/>
-        <p:txBody>
-          <a:bodyPr/>
-          <a:lstStyle/>
-          <a:p>
-            <a:fld id="{29AAD378-655A-49C6-813C-9FD132EF7440}" type="slidenum">
-              <a:rPr lang="en-US" smtClean="0"/>
-              <a:pPr/>
-              <a:t>11</a:t>
-            </a:fld>
-            <a:endParaRPr lang="en-US" dirty="0"/>
-          </a:p>
-        </p:txBody>
-      </p:sp>
-      <mc:AlternateContent xmlns:mc="http://schemas.openxmlformats.org/markup-compatibility/2006" xmlns:a14="http://schemas.microsoft.com/office/drawing/2010/main">
-        <mc:Choice Requires="a14">
-          <p:sp>
-            <p:nvSpPr>
-              <p:cNvPr id="5" name="Content Placeholder 1">
-                <a:extLst>
-                  <a:ext uri="{FF2B5EF4-FFF2-40B4-BE49-F238E27FC236}">
-                    <a16:creationId xmlns:a16="http://schemas.microsoft.com/office/drawing/2014/main" id="{39786FDD-2C83-4112-9AA4-648DF41ED105}"/>
-                  </a:ext>
-                </a:extLst>
-              </p:cNvPr>
-              <p:cNvSpPr>
-                <a:spLocks noGrp="1"/>
-              </p:cNvSpPr>
-              <p:nvPr>
-                <p:ph idx="1"/>
-              </p:nvPr>
-            </p:nvSpPr>
-            <p:spPr>
-              <a:xfrm>
-                <a:off x="166680" y="1372460"/>
-                <a:ext cx="11699087" cy="4351338"/>
-              </a:xfrm>
-            </p:spPr>
-            <p:txBody>
-              <a:bodyPr>
-                <a:normAutofit/>
-              </a:bodyPr>
-              <a:lstStyle/>
-              <a:p>
-                <a:r>
-                  <a:rPr lang="en-US" dirty="0"/>
-                  <a:t>Suppose </a:t>
-                </a:r>
-                <a14:m>
-                  <m:oMath xmlns:m="http://schemas.openxmlformats.org/officeDocument/2006/math">
-                    <m:r>
-                      <a:rPr lang="en-US" b="0" i="1" smtClean="0">
-                        <a:latin typeface="Cambria Math" panose="02040503050406030204" pitchFamily="18" charset="0"/>
-                      </a:rPr>
-                      <m:t>∀</m:t>
-                    </m:r>
-                    <m:r>
-                      <a:rPr lang="en-US" b="0" i="1" smtClean="0">
-                        <a:latin typeface="Cambria Math" panose="02040503050406030204" pitchFamily="18" charset="0"/>
-                      </a:rPr>
-                      <m:t>𝑡</m:t>
-                    </m:r>
-                    <m:r>
-                      <a:rPr lang="en-US" b="0" i="1" smtClean="0">
-                        <a:latin typeface="Cambria Math" panose="02040503050406030204" pitchFamily="18" charset="0"/>
-                      </a:rPr>
-                      <m:t>:</m:t>
-                    </m:r>
-                    <m:r>
-                      <a:rPr lang="en-US" b="0" i="1" smtClean="0">
-                        <a:latin typeface="Cambria Math" panose="02040503050406030204" pitchFamily="18" charset="0"/>
-                      </a:rPr>
-                      <m:t>𝐹</m:t>
-                    </m:r>
-                    <m:d>
-                      <m:dPr>
-                        <m:ctrlPr>
-                          <a:rPr lang="en-US" b="0" i="1" smtClean="0">
-                            <a:latin typeface="Cambria Math" panose="02040503050406030204" pitchFamily="18" charset="0"/>
-                          </a:rPr>
-                        </m:ctrlPr>
-                      </m:dPr>
-                      <m:e>
-                        <m:r>
-                          <a:rPr lang="en-US" b="0" i="1" smtClean="0">
-                            <a:latin typeface="Cambria Math" panose="02040503050406030204" pitchFamily="18" charset="0"/>
-                          </a:rPr>
-                          <m:t>𝑡</m:t>
-                        </m:r>
-                      </m:e>
-                    </m:d>
-                    <m:r>
-                      <a:rPr lang="en-US" b="0" i="1" smtClean="0">
-                        <a:latin typeface="Cambria Math" panose="02040503050406030204" pitchFamily="18" charset="0"/>
-                      </a:rPr>
-                      <m:t>=500</m:t>
-                    </m:r>
-                    <m:r>
-                      <a:rPr lang="en-US" b="0" i="0" smtClean="0">
-                        <a:latin typeface="Cambria Math" panose="02040503050406030204" pitchFamily="18" charset="0"/>
-                      </a:rPr>
-                      <m:t> </m:t>
-                    </m:r>
-                    <m:r>
-                      <m:rPr>
-                        <m:sty m:val="p"/>
-                      </m:rPr>
-                      <a:rPr lang="en-US" b="0" i="0" smtClean="0">
-                        <a:latin typeface="Cambria Math" panose="02040503050406030204" pitchFamily="18" charset="0"/>
-                      </a:rPr>
-                      <m:t>N</m:t>
-                    </m:r>
-                    <m:r>
-                      <a:rPr lang="en-US" b="0" i="0" smtClean="0">
-                        <a:latin typeface="Cambria Math" panose="02040503050406030204" pitchFamily="18" charset="0"/>
-                      </a:rPr>
-                      <m:t>, </m:t>
-                    </m:r>
-                    <m:sSub>
-                      <m:sSubPr>
-                        <m:ctrlPr>
-                          <a:rPr lang="en-US" b="0" i="1" smtClean="0">
-                            <a:latin typeface="Cambria Math" panose="02040503050406030204" pitchFamily="18" charset="0"/>
-                          </a:rPr>
-                        </m:ctrlPr>
-                      </m:sSubPr>
-                      <m:e>
-                        <m:r>
-                          <a:rPr lang="en-US" b="0" i="1" smtClean="0">
-                            <a:latin typeface="Cambria Math" panose="02040503050406030204" pitchFamily="18" charset="0"/>
-                          </a:rPr>
-                          <m:t>𝑥</m:t>
-                        </m:r>
-                      </m:e>
-                      <m:sub>
-                        <m:r>
-                          <a:rPr lang="en-US" b="0" i="1" smtClean="0">
-                            <a:latin typeface="Cambria Math" panose="02040503050406030204" pitchFamily="18" charset="0"/>
-                          </a:rPr>
-                          <m:t>0</m:t>
-                        </m:r>
-                      </m:sub>
-                    </m:sSub>
-                    <m:r>
-                      <a:rPr lang="en-US" b="0" i="1" smtClean="0">
-                        <a:latin typeface="Cambria Math" panose="02040503050406030204" pitchFamily="18" charset="0"/>
-                      </a:rPr>
-                      <m:t>=5 </m:t>
-                    </m:r>
-                    <m:r>
-                      <m:rPr>
-                        <m:sty m:val="p"/>
-                      </m:rPr>
-                      <a:rPr lang="en-US" b="0" i="0" smtClean="0">
-                        <a:latin typeface="Cambria Math" panose="02040503050406030204" pitchFamily="18" charset="0"/>
-                      </a:rPr>
-                      <m:t>m</m:t>
-                    </m:r>
-                    <m:r>
-                      <a:rPr lang="en-US" b="0" i="1" smtClean="0">
-                        <a:latin typeface="Cambria Math" panose="02040503050406030204" pitchFamily="18" charset="0"/>
-                      </a:rPr>
-                      <m:t>,</m:t>
-                    </m:r>
-                    <m:sSub>
-                      <m:sSubPr>
-                        <m:ctrlPr>
-                          <a:rPr lang="en-US" b="0" i="1" smtClean="0">
-                            <a:latin typeface="Cambria Math" panose="02040503050406030204" pitchFamily="18" charset="0"/>
-                          </a:rPr>
-                        </m:ctrlPr>
-                      </m:sSubPr>
-                      <m:e>
-                        <m:r>
-                          <a:rPr lang="en-US" b="0" i="1" smtClean="0">
-                            <a:latin typeface="Cambria Math" panose="02040503050406030204" pitchFamily="18" charset="0"/>
-                          </a:rPr>
-                          <m:t>𝑣</m:t>
-                        </m:r>
-                      </m:e>
-                      <m:sub>
-                        <m:r>
-                          <a:rPr lang="en-US" b="0" i="1" smtClean="0">
-                            <a:latin typeface="Cambria Math" panose="02040503050406030204" pitchFamily="18" charset="0"/>
-                          </a:rPr>
-                          <m:t>0</m:t>
-                        </m:r>
-                      </m:sub>
-                    </m:sSub>
-                    <m:r>
-                      <a:rPr lang="en-US" b="0" i="0" smtClean="0">
-                        <a:latin typeface="Cambria Math" panose="02040503050406030204" pitchFamily="18" charset="0"/>
-                      </a:rPr>
-                      <m:t>=20 </m:t>
-                    </m:r>
-                    <m:r>
-                      <m:rPr>
-                        <m:sty m:val="p"/>
-                      </m:rPr>
-                      <a:rPr lang="en-US" b="0" i="0" smtClean="0">
-                        <a:latin typeface="Cambria Math" panose="02040503050406030204" pitchFamily="18" charset="0"/>
-                      </a:rPr>
-                      <m:t>m</m:t>
-                    </m:r>
-                    <m:r>
-                      <a:rPr lang="en-US" b="0" i="0" smtClean="0">
-                        <a:latin typeface="Cambria Math" panose="02040503050406030204" pitchFamily="18" charset="0"/>
-                      </a:rPr>
-                      <m:t>/</m:t>
-                    </m:r>
-                    <m:r>
-                      <m:rPr>
-                        <m:sty m:val="p"/>
-                      </m:rPr>
-                      <a:rPr lang="en-US" b="0" i="0" smtClean="0">
-                        <a:latin typeface="Cambria Math" panose="02040503050406030204" pitchFamily="18" charset="0"/>
-                      </a:rPr>
-                      <m:t>s</m:t>
-                    </m:r>
-                  </m:oMath>
-                </a14:m>
-                <a:r>
-                  <a:rPr lang="en-US" dirty="0"/>
-                  <a:t>. Then, we need to solve:</a:t>
-                </a:r>
-              </a:p>
-              <a:p>
-                <a:pPr lvl="1"/>
-                <a14:m>
-                  <m:oMath xmlns:m="http://schemas.openxmlformats.org/officeDocument/2006/math">
-                    <m:r>
-                      <a:rPr lang="en-US" b="0" i="1" smtClean="0">
-                        <a:latin typeface="Cambria Math" panose="02040503050406030204" pitchFamily="18" charset="0"/>
-                      </a:rPr>
-                      <m:t>𝑥</m:t>
-                    </m:r>
-                    <m:d>
-                      <m:dPr>
-                        <m:ctrlPr>
-                          <a:rPr lang="en-US" b="0" i="1" smtClean="0">
-                            <a:latin typeface="Cambria Math" panose="02040503050406030204" pitchFamily="18" charset="0"/>
-                          </a:rPr>
-                        </m:ctrlPr>
-                      </m:dPr>
-                      <m:e>
-                        <m:r>
-                          <a:rPr lang="en-US" b="0" i="1" smtClean="0">
-                            <a:latin typeface="Cambria Math" panose="02040503050406030204" pitchFamily="18" charset="0"/>
-                          </a:rPr>
-                          <m:t>0</m:t>
-                        </m:r>
-                      </m:e>
-                    </m:d>
-                    <m:r>
-                      <a:rPr lang="en-US" b="0" i="1" smtClean="0">
-                        <a:latin typeface="Cambria Math" panose="02040503050406030204" pitchFamily="18" charset="0"/>
-                      </a:rPr>
-                      <m:t>=0;</m:t>
-                    </m:r>
-                    <m:r>
-                      <a:rPr lang="en-US" b="0" i="1" smtClean="0">
-                        <a:latin typeface="Cambria Math" panose="02040503050406030204" pitchFamily="18" charset="0"/>
-                      </a:rPr>
-                      <m:t>𝑣</m:t>
-                    </m:r>
-                    <m:d>
-                      <m:dPr>
-                        <m:ctrlPr>
-                          <a:rPr lang="en-US" b="0" i="1" smtClean="0">
-                            <a:latin typeface="Cambria Math" panose="02040503050406030204" pitchFamily="18" charset="0"/>
-                          </a:rPr>
-                        </m:ctrlPr>
-                      </m:dPr>
-                      <m:e>
-                        <m:r>
-                          <a:rPr lang="en-US" b="0" i="1" smtClean="0">
-                            <a:latin typeface="Cambria Math" panose="02040503050406030204" pitchFamily="18" charset="0"/>
-                          </a:rPr>
-                          <m:t>0</m:t>
-                        </m:r>
-                      </m:e>
-                    </m:d>
-                    <m:r>
-                      <a:rPr lang="en-US" b="0" i="1" smtClean="0">
-                        <a:latin typeface="Cambria Math" panose="02040503050406030204" pitchFamily="18" charset="0"/>
-                      </a:rPr>
-                      <m:t>=</m:t>
-                    </m:r>
-                    <m:sSub>
-                      <m:sSubPr>
-                        <m:ctrlPr>
-                          <a:rPr lang="en-US" b="0" i="1" smtClean="0">
-                            <a:latin typeface="Cambria Math" panose="02040503050406030204" pitchFamily="18" charset="0"/>
-                          </a:rPr>
-                        </m:ctrlPr>
-                      </m:sSubPr>
-                      <m:e>
-                        <m:r>
-                          <a:rPr lang="en-US" b="0" i="1" smtClean="0">
-                            <a:latin typeface="Cambria Math" panose="02040503050406030204" pitchFamily="18" charset="0"/>
-                          </a:rPr>
-                          <m:t>𝑣</m:t>
-                        </m:r>
-                      </m:e>
-                      <m:sub>
-                        <m:r>
-                          <a:rPr lang="en-US" b="0" i="1" smtClean="0">
-                            <a:latin typeface="Cambria Math" panose="02040503050406030204" pitchFamily="18" charset="0"/>
-                          </a:rPr>
-                          <m:t>0</m:t>
-                        </m:r>
-                      </m:sub>
-                    </m:sSub>
-                  </m:oMath>
-                </a14:m>
-                <a:endParaRPr lang="en-US" b="0" dirty="0"/>
-              </a:p>
-              <a:p>
-                <a:pPr lvl="1"/>
-                <a14:m>
-                  <m:oMath xmlns:m="http://schemas.openxmlformats.org/officeDocument/2006/math">
-                    <m:acc>
-                      <m:accPr>
-                        <m:chr m:val="̇"/>
-                        <m:ctrlPr>
-                          <a:rPr lang="en-US" b="0" i="1" smtClean="0">
-                            <a:latin typeface="Cambria Math" panose="02040503050406030204" pitchFamily="18" charset="0"/>
-                          </a:rPr>
-                        </m:ctrlPr>
-                      </m:accPr>
-                      <m:e>
-                        <m:r>
-                          <a:rPr lang="en-US" b="0" i="1" smtClean="0">
-                            <a:latin typeface="Cambria Math" panose="02040503050406030204" pitchFamily="18" charset="0"/>
-                          </a:rPr>
-                          <m:t>𝑥</m:t>
-                        </m:r>
-                      </m:e>
-                    </m:acc>
-                    <m:r>
-                      <a:rPr lang="en-US" b="0" i="0" dirty="0" smtClean="0">
-                        <a:latin typeface="Cambria Math" panose="02040503050406030204" pitchFamily="18" charset="0"/>
-                      </a:rPr>
-                      <m:t>=</m:t>
-                    </m:r>
-                    <m:r>
-                      <a:rPr lang="en-US" b="0" i="1" dirty="0" smtClean="0">
-                        <a:latin typeface="Cambria Math" panose="02040503050406030204" pitchFamily="18" charset="0"/>
-                      </a:rPr>
-                      <m:t>𝑣</m:t>
-                    </m:r>
-                  </m:oMath>
-                </a14:m>
-                <a:r>
-                  <a:rPr lang="en-US" i="1" dirty="0"/>
-                  <a:t>;</a:t>
-                </a:r>
-                <a14:m>
-                  <m:oMath xmlns:m="http://schemas.openxmlformats.org/officeDocument/2006/math">
-                    <m:r>
-                      <a:rPr lang="en-US" b="0" i="1" smtClean="0">
-                        <a:latin typeface="Cambria Math" panose="02040503050406030204" pitchFamily="18" charset="0"/>
-                      </a:rPr>
-                      <m:t> </m:t>
-                    </m:r>
-                    <m:acc>
-                      <m:accPr>
-                        <m:chr m:val="̇"/>
-                        <m:ctrlPr>
-                          <a:rPr lang="en-US" b="0" i="1" smtClean="0">
-                            <a:latin typeface="Cambria Math" panose="02040503050406030204" pitchFamily="18" charset="0"/>
-                          </a:rPr>
-                        </m:ctrlPr>
-                      </m:accPr>
-                      <m:e>
-                        <m:r>
-                          <a:rPr lang="en-US" b="0" i="1" smtClean="0">
-                            <a:latin typeface="Cambria Math" panose="02040503050406030204" pitchFamily="18" charset="0"/>
-                          </a:rPr>
-                          <m:t>𝑣</m:t>
-                        </m:r>
-                      </m:e>
-                    </m:acc>
-                    <m:r>
-                      <a:rPr lang="en-US" b="0" i="1" dirty="0" smtClean="0">
-                        <a:latin typeface="Cambria Math" panose="02040503050406030204" pitchFamily="18" charset="0"/>
-                      </a:rPr>
-                      <m:t>=−</m:t>
-                    </m:r>
-                    <m:f>
-                      <m:fPr>
-                        <m:ctrlPr>
-                          <a:rPr lang="en-US" b="0" i="1" dirty="0" smtClean="0">
-                            <a:latin typeface="Cambria Math" panose="02040503050406030204" pitchFamily="18" charset="0"/>
-                          </a:rPr>
-                        </m:ctrlPr>
-                      </m:fPr>
-                      <m:num>
-                        <m:r>
-                          <a:rPr lang="en-US" b="0" i="1" dirty="0" smtClean="0">
-                            <a:latin typeface="Cambria Math" panose="02040503050406030204" pitchFamily="18" charset="0"/>
-                          </a:rPr>
-                          <m:t>𝑘𝑣</m:t>
-                        </m:r>
-                      </m:num>
-                      <m:den>
-                        <m:r>
-                          <a:rPr lang="en-US" b="0" i="1" dirty="0" smtClean="0">
-                            <a:latin typeface="Cambria Math" panose="02040503050406030204" pitchFamily="18" charset="0"/>
-                          </a:rPr>
-                          <m:t>𝑚</m:t>
-                        </m:r>
-                      </m:den>
-                    </m:f>
-                  </m:oMath>
-                </a14:m>
-                <a:endParaRPr lang="en-US" b="0" i="1" dirty="0"/>
-              </a:p>
-              <a:p>
-                <a:r>
-                  <a:rPr lang="en-US" dirty="0"/>
-                  <a:t>Solution to above differential equation (solve for </a:t>
-                </a:r>
-                <a14:m>
-                  <m:oMath xmlns:m="http://schemas.openxmlformats.org/officeDocument/2006/math">
-                    <m:r>
-                      <a:rPr lang="en-US" b="0" i="1" smtClean="0">
-                        <a:latin typeface="Cambria Math" panose="02040503050406030204" pitchFamily="18" charset="0"/>
-                      </a:rPr>
-                      <m:t>𝑣</m:t>
-                    </m:r>
-                  </m:oMath>
-                </a14:m>
-                <a:r>
-                  <a:rPr lang="en-US" dirty="0"/>
-                  <a:t> first, then </a:t>
-                </a:r>
-                <a14:m>
-                  <m:oMath xmlns:m="http://schemas.openxmlformats.org/officeDocument/2006/math">
-                    <m:r>
-                      <a:rPr lang="en-US" b="0" i="1" smtClean="0">
-                        <a:latin typeface="Cambria Math" panose="02040503050406030204" pitchFamily="18" charset="0"/>
-                      </a:rPr>
-                      <m:t>𝑥</m:t>
-                    </m:r>
-                  </m:oMath>
-                </a14:m>
-                <a:r>
-                  <a:rPr lang="en-US" dirty="0"/>
-                  <a:t>):</a:t>
-                </a:r>
-              </a:p>
-              <a:p>
-                <a:r>
-                  <a:rPr lang="en-US" dirty="0"/>
-                  <a:t>Compute solution using Simulink/</a:t>
-                </a:r>
-                <a:r>
-                  <a:rPr lang="en-US" dirty="0" err="1"/>
-                  <a:t>Matlab</a:t>
-                </a:r>
-                <a:r>
-                  <a:rPr lang="en-US" dirty="0"/>
-                  <a:t>/Breach</a:t>
-                </a:r>
-              </a:p>
-              <a:p>
-                <a:endParaRPr lang="en-US" i="1" dirty="0"/>
-              </a:p>
-              <a:p>
-                <a:endParaRPr lang="en-US" dirty="0"/>
-              </a:p>
-            </p:txBody>
-          </p:sp>
-        </mc:Choice>
-        <mc:Fallback xmlns="">
-          <p:sp>
-            <p:nvSpPr>
-              <p:cNvPr id="5" name="Content Placeholder 1">
-                <a:extLst>
-                  <a:ext uri="{FF2B5EF4-FFF2-40B4-BE49-F238E27FC236}">
-                    <a16:creationId xmlns:a16="http://schemas.microsoft.com/office/drawing/2014/main" id="{39786FDD-2C83-4112-9AA4-648DF41ED105}"/>
-                  </a:ext>
-                </a:extLst>
-              </p:cNvPr>
-              <p:cNvSpPr>
-                <a:spLocks noGrp="1" noRot="1" noChangeAspect="1" noMove="1" noResize="1" noEditPoints="1" noAdjustHandles="1" noChangeArrowheads="1" noChangeShapeType="1" noTextEdit="1"/>
-              </p:cNvSpPr>
-              <p:nvPr>
-                <p:ph idx="1"/>
-              </p:nvPr>
-            </p:nvSpPr>
-            <p:spPr>
-              <a:xfrm>
-                <a:off x="166680" y="1372460"/>
-                <a:ext cx="11699087" cy="4351338"/>
-              </a:xfrm>
-              <a:blipFill>
-                <a:blip r:embed="rId2"/>
-                <a:stretch>
-                  <a:fillRect l="-625" t="-2241" r="-938"/>
-                </a:stretch>
-              </a:blipFill>
-            </p:spPr>
-            <p:txBody>
-              <a:bodyPr/>
-              <a:lstStyle/>
-              <a:p>
-                <a:r>
-                  <a:rPr lang="en-US">
-                    <a:noFill/>
-                  </a:rPr>
-                  <a:t> </a:t>
-                </a:r>
-              </a:p>
-            </p:txBody>
-          </p:sp>
-        </mc:Fallback>
-      </mc:AlternateContent>
-      <mc:AlternateContent xmlns:mc="http://schemas.openxmlformats.org/markup-compatibility/2006" xmlns:a14="http://schemas.microsoft.com/office/drawing/2010/main">
-        <mc:Choice Requires="a14">
-          <p:sp>
-            <p:nvSpPr>
-              <p:cNvPr id="6" name="TextBox 5">
-                <a:extLst>
-                  <a:ext uri="{FF2B5EF4-FFF2-40B4-BE49-F238E27FC236}">
-                    <a16:creationId xmlns:a16="http://schemas.microsoft.com/office/drawing/2014/main" id="{4FE1EF50-D185-490A-8D31-C9F6680E9F65}"/>
-                  </a:ext>
-                </a:extLst>
-              </p:cNvPr>
-              <p:cNvSpPr txBox="1"/>
-              <p:nvPr/>
-            </p:nvSpPr>
-            <p:spPr>
-              <a:xfrm>
-                <a:off x="9831743" y="4094922"/>
-                <a:ext cx="1961563" cy="830997"/>
-              </a:xfrm>
-              <a:prstGeom prst="rect">
-                <a:avLst/>
-              </a:prstGeom>
-            </p:spPr>
-            <p:style>
-              <a:lnRef idx="2">
-                <a:schemeClr val="accent1"/>
-              </a:lnRef>
-              <a:fillRef idx="1">
-                <a:schemeClr val="lt1"/>
-              </a:fillRef>
-              <a:effectRef idx="0">
-                <a:schemeClr val="accent1"/>
-              </a:effectRef>
-              <a:fontRef idx="minor">
-                <a:schemeClr val="dk1"/>
-              </a:fontRef>
-            </p:style>
-            <p:txBody>
-              <a:bodyPr wrap="none" rtlCol="0">
-                <a:spAutoFit/>
-              </a:bodyPr>
-              <a:lstStyle/>
-              <a:p>
-                <a:pPr algn="ctr"/>
-                <a14:m>
-                  <m:oMathPara xmlns:m="http://schemas.openxmlformats.org/officeDocument/2006/math">
-                    <m:oMathParaPr>
-                      <m:jc m:val="centerGroup"/>
-                    </m:oMathParaPr>
-                    <m:oMath xmlns:m="http://schemas.openxmlformats.org/officeDocument/2006/math">
-                      <m:r>
-                        <a:rPr lang="en-US" sz="2400" b="0" i="1" smtClean="0">
-                          <a:solidFill>
-                            <a:schemeClr val="accent1">
-                              <a:lumMod val="75000"/>
-                            </a:schemeClr>
-                          </a:solidFill>
-                          <a:latin typeface="Cambria Math" panose="02040503050406030204" pitchFamily="18" charset="0"/>
-                        </a:rPr>
-                        <m:t>𝑚</m:t>
-                      </m:r>
-                      <m:r>
-                        <a:rPr lang="en-US" sz="2400" b="0" i="0" smtClean="0">
-                          <a:solidFill>
-                            <a:schemeClr val="accent1">
-                              <a:lumMod val="75000"/>
-                            </a:schemeClr>
-                          </a:solidFill>
-                          <a:latin typeface="Cambria Math" panose="02040503050406030204" pitchFamily="18" charset="0"/>
-                        </a:rPr>
-                        <m:t>=1000</m:t>
-                      </m:r>
-                      <m:r>
-                        <m:rPr>
-                          <m:sty m:val="p"/>
-                        </m:rPr>
-                        <a:rPr lang="en-US" sz="2400" b="0" i="0" smtClean="0">
-                          <a:solidFill>
-                            <a:schemeClr val="accent1">
-                              <a:lumMod val="75000"/>
-                            </a:schemeClr>
-                          </a:solidFill>
-                          <a:latin typeface="Cambria Math" panose="02040503050406030204" pitchFamily="18" charset="0"/>
-                        </a:rPr>
-                        <m:t>kg</m:t>
-                      </m:r>
-                    </m:oMath>
-                  </m:oMathPara>
-                </a14:m>
-                <a:endParaRPr lang="en-US" sz="2400" dirty="0">
-                  <a:solidFill>
-                    <a:schemeClr val="accent1">
-                      <a:lumMod val="75000"/>
-                    </a:schemeClr>
-                  </a:solidFill>
-                </a:endParaRPr>
-              </a:p>
-              <a:p>
-                <a:pPr algn="ctr"/>
-                <a14:m>
-                  <m:oMathPara xmlns:m="http://schemas.openxmlformats.org/officeDocument/2006/math">
-                    <m:oMathParaPr>
-                      <m:jc m:val="centerGroup"/>
-                    </m:oMathParaPr>
-                    <m:oMath xmlns:m="http://schemas.openxmlformats.org/officeDocument/2006/math">
-                      <m:r>
-                        <a:rPr lang="en-US" sz="2400" b="0" i="1" smtClean="0">
-                          <a:solidFill>
-                            <a:schemeClr val="accent1">
-                              <a:lumMod val="75000"/>
-                            </a:schemeClr>
-                          </a:solidFill>
-                          <a:latin typeface="Cambria Math" panose="02040503050406030204" pitchFamily="18" charset="0"/>
-                        </a:rPr>
-                        <m:t>𝑘</m:t>
-                      </m:r>
-                      <m:r>
-                        <a:rPr lang="en-US" sz="2400" b="0" i="1" smtClean="0">
-                          <a:solidFill>
-                            <a:schemeClr val="accent1">
-                              <a:lumMod val="75000"/>
-                            </a:schemeClr>
-                          </a:solidFill>
-                          <a:latin typeface="Cambria Math" panose="02040503050406030204" pitchFamily="18" charset="0"/>
-                        </a:rPr>
-                        <m:t>=50</m:t>
-                      </m:r>
-                      <m:r>
-                        <a:rPr lang="en-US" sz="2400" b="0" i="1" smtClean="0">
-                          <a:solidFill>
-                            <a:schemeClr val="accent1">
-                              <a:lumMod val="75000"/>
-                            </a:schemeClr>
-                          </a:solidFill>
-                          <a:latin typeface="Cambria Math" panose="02040503050406030204" pitchFamily="18" charset="0"/>
-                        </a:rPr>
-                        <m:t>𝑁𝑠</m:t>
-                      </m:r>
-                      <m:r>
-                        <a:rPr lang="en-US" sz="2400" b="0" i="1" smtClean="0">
-                          <a:solidFill>
-                            <a:schemeClr val="accent1">
-                              <a:lumMod val="75000"/>
-                            </a:schemeClr>
-                          </a:solidFill>
-                          <a:latin typeface="Cambria Math" panose="02040503050406030204" pitchFamily="18" charset="0"/>
-                        </a:rPr>
-                        <m:t>/</m:t>
-                      </m:r>
-                      <m:r>
-                        <a:rPr lang="en-US" sz="2400" b="0" i="1" smtClean="0">
-                          <a:solidFill>
-                            <a:schemeClr val="accent1">
-                              <a:lumMod val="75000"/>
-                            </a:schemeClr>
-                          </a:solidFill>
-                          <a:latin typeface="Cambria Math" panose="02040503050406030204" pitchFamily="18" charset="0"/>
-                        </a:rPr>
-                        <m:t>𝑚</m:t>
-                      </m:r>
-                    </m:oMath>
-                  </m:oMathPara>
-                </a14:m>
-                <a:endParaRPr lang="en-US" sz="2400" dirty="0">
-                  <a:solidFill>
-                    <a:schemeClr val="accent1">
-                      <a:lumMod val="75000"/>
-                    </a:schemeClr>
-                  </a:solidFill>
-                </a:endParaRPr>
-              </a:p>
-            </p:txBody>
-          </p:sp>
-        </mc:Choice>
-        <mc:Fallback xmlns="">
-          <p:sp>
-            <p:nvSpPr>
-              <p:cNvPr id="6" name="TextBox 5">
-                <a:extLst>
-                  <a:ext uri="{FF2B5EF4-FFF2-40B4-BE49-F238E27FC236}">
-                    <a16:creationId xmlns:a16="http://schemas.microsoft.com/office/drawing/2014/main" id="{4FE1EF50-D185-490A-8D31-C9F6680E9F65}"/>
-                  </a:ext>
-                </a:extLst>
-              </p:cNvPr>
-              <p:cNvSpPr txBox="1">
-                <a:spLocks noRot="1" noChangeAspect="1" noMove="1" noResize="1" noEditPoints="1" noAdjustHandles="1" noChangeArrowheads="1" noChangeShapeType="1" noTextEdit="1"/>
-              </p:cNvSpPr>
-              <p:nvPr/>
-            </p:nvSpPr>
-            <p:spPr>
-              <a:xfrm>
-                <a:off x="9831743" y="4094922"/>
-                <a:ext cx="1961563" cy="830997"/>
-              </a:xfrm>
-              <a:prstGeom prst="rect">
-                <a:avLst/>
-              </a:prstGeom>
-              <a:blipFill>
-                <a:blip r:embed="rId3"/>
-                <a:stretch>
-                  <a:fillRect l="-309" b="-8696"/>
-                </a:stretch>
-              </a:blipFill>
-            </p:spPr>
-            <p:txBody>
-              <a:bodyPr/>
-              <a:lstStyle/>
-              <a:p>
-                <a:r>
-                  <a:rPr lang="en-US">
-                    <a:noFill/>
-                  </a:rPr>
-                  <a:t> </a:t>
-                </a:r>
-              </a:p>
-            </p:txBody>
-          </p:sp>
-        </mc:Fallback>
-      </mc:AlternateContent>
-    </p:spTree>
-    <p:extLst>
-      <p:ext uri="{BB962C8B-B14F-4D97-AF65-F5344CB8AC3E}">
-        <p14:creationId xmlns:p14="http://schemas.microsoft.com/office/powerpoint/2010/main" val="948794696"/>
-      </p:ext>
-    </p:extLst>
-  </p:cSld>
-  <p:clrMapOvr>
-    <a:masterClrMapping/>
-  </p:clrMapOvr>
-</p:sld>
-</file>
-
-<file path=ppt/slides/slide12.xml><?xml version="1.0" encoding="utf-8"?>
 <p:sld xmlns:a="http://schemas.openxmlformats.org/drawingml/2006/main" xmlns:r="http://schemas.openxmlformats.org/officeDocument/2006/relationships" xmlns:p="http://schemas.openxmlformats.org/presentationml/2006/main">
   <p:cSld>
     <p:spTree>
@@ -5200,7 +4109,7 @@
             <a:fld id="{29AAD378-655A-49C6-813C-9FD132EF7440}" type="slidenum">
               <a:rPr lang="en-US" smtClean="0"/>
               <a:pPr/>
-              <a:t>12</a:t>
+              <a:t>10</a:t>
             </a:fld>
             <a:endParaRPr lang="en-US" dirty="0"/>
           </a:p>
@@ -5347,7 +4256,7 @@
 </p:sld>
 </file>
 
-<file path=ppt/slides/slide13.xml><?xml version="1.0" encoding="utf-8"?>
+<file path=ppt/slides/slide11.xml><?xml version="1.0" encoding="utf-8"?>
 <p:sld xmlns:a="http://schemas.openxmlformats.org/drawingml/2006/main" xmlns:r="http://schemas.openxmlformats.org/officeDocument/2006/relationships" xmlns:p="http://schemas.openxmlformats.org/presentationml/2006/main">
   <p:cSld>
     <p:spTree>
@@ -5724,7 +4633,7 @@
             <a:fld id="{29AAD378-655A-49C6-813C-9FD132EF7440}" type="slidenum">
               <a:rPr lang="en-US" smtClean="0"/>
               <a:pPr/>
-              <a:t>13</a:t>
+              <a:t>11</a:t>
             </a:fld>
             <a:endParaRPr lang="en-US" dirty="0"/>
           </a:p>
@@ -5743,7 +4652,7 @@
 </p:sld>
 </file>
 
-<file path=ppt/slides/slide14.xml><?xml version="1.0" encoding="utf-8"?>
+<file path=ppt/slides/slide12.xml><?xml version="1.0" encoding="utf-8"?>
 <p:sld xmlns:a="http://schemas.openxmlformats.org/drawingml/2006/main" xmlns:r="http://schemas.openxmlformats.org/officeDocument/2006/relationships" xmlns:p="http://schemas.openxmlformats.org/presentationml/2006/main">
   <p:cSld>
     <p:spTree>
@@ -6588,7 +5497,7 @@
             <a:fld id="{29AAD378-655A-49C6-813C-9FD132EF7440}" type="slidenum">
               <a:rPr lang="en-US" smtClean="0"/>
               <a:pPr/>
-              <a:t>14</a:t>
+              <a:t>12</a:t>
             </a:fld>
             <a:endParaRPr lang="en-US" dirty="0"/>
           </a:p>
@@ -6828,7 +5737,7 @@
 </p:sld>
 </file>
 
-<file path=ppt/slides/slide15.xml><?xml version="1.0" encoding="utf-8"?>
+<file path=ppt/slides/slide13.xml><?xml version="1.0" encoding="utf-8"?>
 <p:sld xmlns:a="http://schemas.openxmlformats.org/drawingml/2006/main" xmlns:r="http://schemas.openxmlformats.org/officeDocument/2006/relationships" xmlns:p="http://schemas.openxmlformats.org/presentationml/2006/main">
   <p:cSld>
     <p:spTree>
@@ -7070,7 +5979,7 @@
             <a:fld id="{29AAD378-655A-49C6-813C-9FD132EF7440}" type="slidenum">
               <a:rPr lang="en-US" smtClean="0"/>
               <a:pPr/>
-              <a:t>15</a:t>
+              <a:t>13</a:t>
             </a:fld>
             <a:endParaRPr lang="en-US" dirty="0"/>
           </a:p>
@@ -7310,7 +6219,7 @@
 </p:sld>
 </file>
 
-<file path=ppt/slides/slide16.xml><?xml version="1.0" encoding="utf-8"?>
+<file path=ppt/slides/slide14.xml><?xml version="1.0" encoding="utf-8"?>
 <p:sld xmlns:a="http://schemas.openxmlformats.org/drawingml/2006/main" xmlns:r="http://schemas.openxmlformats.org/officeDocument/2006/relationships" xmlns:p="http://schemas.openxmlformats.org/presentationml/2006/main">
   <p:cSld>
     <p:spTree>
@@ -8225,7 +7134,7 @@
             <a:fld id="{29AAD378-655A-49C6-813C-9FD132EF7440}" type="slidenum">
               <a:rPr lang="en-US" smtClean="0"/>
               <a:pPr/>
-              <a:t>16</a:t>
+              <a:t>14</a:t>
             </a:fld>
             <a:endParaRPr lang="en-US" dirty="0"/>
           </a:p>
@@ -8465,7 +7374,7 @@
 </p:sld>
 </file>
 
-<file path=ppt/slides/slide17.xml><?xml version="1.0" encoding="utf-8"?>
+<file path=ppt/slides/slide15.xml><?xml version="1.0" encoding="utf-8"?>
 <p:sld xmlns:a="http://schemas.openxmlformats.org/drawingml/2006/main" xmlns:r="http://schemas.openxmlformats.org/officeDocument/2006/relationships" xmlns:p="http://schemas.openxmlformats.org/presentationml/2006/main">
   <p:cSld>
     <p:spTree>
@@ -9076,7 +7985,7 @@
             <a:fld id="{29AAD378-655A-49C6-813C-9FD132EF7440}" type="slidenum">
               <a:rPr lang="en-US" smtClean="0"/>
               <a:pPr/>
-              <a:t>17</a:t>
+              <a:t>15</a:t>
             </a:fld>
             <a:endParaRPr lang="en-US" dirty="0"/>
           </a:p>
@@ -9316,7 +8225,7 @@
 </p:sld>
 </file>
 
-<file path=ppt/slides/slide18.xml><?xml version="1.0" encoding="utf-8"?>
+<file path=ppt/slides/slide16.xml><?xml version="1.0" encoding="utf-8"?>
 <p:sld xmlns:a="http://schemas.openxmlformats.org/drawingml/2006/main" xmlns:r="http://schemas.openxmlformats.org/officeDocument/2006/relationships" xmlns:p="http://schemas.openxmlformats.org/presentationml/2006/main">
   <p:cSld>
     <p:spTree>
@@ -9462,7 +8371,7 @@
             <a:fld id="{29AAD378-655A-49C6-813C-9FD132EF7440}" type="slidenum">
               <a:rPr lang="en-US" smtClean="0"/>
               <a:pPr/>
-              <a:t>18</a:t>
+              <a:t>16</a:t>
             </a:fld>
             <a:endParaRPr lang="en-US" dirty="0"/>
           </a:p>
@@ -9481,7 +8390,7 @@
 </p:sld>
 </file>
 
-<file path=ppt/slides/slide19.xml><?xml version="1.0" encoding="utf-8"?>
+<file path=ppt/slides/slide17.xml><?xml version="1.0" encoding="utf-8"?>
 <p:sld xmlns:a="http://schemas.openxmlformats.org/drawingml/2006/main" xmlns:r="http://schemas.openxmlformats.org/officeDocument/2006/relationships" xmlns:p="http://schemas.openxmlformats.org/presentationml/2006/main">
   <p:cSld>
     <p:spTree>
@@ -10308,7 +9217,7 @@
             <a:fld id="{29AAD378-655A-49C6-813C-9FD132EF7440}" type="slidenum">
               <a:rPr lang="en-US" smtClean="0"/>
               <a:pPr/>
-              <a:t>19</a:t>
+              <a:t>17</a:t>
             </a:fld>
             <a:endParaRPr lang="en-US" dirty="0"/>
           </a:p>
@@ -10327,114 +9236,7 @@
 </p:sld>
 </file>
 
-<file path=ppt/slides/slide2.xml><?xml version="1.0" encoding="utf-8"?>
-<p:sld xmlns:a="http://schemas.openxmlformats.org/drawingml/2006/main" xmlns:r="http://schemas.openxmlformats.org/officeDocument/2006/relationships" xmlns:p="http://schemas.openxmlformats.org/presentationml/2006/main">
-  <p:cSld>
-    <p:spTree>
-      <p:nvGrpSpPr>
-        <p:cNvPr id="1" name=""/>
-        <p:cNvGrpSpPr/>
-        <p:nvPr/>
-      </p:nvGrpSpPr>
-      <p:grpSpPr>
-        <a:xfrm>
-          <a:off x="0" y="0"/>
-          <a:ext cx="0" cy="0"/>
-          <a:chOff x="0" y="0"/>
-          <a:chExt cx="0" cy="0"/>
-        </a:xfrm>
-      </p:grpSpPr>
-      <p:sp>
-        <p:nvSpPr>
-          <p:cNvPr id="2" name="Title 1">
-            <a:extLst>
-              <a:ext uri="{FF2B5EF4-FFF2-40B4-BE49-F238E27FC236}">
-                <a16:creationId xmlns:a16="http://schemas.microsoft.com/office/drawing/2014/main" id="{19C79A87-9CBD-463B-9EB7-CB6895911500}"/>
-              </a:ext>
-            </a:extLst>
-          </p:cNvPr>
-          <p:cNvSpPr>
-            <a:spLocks noGrp="1"/>
-          </p:cNvSpPr>
-          <p:nvPr>
-            <p:ph type="ctrTitle"/>
-          </p:nvPr>
-        </p:nvSpPr>
-        <p:spPr>
-          <a:xfrm>
-            <a:off x="199785" y="1122363"/>
-            <a:ext cx="11818044" cy="2387600"/>
-          </a:xfrm>
-        </p:spPr>
-        <p:txBody>
-          <a:bodyPr anchor="ctr" anchorCtr="0"/>
-          <a:lstStyle/>
-          <a:p>
-            <a:r>
-              <a:rPr lang="en-US" dirty="0"/>
-              <a:t>Autonomous Cyber-Physical Systems:</a:t>
-            </a:r>
-            <a:br>
-              <a:rPr lang="en-US" dirty="0"/>
-            </a:br>
-            <a:r>
-              <a:rPr lang="en-US" sz="4000" dirty="0"/>
-              <a:t>Dynamical System Models</a:t>
-            </a:r>
-            <a:endParaRPr lang="en-US" dirty="0"/>
-          </a:p>
-        </p:txBody>
-      </p:sp>
-      <p:sp>
-        <p:nvSpPr>
-          <p:cNvPr id="3" name="Subtitle 2">
-            <a:extLst>
-              <a:ext uri="{FF2B5EF4-FFF2-40B4-BE49-F238E27FC236}">
-                <a16:creationId xmlns:a16="http://schemas.microsoft.com/office/drawing/2014/main" id="{52CCF91D-4F26-4DEE-BD5B-2AD08F8DC93B}"/>
-              </a:ext>
-            </a:extLst>
-          </p:cNvPr>
-          <p:cNvSpPr>
-            <a:spLocks noGrp="1"/>
-          </p:cNvSpPr>
-          <p:nvPr>
-            <p:ph type="subTitle" idx="1"/>
-          </p:nvPr>
-        </p:nvSpPr>
-        <p:spPr/>
-        <p:txBody>
-          <a:bodyPr>
-            <a:normAutofit/>
-          </a:bodyPr>
-          <a:lstStyle/>
-          <a:p>
-            <a:r>
-              <a:rPr lang="en-US" dirty="0"/>
-              <a:t>Fall 2020. CS 513.</a:t>
-            </a:r>
-          </a:p>
-          <a:p>
-            <a:r>
-              <a:rPr lang="en-US" dirty="0"/>
-              <a:t>Instructor: Jyo Deshmukh</a:t>
-            </a:r>
-          </a:p>
-        </p:txBody>
-      </p:sp>
-    </p:spTree>
-    <p:extLst>
-      <p:ext uri="{BB962C8B-B14F-4D97-AF65-F5344CB8AC3E}">
-        <p14:creationId xmlns:p14="http://schemas.microsoft.com/office/powerpoint/2010/main" val="1477390516"/>
-      </p:ext>
-    </p:extLst>
-  </p:cSld>
-  <p:clrMapOvr>
-    <a:masterClrMapping/>
-  </p:clrMapOvr>
-</p:sld>
-</file>
-
-<file path=ppt/slides/slide20.xml><?xml version="1.0" encoding="utf-8"?>
+<file path=ppt/slides/slide18.xml><?xml version="1.0" encoding="utf-8"?>
 <p:sld xmlns:a="http://schemas.openxmlformats.org/drawingml/2006/main" xmlns:r="http://schemas.openxmlformats.org/officeDocument/2006/relationships" xmlns:p="http://schemas.openxmlformats.org/presentationml/2006/main">
   <p:cSld>
     <p:spTree>
@@ -11042,7 +9844,7 @@
             <a:fld id="{29AAD378-655A-49C6-813C-9FD132EF7440}" type="slidenum">
               <a:rPr lang="en-US" smtClean="0"/>
               <a:pPr/>
-              <a:t>20</a:t>
+              <a:t>18</a:t>
             </a:fld>
             <a:endParaRPr lang="en-US" dirty="0"/>
           </a:p>
@@ -11061,7 +9863,7 @@
 </p:sld>
 </file>
 
-<file path=ppt/slides/slide21.xml><?xml version="1.0" encoding="utf-8"?>
+<file path=ppt/slides/slide19.xml><?xml version="1.0" encoding="utf-8"?>
 <p:sld xmlns:a="http://schemas.openxmlformats.org/drawingml/2006/main" xmlns:r="http://schemas.openxmlformats.org/officeDocument/2006/relationships" xmlns:p="http://schemas.openxmlformats.org/presentationml/2006/main">
   <p:cSld>
     <p:spTree>
@@ -11078,8 +9880,8 @@
           <a:chExt cx="0" cy="0"/>
         </a:xfrm>
       </p:grpSpPr>
-      <mc:AlternateContent xmlns:mc="http://schemas.openxmlformats.org/markup-compatibility/2006">
-        <mc:Choice xmlns:a14="http://schemas.microsoft.com/office/drawing/2010/main" Requires="a14">
+      <mc:AlternateContent xmlns:mc="http://schemas.openxmlformats.org/markup-compatibility/2006" xmlns:a14="http://schemas.microsoft.com/office/drawing/2010/main">
+        <mc:Choice Requires="a14">
           <p:sp>
             <p:nvSpPr>
               <p:cNvPr id="2" name="Content Placeholder 1">
@@ -11812,7 +10614,7 @@
             </p:txBody>
           </p:sp>
         </mc:Choice>
-        <mc:Fallback>
+        <mc:Fallback xmlns="">
           <p:sp>
             <p:nvSpPr>
               <p:cNvPr id="2" name="Content Placeholder 1">
@@ -11904,7 +10706,7 @@
             <a:fld id="{29AAD378-655A-49C6-813C-9FD132EF7440}" type="slidenum">
               <a:rPr lang="en-US" smtClean="0"/>
               <a:pPr/>
-              <a:t>21</a:t>
+              <a:t>19</a:t>
             </a:fld>
             <a:endParaRPr lang="en-US" dirty="0"/>
           </a:p>
@@ -11923,7 +10725,118 @@
 </p:sld>
 </file>
 
-<file path=ppt/slides/slide22.xml><?xml version="1.0" encoding="utf-8"?>
+<file path=ppt/slides/slide2.xml><?xml version="1.0" encoding="utf-8"?>
+<p:sld xmlns:a="http://schemas.openxmlformats.org/drawingml/2006/main" xmlns:r="http://schemas.openxmlformats.org/officeDocument/2006/relationships" xmlns:p="http://schemas.openxmlformats.org/presentationml/2006/main">
+  <p:cSld>
+    <p:spTree>
+      <p:nvGrpSpPr>
+        <p:cNvPr id="1" name=""/>
+        <p:cNvGrpSpPr/>
+        <p:nvPr/>
+      </p:nvGrpSpPr>
+      <p:grpSpPr>
+        <a:xfrm>
+          <a:off x="0" y="0"/>
+          <a:ext cx="0" cy="0"/>
+          <a:chOff x="0" y="0"/>
+          <a:chExt cx="0" cy="0"/>
+        </a:xfrm>
+      </p:grpSpPr>
+      <p:sp>
+        <p:nvSpPr>
+          <p:cNvPr id="2" name="Content Placeholder 1">
+            <a:extLst>
+              <a:ext uri="{FF2B5EF4-FFF2-40B4-BE49-F238E27FC236}">
+                <a16:creationId xmlns:a16="http://schemas.microsoft.com/office/drawing/2014/main" id="{6808531E-D9DF-4FA3-9504-0F488FE88B71}"/>
+              </a:ext>
+            </a:extLst>
+          </p:cNvPr>
+          <p:cNvSpPr>
+            <a:spLocks noGrp="1"/>
+          </p:cNvSpPr>
+          <p:nvPr>
+            <p:ph idx="1"/>
+          </p:nvPr>
+        </p:nvSpPr>
+        <p:spPr/>
+        <p:txBody>
+          <a:bodyPr>
+            <a:normAutofit/>
+          </a:bodyPr>
+          <a:lstStyle/>
+          <a:p>
+            <a:pPr marL="0" indent="0" algn="ctr">
+              <a:buNone/>
+            </a:pPr>
+            <a:endParaRPr lang="en-US" sz="3600" dirty="0"/>
+          </a:p>
+          <a:p>
+            <a:pPr marL="0" indent="0" algn="ctr">
+              <a:buNone/>
+            </a:pPr>
+            <a:endParaRPr lang="en-US" sz="3600" dirty="0"/>
+          </a:p>
+          <a:p>
+            <a:pPr marL="0" indent="0" algn="ctr">
+              <a:buNone/>
+            </a:pPr>
+            <a:endParaRPr lang="en-US" sz="3600" dirty="0"/>
+          </a:p>
+          <a:p>
+            <a:pPr marL="0" indent="0" algn="ctr">
+              <a:buNone/>
+            </a:pPr>
+            <a:r>
+              <a:rPr lang="en-US" sz="3600" dirty="0"/>
+              <a:t>Dynamical System Models</a:t>
+            </a:r>
+          </a:p>
+        </p:txBody>
+      </p:sp>
+      <p:sp>
+        <p:nvSpPr>
+          <p:cNvPr id="4" name="Slide Number Placeholder 3">
+            <a:extLst>
+              <a:ext uri="{FF2B5EF4-FFF2-40B4-BE49-F238E27FC236}">
+                <a16:creationId xmlns:a16="http://schemas.microsoft.com/office/drawing/2014/main" id="{2B3E243B-7442-44D4-8F92-E8AEC665316D}"/>
+              </a:ext>
+            </a:extLst>
+          </p:cNvPr>
+          <p:cNvSpPr>
+            <a:spLocks noGrp="1"/>
+          </p:cNvSpPr>
+          <p:nvPr>
+            <p:ph type="sldNum" sz="quarter" idx="12"/>
+          </p:nvPr>
+        </p:nvSpPr>
+        <p:spPr/>
+        <p:txBody>
+          <a:bodyPr/>
+          <a:lstStyle/>
+          <a:p>
+            <a:fld id="{29AAD378-655A-49C6-813C-9FD132EF7440}" type="slidenum">
+              <a:rPr lang="en-US" smtClean="0"/>
+              <a:pPr/>
+              <a:t>2</a:t>
+            </a:fld>
+            <a:endParaRPr lang="en-US" dirty="0"/>
+          </a:p>
+        </p:txBody>
+      </p:sp>
+    </p:spTree>
+    <p:extLst>
+      <p:ext uri="{BB962C8B-B14F-4D97-AF65-F5344CB8AC3E}">
+        <p14:creationId xmlns:p14="http://schemas.microsoft.com/office/powerpoint/2010/main" val="223579750"/>
+      </p:ext>
+    </p:extLst>
+  </p:cSld>
+  <p:clrMapOvr>
+    <a:masterClrMapping/>
+  </p:clrMapOvr>
+</p:sld>
+</file>
+
+<file path=ppt/slides/slide20.xml><?xml version="1.0" encoding="utf-8"?>
 <p:sld xmlns:a="http://schemas.openxmlformats.org/drawingml/2006/main" xmlns:r="http://schemas.openxmlformats.org/officeDocument/2006/relationships" xmlns:p="http://schemas.openxmlformats.org/presentationml/2006/main">
   <p:cSld>
     <p:spTree>
@@ -12053,7 +10966,7 @@
             <a:fld id="{29AAD378-655A-49C6-813C-9FD132EF7440}" type="slidenum">
               <a:rPr lang="en-US" smtClean="0"/>
               <a:pPr/>
-              <a:t>22</a:t>
+              <a:t>20</a:t>
             </a:fld>
             <a:endParaRPr lang="en-US" dirty="0"/>
           </a:p>
@@ -12813,7 +11726,7 @@
 </p:sld>
 </file>
 
-<file path=ppt/slides/slide23.xml><?xml version="1.0" encoding="utf-8"?>
+<file path=ppt/slides/slide21.xml><?xml version="1.0" encoding="utf-8"?>
 <p:sld xmlns:a="http://schemas.openxmlformats.org/drawingml/2006/main" xmlns:r="http://schemas.openxmlformats.org/officeDocument/2006/relationships" xmlns:p="http://schemas.openxmlformats.org/presentationml/2006/main">
   <p:cSld>
     <p:spTree>
@@ -12885,8 +11798,8 @@
           </a:p>
         </p:txBody>
       </p:sp>
-      <mc:AlternateContent xmlns:mc="http://schemas.openxmlformats.org/markup-compatibility/2006" xmlns:a14="http://schemas.microsoft.com/office/drawing/2010/main">
-        <mc:Choice Requires="a14">
+      <mc:AlternateContent xmlns:mc="http://schemas.openxmlformats.org/markup-compatibility/2006">
+        <mc:Choice xmlns:a14="http://schemas.microsoft.com/office/drawing/2010/main" Requires="a14">
           <p:sp>
             <p:nvSpPr>
               <p:cNvPr id="2" name="Content Placeholder 1">
@@ -13091,19 +12004,19 @@
               <a:p>
                 <a:pPr lvl="1"/>
                 <a:r>
-                  <a:rPr lang="en-US" dirty="0"/>
+                  <a:rPr lang="en-US" sz="2800" dirty="0"/>
                   <a:t>For every </a:t>
                 </a:r>
                 <a14:m>
                   <m:oMath xmlns:m="http://schemas.openxmlformats.org/officeDocument/2006/math">
                     <m:r>
-                      <a:rPr lang="en-US" b="0" i="1" smtClean="0">
+                      <a:rPr lang="en-US" sz="2800" b="0" i="1" smtClean="0">
                         <a:latin typeface="Cambria Math" panose="02040503050406030204" pitchFamily="18" charset="0"/>
                       </a:rPr>
                       <m:t>𝜖</m:t>
                     </m:r>
                     <m:r>
-                      <a:rPr lang="en-US" b="0" i="1" smtClean="0">
+                      <a:rPr lang="en-US" sz="2800" b="0" i="1" smtClean="0">
                         <a:latin typeface="Cambria Math" panose="02040503050406030204" pitchFamily="18" charset="0"/>
                       </a:rPr>
                       <m:t>&gt;0</m:t>
@@ -13111,26 +12024,26 @@
                   </m:oMath>
                 </a14:m>
                 <a:r>
-                  <a:rPr lang="en-US" dirty="0"/>
+                  <a:rPr lang="en-US" sz="2800" dirty="0"/>
                   <a:t>, </a:t>
                 </a:r>
               </a:p>
               <a:p>
                 <a:pPr lvl="2"/>
                 <a:r>
-                  <a:rPr lang="en-US" dirty="0"/>
+                  <a:rPr lang="en-US" sz="2800" dirty="0"/>
                   <a:t>There exists a </a:t>
                 </a:r>
                 <a14:m>
                   <m:oMath xmlns:m="http://schemas.openxmlformats.org/officeDocument/2006/math">
                     <m:r>
-                      <a:rPr lang="en-US" b="0" i="1" smtClean="0">
+                      <a:rPr lang="en-US" sz="2800" b="0" i="1" smtClean="0">
                         <a:latin typeface="Cambria Math" panose="02040503050406030204" pitchFamily="18" charset="0"/>
                       </a:rPr>
                       <m:t>𝛿</m:t>
                     </m:r>
                     <m:r>
-                      <a:rPr lang="en-US" b="0" i="0" smtClean="0">
+                      <a:rPr lang="en-US" sz="2800" b="0" i="0" smtClean="0">
                         <a:latin typeface="Cambria Math" panose="02040503050406030204" pitchFamily="18" charset="0"/>
                       </a:rPr>
                       <m:t>&gt;0</m:t>
@@ -13138,14 +12051,14 @@
                   </m:oMath>
                 </a14:m>
                 <a:r>
-                  <a:rPr lang="en-US" dirty="0"/>
+                  <a:rPr lang="en-US" sz="2800" dirty="0"/>
                   <a:t>, such that</a:t>
                 </a:r>
               </a:p>
               <a:p>
                 <a:pPr lvl="3"/>
                 <a:r>
-                  <a:rPr lang="en-US" dirty="0"/>
+                  <a:rPr lang="en-US" sz="2800" dirty="0"/>
                   <a:t>if </a:t>
                 </a:r>
                 <a14:m>
@@ -13155,14 +12068,14 @@
                         <m:begChr m:val="‖"/>
                         <m:endChr m:val="‖"/>
                         <m:ctrlPr>
-                          <a:rPr lang="en-US" b="0" i="1" smtClean="0">
+                          <a:rPr lang="en-US" sz="2800" b="0" i="1" smtClean="0">
                             <a:latin typeface="Cambria Math" panose="02040503050406030204" pitchFamily="18" charset="0"/>
                           </a:rPr>
                         </m:ctrlPr>
                       </m:dPr>
                       <m:e>
                         <m:r>
-                          <a:rPr lang="en-US" b="1" i="0" smtClean="0">
+                          <a:rPr lang="en-US" sz="2800" b="1" i="0" smtClean="0">
                             <a:latin typeface="Cambria Math" panose="02040503050406030204" pitchFamily="18" charset="0"/>
                           </a:rPr>
                           <m:t>𝐱</m:t>
@@ -13170,14 +12083,14 @@
                         <m:d>
                           <m:dPr>
                             <m:ctrlPr>
-                              <a:rPr lang="en-US" b="1" i="1" smtClean="0">
+                              <a:rPr lang="en-US" sz="2800" b="1" i="1" smtClean="0">
                                 <a:latin typeface="Cambria Math" panose="02040503050406030204" pitchFamily="18" charset="0"/>
                               </a:rPr>
                             </m:ctrlPr>
                           </m:dPr>
                           <m:e>
                             <m:r>
-                              <a:rPr lang="en-US" b="0" i="0" smtClean="0">
+                              <a:rPr lang="en-US" sz="2800" b="0" i="0" smtClean="0">
                                 <a:latin typeface="Cambria Math" panose="02040503050406030204" pitchFamily="18" charset="0"/>
                               </a:rPr>
                               <m:t>0</m:t>
@@ -13185,7 +12098,7 @@
                           </m:e>
                         </m:d>
                         <m:r>
-                          <a:rPr lang="en-US" b="1" i="0" smtClean="0">
+                          <a:rPr lang="en-US" sz="2800" b="1" i="0" smtClean="0">
                             <a:latin typeface="Cambria Math" panose="02040503050406030204" pitchFamily="18" charset="0"/>
                           </a:rPr>
                           <m:t>−</m:t>
@@ -13193,14 +12106,14 @@
                         <m:sSup>
                           <m:sSupPr>
                             <m:ctrlPr>
-                              <a:rPr lang="en-US" b="1" i="1" smtClean="0">
+                              <a:rPr lang="en-US" sz="2800" b="1" i="1" smtClean="0">
                                 <a:latin typeface="Cambria Math" panose="02040503050406030204" pitchFamily="18" charset="0"/>
                               </a:rPr>
                             </m:ctrlPr>
                           </m:sSupPr>
                           <m:e>
                             <m:r>
-                              <a:rPr lang="en-US" b="1" i="0" smtClean="0">
+                              <a:rPr lang="en-US" sz="2800" b="1" i="0" smtClean="0">
                                 <a:latin typeface="Cambria Math" panose="02040503050406030204" pitchFamily="18" charset="0"/>
                               </a:rPr>
                               <m:t>𝐱</m:t>
@@ -13208,7 +12121,7 @@
                           </m:e>
                           <m:sup>
                             <m:r>
-                              <a:rPr lang="en-US" b="1" i="0" smtClean="0">
+                              <a:rPr lang="en-US" sz="2800" b="1" i="0" smtClean="0">
                                 <a:latin typeface="Cambria Math" panose="02040503050406030204" pitchFamily="18" charset="0"/>
                               </a:rPr>
                               <m:t>∗</m:t>
@@ -13218,19 +12131,19 @@
                       </m:e>
                     </m:d>
                     <m:r>
-                      <a:rPr lang="en-US" b="1" i="1" smtClean="0">
+                      <a:rPr lang="en-US" sz="2800" b="1" i="1" smtClean="0">
                         <a:latin typeface="Cambria Math" panose="02040503050406030204" pitchFamily="18" charset="0"/>
                       </a:rPr>
                       <m:t>&lt;</m:t>
                     </m:r>
                     <m:r>
-                      <a:rPr lang="en-US" b="0" i="1" smtClean="0">
+                      <a:rPr lang="en-US" sz="2800" b="0" i="1" smtClean="0">
                         <a:latin typeface="Cambria Math" panose="02040503050406030204" pitchFamily="18" charset="0"/>
                       </a:rPr>
                       <m:t>𝛿</m:t>
                     </m:r>
                     <m:r>
-                      <a:rPr lang="en-US" b="1" i="1" smtClean="0">
+                      <a:rPr lang="en-US" sz="2800" b="1" i="1" smtClean="0">
                         <a:latin typeface="Cambria Math" panose="02040503050406030204" pitchFamily="18" charset="0"/>
                       </a:rPr>
                       <m:t>,</m:t>
@@ -13238,30 +12151,30 @@
                   </m:oMath>
                 </a14:m>
                 <a:r>
-                  <a:rPr lang="en-US" b="1" dirty="0"/>
+                  <a:rPr lang="en-US" sz="2800" b="1" dirty="0"/>
                   <a:t> </a:t>
                 </a:r>
                 <a:r>
-                  <a:rPr lang="en-US" dirty="0"/>
+                  <a:rPr lang="en-US" sz="2800" dirty="0"/>
                   <a:t>then, </a:t>
                 </a:r>
               </a:p>
               <a:p>
                 <a:pPr lvl="3"/>
                 <a:r>
-                  <a:rPr lang="en-US" dirty="0"/>
+                  <a:rPr lang="en-US" sz="2800" dirty="0"/>
                   <a:t>for every </a:t>
                 </a:r>
                 <a14:m>
                   <m:oMath xmlns:m="http://schemas.openxmlformats.org/officeDocument/2006/math">
                     <m:r>
-                      <a:rPr lang="en-US" b="0" i="1" smtClean="0">
+                      <a:rPr lang="en-US" sz="2800" b="0" i="1" smtClean="0">
                         <a:latin typeface="Cambria Math" panose="02040503050406030204" pitchFamily="18" charset="0"/>
                       </a:rPr>
                       <m:t>𝑡</m:t>
                     </m:r>
                     <m:r>
-                      <a:rPr lang="en-US" b="0" i="1" smtClean="0">
+                      <a:rPr lang="en-US" sz="2800" b="0" i="1" smtClean="0">
                         <a:latin typeface="Cambria Math" panose="02040503050406030204" pitchFamily="18" charset="0"/>
                       </a:rPr>
                       <m:t>≥0,</m:t>
@@ -13269,7 +12182,7 @@
                   </m:oMath>
                 </a14:m>
                 <a:r>
-                  <a:rPr lang="en-US" dirty="0"/>
+                  <a:rPr lang="en-US" sz="2800" dirty="0"/>
                   <a:t> we have </a:t>
                 </a:r>
                 <a14:m>
@@ -13279,14 +12192,14 @@
                         <m:begChr m:val="‖"/>
                         <m:endChr m:val="‖"/>
                         <m:ctrlPr>
-                          <a:rPr lang="en-US" b="0" i="1" smtClean="0">
+                          <a:rPr lang="en-US" sz="2800" b="0" i="1" smtClean="0">
                             <a:latin typeface="Cambria Math" panose="02040503050406030204" pitchFamily="18" charset="0"/>
                           </a:rPr>
                         </m:ctrlPr>
                       </m:dPr>
                       <m:e>
                         <m:r>
-                          <a:rPr lang="en-US" b="1" i="0" smtClean="0">
+                          <a:rPr lang="en-US" sz="2800" b="1" i="0" smtClean="0">
                             <a:latin typeface="Cambria Math" panose="02040503050406030204" pitchFamily="18" charset="0"/>
                           </a:rPr>
                           <m:t>𝐱</m:t>
@@ -13294,14 +12207,14 @@
                         <m:d>
                           <m:dPr>
                             <m:ctrlPr>
-                              <a:rPr lang="en-US" b="0" i="1" smtClean="0">
+                              <a:rPr lang="en-US" sz="2800" b="0" i="1" smtClean="0">
                                 <a:latin typeface="Cambria Math" panose="02040503050406030204" pitchFamily="18" charset="0"/>
                               </a:rPr>
                             </m:ctrlPr>
                           </m:dPr>
                           <m:e>
                             <m:r>
-                              <a:rPr lang="en-US" b="0" i="1" smtClean="0">
+                              <a:rPr lang="en-US" sz="2800" b="0" i="1" smtClean="0">
                                 <a:latin typeface="Cambria Math" panose="02040503050406030204" pitchFamily="18" charset="0"/>
                               </a:rPr>
                               <m:t>𝑡</m:t>
@@ -13309,7 +12222,7 @@
                           </m:e>
                         </m:d>
                         <m:r>
-                          <a:rPr lang="en-US" b="0" i="1" smtClean="0">
+                          <a:rPr lang="en-US" sz="2800" b="0" i="1" smtClean="0">
                             <a:latin typeface="Cambria Math" panose="02040503050406030204" pitchFamily="18" charset="0"/>
                           </a:rPr>
                           <m:t>−</m:t>
@@ -13317,14 +12230,14 @@
                         <m:sSup>
                           <m:sSupPr>
                             <m:ctrlPr>
-                              <a:rPr lang="en-US" b="0" i="1" smtClean="0">
+                              <a:rPr lang="en-US" sz="2800" b="0" i="1" smtClean="0">
                                 <a:latin typeface="Cambria Math" panose="02040503050406030204" pitchFamily="18" charset="0"/>
                               </a:rPr>
                             </m:ctrlPr>
                           </m:sSupPr>
                           <m:e>
                             <m:r>
-                              <a:rPr lang="en-US" b="1" i="0" smtClean="0">
+                              <a:rPr lang="en-US" sz="2800" b="1" i="0" smtClean="0">
                                 <a:latin typeface="Cambria Math" panose="02040503050406030204" pitchFamily="18" charset="0"/>
                               </a:rPr>
                               <m:t>𝐱</m:t>
@@ -13332,7 +12245,7 @@
                           </m:e>
                           <m:sup>
                             <m:r>
-                              <a:rPr lang="en-US" b="0" i="1" smtClean="0">
+                              <a:rPr lang="en-US" sz="2800" b="0" i="1" smtClean="0">
                                 <a:latin typeface="Cambria Math" panose="02040503050406030204" pitchFamily="18" charset="0"/>
                               </a:rPr>
                               <m:t>∗</m:t>
@@ -13342,20 +12255,20 @@
                       </m:e>
                     </m:d>
                     <m:r>
-                      <a:rPr lang="en-US" b="0" i="1" smtClean="0">
+                      <a:rPr lang="en-US" sz="2800" b="0" i="1" smtClean="0">
                         <a:latin typeface="Cambria Math" panose="02040503050406030204" pitchFamily="18" charset="0"/>
                       </a:rPr>
                       <m:t>&lt;</m:t>
                     </m:r>
                     <m:r>
-                      <a:rPr lang="en-US" b="0" i="1" smtClean="0">
+                      <a:rPr lang="en-US" sz="2800" b="0" i="1" smtClean="0">
                         <a:latin typeface="Cambria Math" panose="02040503050406030204" pitchFamily="18" charset="0"/>
                       </a:rPr>
                       <m:t>𝜖</m:t>
                     </m:r>
                   </m:oMath>
                 </a14:m>
-                <a:endParaRPr lang="en-US" dirty="0"/>
+                <a:endParaRPr lang="en-US" sz="2800" dirty="0"/>
               </a:p>
               <a:p>
                 <a:pPr marL="0" indent="0">
@@ -13366,7 +12279,7 @@
             </p:txBody>
           </p:sp>
         </mc:Choice>
-        <mc:Fallback xmlns="">
+        <mc:Fallback>
           <p:sp>
             <p:nvSpPr>
               <p:cNvPr id="2" name="Content Placeholder 1">
@@ -13462,7 +12375,7 @@
             <a:fld id="{29AAD378-655A-49C6-813C-9FD132EF7440}" type="slidenum">
               <a:rPr lang="en-US" smtClean="0"/>
               <a:pPr/>
-              <a:t>23</a:t>
+              <a:t>21</a:t>
             </a:fld>
             <a:endParaRPr lang="en-US" dirty="0"/>
           </a:p>
@@ -14671,7 +13584,7 @@
 </p:sld>
 </file>
 
-<file path=ppt/slides/slide24.xml><?xml version="1.0" encoding="utf-8"?>
+<file path=ppt/slides/slide22.xml><?xml version="1.0" encoding="utf-8"?>
 <p:sld xmlns:a="http://schemas.openxmlformats.org/drawingml/2006/main" xmlns:r="http://schemas.openxmlformats.org/officeDocument/2006/relationships" xmlns:p="http://schemas.openxmlformats.org/presentationml/2006/main">
   <p:cSld>
     <p:spTree>
@@ -15652,7 +14565,7 @@
             <a:fld id="{29AAD378-655A-49C6-813C-9FD132EF7440}" type="slidenum">
               <a:rPr lang="en-US" smtClean="0"/>
               <a:pPr/>
-              <a:t>24</a:t>
+              <a:t>22</a:t>
             </a:fld>
             <a:endParaRPr lang="en-US" dirty="0"/>
           </a:p>
@@ -15671,7 +14584,7 @@
 </p:sld>
 </file>
 
-<file path=ppt/slides/slide25.xml><?xml version="1.0" encoding="utf-8"?>
+<file path=ppt/slides/slide23.xml><?xml version="1.0" encoding="utf-8"?>
 <p:sld xmlns:a="http://schemas.openxmlformats.org/drawingml/2006/main" xmlns:r="http://schemas.openxmlformats.org/officeDocument/2006/relationships" xmlns:p="http://schemas.openxmlformats.org/presentationml/2006/main">
   <p:cSld>
     <p:spTree>
@@ -15871,7 +14784,7 @@
             <a:fld id="{29AAD378-655A-49C6-813C-9FD132EF7440}" type="slidenum">
               <a:rPr lang="en-US" smtClean="0"/>
               <a:pPr/>
-              <a:t>25</a:t>
+              <a:t>23</a:t>
             </a:fld>
             <a:endParaRPr lang="en-US" dirty="0"/>
           </a:p>
@@ -15890,7 +14803,7 @@
 </p:sld>
 </file>
 
-<file path=ppt/slides/slide26.xml><?xml version="1.0" encoding="utf-8"?>
+<file path=ppt/slides/slide24.xml><?xml version="1.0" encoding="utf-8"?>
 <p:sld xmlns:a="http://schemas.openxmlformats.org/drawingml/2006/main" xmlns:r="http://schemas.openxmlformats.org/officeDocument/2006/relationships" xmlns:p="http://schemas.openxmlformats.org/presentationml/2006/main">
   <p:cSld>
     <p:spTree>
@@ -15907,8 +14820,8 @@
           <a:chExt cx="0" cy="0"/>
         </a:xfrm>
       </p:grpSpPr>
-      <mc:AlternateContent xmlns:mc="http://schemas.openxmlformats.org/markup-compatibility/2006">
-        <mc:Choice xmlns:a14="http://schemas.microsoft.com/office/drawing/2010/main" Requires="a14">
+      <mc:AlternateContent xmlns:mc="http://schemas.openxmlformats.org/markup-compatibility/2006" xmlns:a14="http://schemas.microsoft.com/office/drawing/2010/main">
+        <mc:Choice Requires="a14">
           <p:sp>
             <p:nvSpPr>
               <p:cNvPr id="2" name="Content Placeholder 1">
@@ -16192,7 +15105,7 @@
             </p:txBody>
           </p:sp>
         </mc:Choice>
-        <mc:Fallback>
+        <mc:Fallback xmlns="">
           <p:sp>
             <p:nvSpPr>
               <p:cNvPr id="2" name="Content Placeholder 1">
@@ -16284,7 +15197,7 @@
             <a:fld id="{29AAD378-655A-49C6-813C-9FD132EF7440}" type="slidenum">
               <a:rPr lang="en-US" smtClean="0"/>
               <a:pPr/>
-              <a:t>26</a:t>
+              <a:t>24</a:t>
             </a:fld>
             <a:endParaRPr lang="en-US" dirty="0"/>
           </a:p>
@@ -16303,7 +15216,7 @@
 </p:sld>
 </file>
 
-<file path=ppt/slides/slide27.xml><?xml version="1.0" encoding="utf-8"?>
+<file path=ppt/slides/slide25.xml><?xml version="1.0" encoding="utf-8"?>
 <p:sld xmlns:a="http://schemas.openxmlformats.org/drawingml/2006/main" xmlns:r="http://schemas.openxmlformats.org/officeDocument/2006/relationships" xmlns:p="http://schemas.openxmlformats.org/presentationml/2006/main">
   <p:cSld>
     <p:spTree>
@@ -16409,7 +15322,7 @@
             <a:fld id="{29AAD378-655A-49C6-813C-9FD132EF7440}" type="slidenum">
               <a:rPr lang="en-US" smtClean="0"/>
               <a:pPr/>
-              <a:t>27</a:t>
+              <a:t>25</a:t>
             </a:fld>
             <a:endParaRPr lang="en-US" dirty="0"/>
           </a:p>
@@ -16419,6 +15332,438 @@
     <p:extLst>
       <p:ext uri="{BB962C8B-B14F-4D97-AF65-F5344CB8AC3E}">
         <p14:creationId xmlns:p14="http://schemas.microsoft.com/office/powerpoint/2010/main" val="215927214"/>
+      </p:ext>
+    </p:extLst>
+  </p:cSld>
+  <p:clrMapOvr>
+    <a:masterClrMapping/>
+  </p:clrMapOvr>
+</p:sld>
+</file>
+
+<file path=ppt/slides/slide26.xml><?xml version="1.0" encoding="utf-8"?>
+<p:sld xmlns:a="http://schemas.openxmlformats.org/drawingml/2006/main" xmlns:r="http://schemas.openxmlformats.org/officeDocument/2006/relationships" xmlns:p="http://schemas.openxmlformats.org/presentationml/2006/main" show="0">
+  <p:cSld>
+    <p:spTree>
+      <p:nvGrpSpPr>
+        <p:cNvPr id="1" name=""/>
+        <p:cNvGrpSpPr/>
+        <p:nvPr/>
+      </p:nvGrpSpPr>
+      <p:grpSpPr>
+        <a:xfrm>
+          <a:off x="0" y="0"/>
+          <a:ext cx="0" cy="0"/>
+          <a:chOff x="0" y="0"/>
+          <a:chExt cx="0" cy="0"/>
+        </a:xfrm>
+      </p:grpSpPr>
+      <p:sp>
+        <p:nvSpPr>
+          <p:cNvPr id="2" name="Content Placeholder 1">
+            <a:extLst>
+              <a:ext uri="{FF2B5EF4-FFF2-40B4-BE49-F238E27FC236}">
+                <a16:creationId xmlns:a16="http://schemas.microsoft.com/office/drawing/2014/main" id="{534CD08F-CA9D-40D5-A2BC-E098CFEFB91A}"/>
+              </a:ext>
+            </a:extLst>
+          </p:cNvPr>
+          <p:cNvSpPr>
+            <a:spLocks noGrp="1"/>
+          </p:cNvSpPr>
+          <p:nvPr>
+            <p:ph idx="1"/>
+          </p:nvPr>
+        </p:nvSpPr>
+        <p:spPr>
+          <a:xfrm>
+            <a:off x="6697216" y="2217728"/>
+            <a:ext cx="5415272" cy="778828"/>
+          </a:xfrm>
+        </p:spPr>
+        <p:txBody>
+          <a:bodyPr>
+            <a:normAutofit/>
+          </a:bodyPr>
+          <a:lstStyle/>
+          <a:p>
+            <a:r>
+              <a:rPr lang="en-US" dirty="0"/>
+              <a:t>Plot of Signals vs. Time</a:t>
+            </a:r>
+          </a:p>
+        </p:txBody>
+      </p:sp>
+      <p:sp>
+        <p:nvSpPr>
+          <p:cNvPr id="3" name="Title 2">
+            <a:extLst>
+              <a:ext uri="{FF2B5EF4-FFF2-40B4-BE49-F238E27FC236}">
+                <a16:creationId xmlns:a16="http://schemas.microsoft.com/office/drawing/2014/main" id="{C8E54B2C-3BB2-4462-AECF-971A60E5C118}"/>
+              </a:ext>
+            </a:extLst>
+          </p:cNvPr>
+          <p:cNvSpPr>
+            <a:spLocks noGrp="1"/>
+          </p:cNvSpPr>
+          <p:nvPr>
+            <p:ph type="title"/>
+          </p:nvPr>
+        </p:nvSpPr>
+        <p:spPr/>
+        <p:txBody>
+          <a:bodyPr/>
+          <a:lstStyle/>
+          <a:p>
+            <a:r>
+              <a:rPr lang="en-US" dirty="0"/>
+              <a:t>Simulink and Breach Brief Demo</a:t>
+            </a:r>
+          </a:p>
+        </p:txBody>
+      </p:sp>
+      <p:sp>
+        <p:nvSpPr>
+          <p:cNvPr id="4" name="Slide Number Placeholder 3">
+            <a:extLst>
+              <a:ext uri="{FF2B5EF4-FFF2-40B4-BE49-F238E27FC236}">
+                <a16:creationId xmlns:a16="http://schemas.microsoft.com/office/drawing/2014/main" id="{028B1A85-4B11-4CDA-AEFD-EF4B95756944}"/>
+              </a:ext>
+            </a:extLst>
+          </p:cNvPr>
+          <p:cNvSpPr>
+            <a:spLocks noGrp="1"/>
+          </p:cNvSpPr>
+          <p:nvPr>
+            <p:ph type="sldNum" sz="quarter" idx="12"/>
+          </p:nvPr>
+        </p:nvSpPr>
+        <p:spPr/>
+        <p:txBody>
+          <a:bodyPr/>
+          <a:lstStyle/>
+          <a:p>
+            <a:fld id="{29AAD378-655A-49C6-813C-9FD132EF7440}" type="slidenum">
+              <a:rPr lang="en-US" smtClean="0"/>
+              <a:pPr/>
+              <a:t>26</a:t>
+            </a:fld>
+            <a:endParaRPr lang="en-US" dirty="0"/>
+          </a:p>
+        </p:txBody>
+      </p:sp>
+      <p:pic>
+        <p:nvPicPr>
+          <p:cNvPr id="7" name="Picture 6">
+            <a:extLst>
+              <a:ext uri="{FF2B5EF4-FFF2-40B4-BE49-F238E27FC236}">
+                <a16:creationId xmlns:a16="http://schemas.microsoft.com/office/drawing/2014/main" id="{D94809EE-DAF8-40E1-A11F-DBC179036642}"/>
+              </a:ext>
+            </a:extLst>
+          </p:cNvPr>
+          <p:cNvPicPr>
+            <a:picLocks noChangeAspect="1"/>
+          </p:cNvPicPr>
+          <p:nvPr/>
+        </p:nvPicPr>
+        <p:blipFill rotWithShape="1">
+          <a:blip r:embed="rId2"/>
+          <a:srcRect l="7724" t="14203" r="7328" b="4294"/>
+          <a:stretch/>
+        </p:blipFill>
+        <p:spPr>
+          <a:xfrm>
+            <a:off x="79512" y="1164796"/>
+            <a:ext cx="5850837" cy="4582687"/>
+          </a:xfrm>
+          <a:prstGeom prst="rect">
+            <a:avLst/>
+          </a:prstGeom>
+        </p:spPr>
+      </p:pic>
+    </p:spTree>
+    <p:extLst>
+      <p:ext uri="{BB962C8B-B14F-4D97-AF65-F5344CB8AC3E}">
+        <p14:creationId xmlns:p14="http://schemas.microsoft.com/office/powerpoint/2010/main" val="1901285827"/>
+      </p:ext>
+    </p:extLst>
+  </p:cSld>
+  <p:clrMapOvr>
+    <a:masterClrMapping/>
+  </p:clrMapOvr>
+</p:sld>
+</file>
+
+<file path=ppt/slides/slide27.xml><?xml version="1.0" encoding="utf-8"?>
+<p:sld xmlns:a="http://schemas.openxmlformats.org/drawingml/2006/main" xmlns:r="http://schemas.openxmlformats.org/officeDocument/2006/relationships" xmlns:p="http://schemas.openxmlformats.org/presentationml/2006/main" show="0">
+  <p:cSld>
+    <p:spTree>
+      <p:nvGrpSpPr>
+        <p:cNvPr id="1" name=""/>
+        <p:cNvGrpSpPr/>
+        <p:nvPr/>
+      </p:nvGrpSpPr>
+      <p:grpSpPr>
+        <a:xfrm>
+          <a:off x="0" y="0"/>
+          <a:ext cx="0" cy="0"/>
+          <a:chOff x="0" y="0"/>
+          <a:chExt cx="0" cy="0"/>
+        </a:xfrm>
+      </p:grpSpPr>
+      <p:sp>
+        <p:nvSpPr>
+          <p:cNvPr id="3" name="Title 2">
+            <a:extLst>
+              <a:ext uri="{FF2B5EF4-FFF2-40B4-BE49-F238E27FC236}">
+                <a16:creationId xmlns:a16="http://schemas.microsoft.com/office/drawing/2014/main" id="{9C63E7C2-8151-4F2C-B130-B1444A038A7A}"/>
+              </a:ext>
+            </a:extLst>
+          </p:cNvPr>
+          <p:cNvSpPr>
+            <a:spLocks noGrp="1"/>
+          </p:cNvSpPr>
+          <p:nvPr>
+            <p:ph type="title"/>
+          </p:nvPr>
+        </p:nvSpPr>
+        <p:spPr/>
+        <p:txBody>
+          <a:bodyPr/>
+          <a:lstStyle/>
+          <a:p>
+            <a:r>
+              <a:rPr lang="en-US" dirty="0"/>
+              <a:t>Simulink and Breach Demo</a:t>
+            </a:r>
+          </a:p>
+        </p:txBody>
+      </p:sp>
+      <p:sp>
+        <p:nvSpPr>
+          <p:cNvPr id="4" name="Slide Number Placeholder 3">
+            <a:extLst>
+              <a:ext uri="{FF2B5EF4-FFF2-40B4-BE49-F238E27FC236}">
+                <a16:creationId xmlns:a16="http://schemas.microsoft.com/office/drawing/2014/main" id="{8F7D9CA3-B262-422D-BA61-7A8520C03D2B}"/>
+              </a:ext>
+            </a:extLst>
+          </p:cNvPr>
+          <p:cNvSpPr>
+            <a:spLocks noGrp="1"/>
+          </p:cNvSpPr>
+          <p:nvPr>
+            <p:ph type="sldNum" sz="quarter" idx="12"/>
+          </p:nvPr>
+        </p:nvSpPr>
+        <p:spPr/>
+        <p:txBody>
+          <a:bodyPr/>
+          <a:lstStyle/>
+          <a:p>
+            <a:fld id="{29AAD378-655A-49C6-813C-9FD132EF7440}" type="slidenum">
+              <a:rPr lang="en-US" smtClean="0"/>
+              <a:pPr/>
+              <a:t>27</a:t>
+            </a:fld>
+            <a:endParaRPr lang="en-US" dirty="0"/>
+          </a:p>
+        </p:txBody>
+      </p:sp>
+      <mc:AlternateContent xmlns:mc="http://schemas.openxmlformats.org/markup-compatibility/2006" xmlns:a14="http://schemas.microsoft.com/office/drawing/2010/main">
+        <mc:Choice Requires="a14">
+          <p:sp>
+            <p:nvSpPr>
+              <p:cNvPr id="6" name="Content Placeholder 1">
+                <a:extLst>
+                  <a:ext uri="{FF2B5EF4-FFF2-40B4-BE49-F238E27FC236}">
+                    <a16:creationId xmlns:a16="http://schemas.microsoft.com/office/drawing/2014/main" id="{8834081C-2557-4C5F-9112-59453D215E2C}"/>
+                  </a:ext>
+                </a:extLst>
+              </p:cNvPr>
+              <p:cNvSpPr>
+                <a:spLocks noGrp="1"/>
+              </p:cNvSpPr>
+              <p:nvPr>
+                <p:ph idx="1"/>
+              </p:nvPr>
+            </p:nvSpPr>
+            <p:spPr>
+              <a:xfrm>
+                <a:off x="308113" y="1743743"/>
+                <a:ext cx="5415272" cy="1993369"/>
+              </a:xfrm>
+            </p:spPr>
+            <p:txBody>
+              <a:bodyPr>
+                <a:normAutofit/>
+              </a:bodyPr>
+              <a:lstStyle/>
+              <a:p>
+                <a:r>
+                  <a:rPr lang="en-US" dirty="0"/>
+                  <a:t>Plot in phase-space or state-space.</a:t>
+                </a:r>
+              </a:p>
+              <a:p>
+                <a:r>
+                  <a:rPr lang="en-US" dirty="0"/>
+                  <a:t>Shows trajectory of states starting from </a:t>
+                </a:r>
+                <a14:m>
+                  <m:oMath xmlns:m="http://schemas.openxmlformats.org/officeDocument/2006/math">
+                    <m:sSub>
+                      <m:sSubPr>
+                        <m:ctrlPr>
+                          <a:rPr lang="en-US" b="0" i="1" smtClean="0">
+                            <a:latin typeface="Cambria Math" panose="02040503050406030204" pitchFamily="18" charset="0"/>
+                          </a:rPr>
+                        </m:ctrlPr>
+                      </m:sSubPr>
+                      <m:e>
+                        <m:r>
+                          <a:rPr lang="en-US" b="0" i="1" smtClean="0">
+                            <a:latin typeface="Cambria Math" panose="02040503050406030204" pitchFamily="18" charset="0"/>
+                          </a:rPr>
+                          <m:t>𝑥</m:t>
+                        </m:r>
+                      </m:e>
+                      <m:sub>
+                        <m:r>
+                          <a:rPr lang="en-US" b="0" i="1" smtClean="0">
+                            <a:latin typeface="Cambria Math" panose="02040503050406030204" pitchFamily="18" charset="0"/>
+                          </a:rPr>
+                          <m:t>0</m:t>
+                        </m:r>
+                      </m:sub>
+                    </m:sSub>
+                    <m:r>
+                      <a:rPr lang="en-US" b="0" i="0" smtClean="0">
+                        <a:latin typeface="Cambria Math" panose="02040503050406030204" pitchFamily="18" charset="0"/>
+                      </a:rPr>
+                      <m:t>=5</m:t>
+                    </m:r>
+                  </m:oMath>
+                </a14:m>
+                <a:r>
+                  <a:rPr lang="en-US" dirty="0"/>
+                  <a:t>, </a:t>
+                </a:r>
+                <a14:m>
+                  <m:oMath xmlns:m="http://schemas.openxmlformats.org/officeDocument/2006/math">
+                    <m:sSub>
+                      <m:sSubPr>
+                        <m:ctrlPr>
+                          <a:rPr lang="en-US" b="0" i="1" smtClean="0">
+                            <a:latin typeface="Cambria Math" panose="02040503050406030204" pitchFamily="18" charset="0"/>
+                          </a:rPr>
+                        </m:ctrlPr>
+                      </m:sSubPr>
+                      <m:e>
+                        <m:r>
+                          <a:rPr lang="en-US" b="0" i="1" smtClean="0">
+                            <a:latin typeface="Cambria Math" panose="02040503050406030204" pitchFamily="18" charset="0"/>
+                          </a:rPr>
+                          <m:t>𝑣</m:t>
+                        </m:r>
+                      </m:e>
+                      <m:sub>
+                        <m:r>
+                          <a:rPr lang="en-US" b="0" i="1" smtClean="0">
+                            <a:latin typeface="Cambria Math" panose="02040503050406030204" pitchFamily="18" charset="0"/>
+                          </a:rPr>
+                          <m:t>0</m:t>
+                        </m:r>
+                      </m:sub>
+                    </m:sSub>
+                    <m:r>
+                      <a:rPr lang="en-US" b="0" i="1" smtClean="0">
+                        <a:latin typeface="Cambria Math" panose="02040503050406030204" pitchFamily="18" charset="0"/>
+                      </a:rPr>
+                      <m:t>=20</m:t>
+                    </m:r>
+                  </m:oMath>
+                </a14:m>
+                <a:endParaRPr lang="en-US" dirty="0"/>
+              </a:p>
+            </p:txBody>
+          </p:sp>
+        </mc:Choice>
+        <mc:Fallback xmlns="">
+          <p:sp>
+            <p:nvSpPr>
+              <p:cNvPr id="6" name="Content Placeholder 1">
+                <a:extLst>
+                  <a:ext uri="{FF2B5EF4-FFF2-40B4-BE49-F238E27FC236}">
+                    <a16:creationId xmlns:a16="http://schemas.microsoft.com/office/drawing/2014/main" id="{8834081C-2557-4C5F-9112-59453D215E2C}"/>
+                  </a:ext>
+                </a:extLst>
+              </p:cNvPr>
+              <p:cNvSpPr>
+                <a:spLocks noGrp="1" noRot="1" noChangeAspect="1" noMove="1" noResize="1" noEditPoints="1" noAdjustHandles="1" noChangeArrowheads="1" noChangeShapeType="1" noTextEdit="1"/>
+              </p:cNvSpPr>
+              <p:nvPr>
+                <p:ph idx="1"/>
+              </p:nvPr>
+            </p:nvSpPr>
+            <p:spPr>
+              <a:xfrm>
+                <a:off x="308113" y="1743743"/>
+                <a:ext cx="5415272" cy="1993369"/>
+              </a:xfrm>
+              <a:blipFill>
+                <a:blip r:embed="rId2"/>
+                <a:stretch>
+                  <a:fillRect l="-1464" t="-4893"/>
+                </a:stretch>
+              </a:blipFill>
+            </p:spPr>
+            <p:txBody>
+              <a:bodyPr/>
+              <a:lstStyle/>
+              <a:p>
+                <a:r>
+                  <a:rPr lang="en-US">
+                    <a:noFill/>
+                  </a:rPr>
+                  <a:t> </a:t>
+                </a:r>
+              </a:p>
+            </p:txBody>
+          </p:sp>
+        </mc:Fallback>
+      </mc:AlternateContent>
+      <p:pic>
+        <p:nvPicPr>
+          <p:cNvPr id="7" name="Picture 6">
+            <a:extLst>
+              <a:ext uri="{FF2B5EF4-FFF2-40B4-BE49-F238E27FC236}">
+                <a16:creationId xmlns:a16="http://schemas.microsoft.com/office/drawing/2014/main" id="{3F2EF1F2-118E-478E-B404-81F678113DD1}"/>
+              </a:ext>
+            </a:extLst>
+          </p:cNvPr>
+          <p:cNvPicPr>
+            <a:picLocks noChangeAspect="1"/>
+          </p:cNvPicPr>
+          <p:nvPr/>
+        </p:nvPicPr>
+        <p:blipFill rotWithShape="1">
+          <a:blip r:embed="rId3"/>
+          <a:srcRect l="5654" t="18797" r="6794"/>
+          <a:stretch/>
+        </p:blipFill>
+        <p:spPr>
+          <a:xfrm>
+            <a:off x="6096000" y="1209202"/>
+            <a:ext cx="5592417" cy="4595861"/>
+          </a:xfrm>
+          <a:prstGeom prst="rect">
+            <a:avLst/>
+          </a:prstGeom>
+        </p:spPr>
+      </p:pic>
+    </p:spTree>
+    <p:extLst>
+      <p:ext uri="{BB962C8B-B14F-4D97-AF65-F5344CB8AC3E}">
+        <p14:creationId xmlns:p14="http://schemas.microsoft.com/office/powerpoint/2010/main" val="1332662941"/>
       </p:ext>
     </p:extLst>
   </p:cSld>
@@ -21958,45 +21303,10 @@
       </p:grpSpPr>
       <p:sp>
         <p:nvSpPr>
-          <p:cNvPr id="2" name="Content Placeholder 1">
-            <a:extLst>
-              <a:ext uri="{FF2B5EF4-FFF2-40B4-BE49-F238E27FC236}">
-                <a16:creationId xmlns:a16="http://schemas.microsoft.com/office/drawing/2014/main" id="{534CD08F-CA9D-40D5-A2BC-E098CFEFB91A}"/>
-              </a:ext>
-            </a:extLst>
-          </p:cNvPr>
-          <p:cNvSpPr>
-            <a:spLocks noGrp="1"/>
-          </p:cNvSpPr>
-          <p:nvPr>
-            <p:ph idx="1"/>
-          </p:nvPr>
-        </p:nvSpPr>
-        <p:spPr>
-          <a:xfrm>
-            <a:off x="6697216" y="2217728"/>
-            <a:ext cx="5415272" cy="778828"/>
-          </a:xfrm>
-        </p:spPr>
-        <p:txBody>
-          <a:bodyPr>
-            <a:normAutofit/>
-          </a:bodyPr>
-          <a:lstStyle/>
-          <a:p>
-            <a:r>
-              <a:rPr lang="en-US" dirty="0"/>
-              <a:t>Plot of Signals vs. Time</a:t>
-            </a:r>
-          </a:p>
-        </p:txBody>
-      </p:sp>
-      <p:sp>
-        <p:nvSpPr>
           <p:cNvPr id="3" name="Title 2">
             <a:extLst>
               <a:ext uri="{FF2B5EF4-FFF2-40B4-BE49-F238E27FC236}">
-                <a16:creationId xmlns:a16="http://schemas.microsoft.com/office/drawing/2014/main" id="{C8E54B2C-3BB2-4462-AECF-971A60E5C118}"/>
+                <a16:creationId xmlns:a16="http://schemas.microsoft.com/office/drawing/2014/main" id="{D4D4DA0B-0A11-4B70-9DA3-B3CC6B18B695}"/>
               </a:ext>
             </a:extLst>
           </p:cNvPr>
@@ -22014,7 +21324,7 @@
           <a:p>
             <a:r>
               <a:rPr lang="en-US" dirty="0"/>
-              <a:t>Simulink and Breach Brief Demo</a:t>
+              <a:t>Sample Execution of Car with constant force</a:t>
             </a:r>
           </a:p>
         </p:txBody>
@@ -22024,7 +21334,7 @@
           <p:cNvPr id="4" name="Slide Number Placeholder 3">
             <a:extLst>
               <a:ext uri="{FF2B5EF4-FFF2-40B4-BE49-F238E27FC236}">
-                <a16:creationId xmlns:a16="http://schemas.microsoft.com/office/drawing/2014/main" id="{028B1A85-4B11-4CDA-AEFD-EF4B95756944}"/>
+                <a16:creationId xmlns:a16="http://schemas.microsoft.com/office/drawing/2014/main" id="{79A377F9-F074-410F-A573-DA0F3D5B8874}"/>
               </a:ext>
             </a:extLst>
           </p:cNvPr>
@@ -22049,39 +21359,734 @@
           </a:p>
         </p:txBody>
       </p:sp>
-      <p:pic>
-        <p:nvPicPr>
-          <p:cNvPr id="7" name="Picture 6">
-            <a:extLst>
-              <a:ext uri="{FF2B5EF4-FFF2-40B4-BE49-F238E27FC236}">
-                <a16:creationId xmlns:a16="http://schemas.microsoft.com/office/drawing/2014/main" id="{D94809EE-DAF8-40E1-A11F-DBC179036642}"/>
-              </a:ext>
-            </a:extLst>
-          </p:cNvPr>
-          <p:cNvPicPr>
-            <a:picLocks noChangeAspect="1"/>
-          </p:cNvPicPr>
-          <p:nvPr/>
-        </p:nvPicPr>
-        <p:blipFill rotWithShape="1">
-          <a:blip r:embed="rId2"/>
-          <a:srcRect l="7724" t="14203" r="7328" b="4294"/>
-          <a:stretch/>
-        </p:blipFill>
-        <p:spPr>
-          <a:xfrm>
-            <a:off x="79512" y="1164796"/>
-            <a:ext cx="5850837" cy="4582687"/>
-          </a:xfrm>
-          <a:prstGeom prst="rect">
-            <a:avLst/>
-          </a:prstGeom>
-        </p:spPr>
-      </p:pic>
+      <mc:AlternateContent xmlns:mc="http://schemas.openxmlformats.org/markup-compatibility/2006" xmlns:a14="http://schemas.microsoft.com/office/drawing/2010/main">
+        <mc:Choice Requires="a14">
+          <p:sp>
+            <p:nvSpPr>
+              <p:cNvPr id="5" name="Content Placeholder 1">
+                <a:extLst>
+                  <a:ext uri="{FF2B5EF4-FFF2-40B4-BE49-F238E27FC236}">
+                    <a16:creationId xmlns:a16="http://schemas.microsoft.com/office/drawing/2014/main" id="{39786FDD-2C83-4112-9AA4-648DF41ED105}"/>
+                  </a:ext>
+                </a:extLst>
+              </p:cNvPr>
+              <p:cNvSpPr>
+                <a:spLocks noGrp="1"/>
+              </p:cNvSpPr>
+              <p:nvPr>
+                <p:ph idx="1"/>
+              </p:nvPr>
+            </p:nvSpPr>
+            <p:spPr>
+              <a:xfrm>
+                <a:off x="166680" y="1372460"/>
+                <a:ext cx="11699087" cy="4351338"/>
+              </a:xfrm>
+            </p:spPr>
+            <p:txBody>
+              <a:bodyPr>
+                <a:normAutofit/>
+              </a:bodyPr>
+              <a:lstStyle/>
+              <a:p>
+                <a:r>
+                  <a:rPr lang="en-US" dirty="0"/>
+                  <a:t>Suppose </a:t>
+                </a:r>
+                <a14:m>
+                  <m:oMath xmlns:m="http://schemas.openxmlformats.org/officeDocument/2006/math">
+                    <m:r>
+                      <a:rPr lang="en-US" b="0" i="1" smtClean="0">
+                        <a:latin typeface="Cambria Math" panose="02040503050406030204" pitchFamily="18" charset="0"/>
+                      </a:rPr>
+                      <m:t>∀</m:t>
+                    </m:r>
+                    <m:r>
+                      <a:rPr lang="en-US" b="0" i="1" smtClean="0">
+                        <a:latin typeface="Cambria Math" panose="02040503050406030204" pitchFamily="18" charset="0"/>
+                      </a:rPr>
+                      <m:t>𝑡</m:t>
+                    </m:r>
+                    <m:r>
+                      <a:rPr lang="en-US" b="0" i="1" smtClean="0">
+                        <a:latin typeface="Cambria Math" panose="02040503050406030204" pitchFamily="18" charset="0"/>
+                      </a:rPr>
+                      <m:t>:</m:t>
+                    </m:r>
+                    <m:r>
+                      <a:rPr lang="en-US" b="0" i="1" smtClean="0">
+                        <a:latin typeface="Cambria Math" panose="02040503050406030204" pitchFamily="18" charset="0"/>
+                      </a:rPr>
+                      <m:t>𝐹</m:t>
+                    </m:r>
+                    <m:d>
+                      <m:dPr>
+                        <m:ctrlPr>
+                          <a:rPr lang="en-US" b="0" i="1" smtClean="0">
+                            <a:latin typeface="Cambria Math" panose="02040503050406030204" pitchFamily="18" charset="0"/>
+                          </a:rPr>
+                        </m:ctrlPr>
+                      </m:dPr>
+                      <m:e>
+                        <m:r>
+                          <a:rPr lang="en-US" b="0" i="1" smtClean="0">
+                            <a:latin typeface="Cambria Math" panose="02040503050406030204" pitchFamily="18" charset="0"/>
+                          </a:rPr>
+                          <m:t>𝑡</m:t>
+                        </m:r>
+                      </m:e>
+                    </m:d>
+                    <m:r>
+                      <a:rPr lang="en-US" b="0" i="1" smtClean="0">
+                        <a:latin typeface="Cambria Math" panose="02040503050406030204" pitchFamily="18" charset="0"/>
+                      </a:rPr>
+                      <m:t>=500</m:t>
+                    </m:r>
+                    <m:r>
+                      <a:rPr lang="en-US" b="0" i="0" smtClean="0">
+                        <a:latin typeface="Cambria Math" panose="02040503050406030204" pitchFamily="18" charset="0"/>
+                      </a:rPr>
+                      <m:t> </m:t>
+                    </m:r>
+                    <m:r>
+                      <m:rPr>
+                        <m:sty m:val="p"/>
+                      </m:rPr>
+                      <a:rPr lang="en-US" b="0" i="0" smtClean="0">
+                        <a:latin typeface="Cambria Math" panose="02040503050406030204" pitchFamily="18" charset="0"/>
+                      </a:rPr>
+                      <m:t>N</m:t>
+                    </m:r>
+                    <m:r>
+                      <a:rPr lang="en-US" b="0" i="0" smtClean="0">
+                        <a:latin typeface="Cambria Math" panose="02040503050406030204" pitchFamily="18" charset="0"/>
+                      </a:rPr>
+                      <m:t>, </m:t>
+                    </m:r>
+                    <m:sSub>
+                      <m:sSubPr>
+                        <m:ctrlPr>
+                          <a:rPr lang="en-US" b="0" i="1" smtClean="0">
+                            <a:latin typeface="Cambria Math" panose="02040503050406030204" pitchFamily="18" charset="0"/>
+                          </a:rPr>
+                        </m:ctrlPr>
+                      </m:sSubPr>
+                      <m:e>
+                        <m:r>
+                          <a:rPr lang="en-US" b="0" i="1" smtClean="0">
+                            <a:latin typeface="Cambria Math" panose="02040503050406030204" pitchFamily="18" charset="0"/>
+                          </a:rPr>
+                          <m:t>𝑥</m:t>
+                        </m:r>
+                      </m:e>
+                      <m:sub>
+                        <m:r>
+                          <a:rPr lang="en-US" b="0" i="1" smtClean="0">
+                            <a:latin typeface="Cambria Math" panose="02040503050406030204" pitchFamily="18" charset="0"/>
+                          </a:rPr>
+                          <m:t>0</m:t>
+                        </m:r>
+                      </m:sub>
+                    </m:sSub>
+                    <m:r>
+                      <a:rPr lang="en-US" b="0" i="1" smtClean="0">
+                        <a:latin typeface="Cambria Math" panose="02040503050406030204" pitchFamily="18" charset="0"/>
+                      </a:rPr>
+                      <m:t>=5 </m:t>
+                    </m:r>
+                    <m:r>
+                      <m:rPr>
+                        <m:sty m:val="p"/>
+                      </m:rPr>
+                      <a:rPr lang="en-US" b="0" i="0" smtClean="0">
+                        <a:latin typeface="Cambria Math" panose="02040503050406030204" pitchFamily="18" charset="0"/>
+                      </a:rPr>
+                      <m:t>m</m:t>
+                    </m:r>
+                    <m:r>
+                      <a:rPr lang="en-US" b="0" i="1" smtClean="0">
+                        <a:latin typeface="Cambria Math" panose="02040503050406030204" pitchFamily="18" charset="0"/>
+                      </a:rPr>
+                      <m:t>,</m:t>
+                    </m:r>
+                    <m:sSub>
+                      <m:sSubPr>
+                        <m:ctrlPr>
+                          <a:rPr lang="en-US" b="0" i="1" smtClean="0">
+                            <a:latin typeface="Cambria Math" panose="02040503050406030204" pitchFamily="18" charset="0"/>
+                          </a:rPr>
+                        </m:ctrlPr>
+                      </m:sSubPr>
+                      <m:e>
+                        <m:r>
+                          <a:rPr lang="en-US" b="0" i="1" smtClean="0">
+                            <a:latin typeface="Cambria Math" panose="02040503050406030204" pitchFamily="18" charset="0"/>
+                          </a:rPr>
+                          <m:t>𝑣</m:t>
+                        </m:r>
+                      </m:e>
+                      <m:sub>
+                        <m:r>
+                          <a:rPr lang="en-US" b="0" i="1" smtClean="0">
+                            <a:latin typeface="Cambria Math" panose="02040503050406030204" pitchFamily="18" charset="0"/>
+                          </a:rPr>
+                          <m:t>0</m:t>
+                        </m:r>
+                      </m:sub>
+                    </m:sSub>
+                    <m:r>
+                      <a:rPr lang="en-US" b="0" i="0" smtClean="0">
+                        <a:latin typeface="Cambria Math" panose="02040503050406030204" pitchFamily="18" charset="0"/>
+                      </a:rPr>
+                      <m:t>=20 </m:t>
+                    </m:r>
+                    <m:r>
+                      <m:rPr>
+                        <m:sty m:val="p"/>
+                      </m:rPr>
+                      <a:rPr lang="en-US" b="0" i="0" smtClean="0">
+                        <a:latin typeface="Cambria Math" panose="02040503050406030204" pitchFamily="18" charset="0"/>
+                      </a:rPr>
+                      <m:t>m</m:t>
+                    </m:r>
+                    <m:r>
+                      <a:rPr lang="en-US" b="0" i="0" smtClean="0">
+                        <a:latin typeface="Cambria Math" panose="02040503050406030204" pitchFamily="18" charset="0"/>
+                      </a:rPr>
+                      <m:t>/</m:t>
+                    </m:r>
+                    <m:r>
+                      <m:rPr>
+                        <m:sty m:val="p"/>
+                      </m:rPr>
+                      <a:rPr lang="en-US" b="0" i="0" smtClean="0">
+                        <a:latin typeface="Cambria Math" panose="02040503050406030204" pitchFamily="18" charset="0"/>
+                      </a:rPr>
+                      <m:t>s</m:t>
+                    </m:r>
+                  </m:oMath>
+                </a14:m>
+                <a:r>
+                  <a:rPr lang="en-US" dirty="0"/>
+                  <a:t>. Then, we need to solve:</a:t>
+                </a:r>
+              </a:p>
+              <a:p>
+                <a:pPr lvl="1"/>
+                <a14:m>
+                  <m:oMath xmlns:m="http://schemas.openxmlformats.org/officeDocument/2006/math">
+                    <m:r>
+                      <a:rPr lang="en-US" b="0" i="1" smtClean="0">
+                        <a:latin typeface="Cambria Math" panose="02040503050406030204" pitchFamily="18" charset="0"/>
+                      </a:rPr>
+                      <m:t>𝑥</m:t>
+                    </m:r>
+                    <m:d>
+                      <m:dPr>
+                        <m:ctrlPr>
+                          <a:rPr lang="en-US" b="0" i="1" smtClean="0">
+                            <a:latin typeface="Cambria Math" panose="02040503050406030204" pitchFamily="18" charset="0"/>
+                          </a:rPr>
+                        </m:ctrlPr>
+                      </m:dPr>
+                      <m:e>
+                        <m:r>
+                          <a:rPr lang="en-US" b="0" i="1" smtClean="0">
+                            <a:latin typeface="Cambria Math" panose="02040503050406030204" pitchFamily="18" charset="0"/>
+                          </a:rPr>
+                          <m:t>0</m:t>
+                        </m:r>
+                      </m:e>
+                    </m:d>
+                    <m:r>
+                      <a:rPr lang="en-US" b="0" i="1" smtClean="0">
+                        <a:latin typeface="Cambria Math" panose="02040503050406030204" pitchFamily="18" charset="0"/>
+                      </a:rPr>
+                      <m:t>=0;</m:t>
+                    </m:r>
+                    <m:r>
+                      <a:rPr lang="en-US" b="0" i="1" smtClean="0">
+                        <a:latin typeface="Cambria Math" panose="02040503050406030204" pitchFamily="18" charset="0"/>
+                      </a:rPr>
+                      <m:t>𝑣</m:t>
+                    </m:r>
+                    <m:d>
+                      <m:dPr>
+                        <m:ctrlPr>
+                          <a:rPr lang="en-US" b="0" i="1" smtClean="0">
+                            <a:latin typeface="Cambria Math" panose="02040503050406030204" pitchFamily="18" charset="0"/>
+                          </a:rPr>
+                        </m:ctrlPr>
+                      </m:dPr>
+                      <m:e>
+                        <m:r>
+                          <a:rPr lang="en-US" b="0" i="1" smtClean="0">
+                            <a:latin typeface="Cambria Math" panose="02040503050406030204" pitchFamily="18" charset="0"/>
+                          </a:rPr>
+                          <m:t>0</m:t>
+                        </m:r>
+                      </m:e>
+                    </m:d>
+                    <m:r>
+                      <a:rPr lang="en-US" b="0" i="1" smtClean="0">
+                        <a:latin typeface="Cambria Math" panose="02040503050406030204" pitchFamily="18" charset="0"/>
+                      </a:rPr>
+                      <m:t>=</m:t>
+                    </m:r>
+                    <m:sSub>
+                      <m:sSubPr>
+                        <m:ctrlPr>
+                          <a:rPr lang="en-US" b="0" i="1" smtClean="0">
+                            <a:latin typeface="Cambria Math" panose="02040503050406030204" pitchFamily="18" charset="0"/>
+                          </a:rPr>
+                        </m:ctrlPr>
+                      </m:sSubPr>
+                      <m:e>
+                        <m:r>
+                          <a:rPr lang="en-US" b="0" i="1" smtClean="0">
+                            <a:latin typeface="Cambria Math" panose="02040503050406030204" pitchFamily="18" charset="0"/>
+                          </a:rPr>
+                          <m:t>𝑣</m:t>
+                        </m:r>
+                      </m:e>
+                      <m:sub>
+                        <m:r>
+                          <a:rPr lang="en-US" b="0" i="1" smtClean="0">
+                            <a:latin typeface="Cambria Math" panose="02040503050406030204" pitchFamily="18" charset="0"/>
+                          </a:rPr>
+                          <m:t>0</m:t>
+                        </m:r>
+                      </m:sub>
+                    </m:sSub>
+                  </m:oMath>
+                </a14:m>
+                <a:endParaRPr lang="en-US" b="0" dirty="0"/>
+              </a:p>
+              <a:p>
+                <a:pPr lvl="1"/>
+                <a14:m>
+                  <m:oMath xmlns:m="http://schemas.openxmlformats.org/officeDocument/2006/math">
+                    <m:acc>
+                      <m:accPr>
+                        <m:chr m:val="̇"/>
+                        <m:ctrlPr>
+                          <a:rPr lang="en-US" b="0" i="1" smtClean="0">
+                            <a:latin typeface="Cambria Math" panose="02040503050406030204" pitchFamily="18" charset="0"/>
+                          </a:rPr>
+                        </m:ctrlPr>
+                      </m:accPr>
+                      <m:e>
+                        <m:r>
+                          <a:rPr lang="en-US" b="0" i="1" smtClean="0">
+                            <a:latin typeface="Cambria Math" panose="02040503050406030204" pitchFamily="18" charset="0"/>
+                          </a:rPr>
+                          <m:t>𝑥</m:t>
+                        </m:r>
+                      </m:e>
+                    </m:acc>
+                    <m:r>
+                      <a:rPr lang="en-US" b="0" i="0" dirty="0" smtClean="0">
+                        <a:latin typeface="Cambria Math" panose="02040503050406030204" pitchFamily="18" charset="0"/>
+                      </a:rPr>
+                      <m:t>=</m:t>
+                    </m:r>
+                    <m:r>
+                      <a:rPr lang="en-US" b="0" i="1" dirty="0" smtClean="0">
+                        <a:latin typeface="Cambria Math" panose="02040503050406030204" pitchFamily="18" charset="0"/>
+                      </a:rPr>
+                      <m:t>𝑣</m:t>
+                    </m:r>
+                  </m:oMath>
+                </a14:m>
+                <a:r>
+                  <a:rPr lang="en-US" i="1" dirty="0"/>
+                  <a:t>;</a:t>
+                </a:r>
+                <a14:m>
+                  <m:oMath xmlns:m="http://schemas.openxmlformats.org/officeDocument/2006/math">
+                    <m:r>
+                      <a:rPr lang="en-US" b="0" i="1" smtClean="0">
+                        <a:latin typeface="Cambria Math" panose="02040503050406030204" pitchFamily="18" charset="0"/>
+                      </a:rPr>
+                      <m:t> </m:t>
+                    </m:r>
+                    <m:acc>
+                      <m:accPr>
+                        <m:chr m:val="̇"/>
+                        <m:ctrlPr>
+                          <a:rPr lang="en-US" b="0" i="1" smtClean="0">
+                            <a:latin typeface="Cambria Math" panose="02040503050406030204" pitchFamily="18" charset="0"/>
+                          </a:rPr>
+                        </m:ctrlPr>
+                      </m:accPr>
+                      <m:e>
+                        <m:r>
+                          <a:rPr lang="en-US" b="0" i="1" smtClean="0">
+                            <a:latin typeface="Cambria Math" panose="02040503050406030204" pitchFamily="18" charset="0"/>
+                          </a:rPr>
+                          <m:t>𝑣</m:t>
+                        </m:r>
+                      </m:e>
+                    </m:acc>
+                    <m:r>
+                      <a:rPr lang="en-US" b="0" i="1" dirty="0" smtClean="0">
+                        <a:latin typeface="Cambria Math" panose="02040503050406030204" pitchFamily="18" charset="0"/>
+                      </a:rPr>
+                      <m:t>=−</m:t>
+                    </m:r>
+                    <m:f>
+                      <m:fPr>
+                        <m:ctrlPr>
+                          <a:rPr lang="en-US" b="0" i="1" dirty="0" smtClean="0">
+                            <a:latin typeface="Cambria Math" panose="02040503050406030204" pitchFamily="18" charset="0"/>
+                          </a:rPr>
+                        </m:ctrlPr>
+                      </m:fPr>
+                      <m:num>
+                        <m:r>
+                          <a:rPr lang="en-US" b="0" i="1" dirty="0" smtClean="0">
+                            <a:latin typeface="Cambria Math" panose="02040503050406030204" pitchFamily="18" charset="0"/>
+                          </a:rPr>
+                          <m:t>𝑘𝑣</m:t>
+                        </m:r>
+                      </m:num>
+                      <m:den>
+                        <m:r>
+                          <a:rPr lang="en-US" b="0" i="1" dirty="0" smtClean="0">
+                            <a:latin typeface="Cambria Math" panose="02040503050406030204" pitchFamily="18" charset="0"/>
+                          </a:rPr>
+                          <m:t>𝑚</m:t>
+                        </m:r>
+                      </m:den>
+                    </m:f>
+                  </m:oMath>
+                </a14:m>
+                <a:endParaRPr lang="en-US" b="0" i="1" dirty="0"/>
+              </a:p>
+              <a:p>
+                <a:r>
+                  <a:rPr lang="en-US" dirty="0"/>
+                  <a:t>Solution to above differential equation (solve for </a:t>
+                </a:r>
+                <a14:m>
+                  <m:oMath xmlns:m="http://schemas.openxmlformats.org/officeDocument/2006/math">
+                    <m:r>
+                      <a:rPr lang="en-US" b="0" i="1" smtClean="0">
+                        <a:latin typeface="Cambria Math" panose="02040503050406030204" pitchFamily="18" charset="0"/>
+                      </a:rPr>
+                      <m:t>𝑣</m:t>
+                    </m:r>
+                  </m:oMath>
+                </a14:m>
+                <a:r>
+                  <a:rPr lang="en-US" dirty="0"/>
+                  <a:t> first, then </a:t>
+                </a:r>
+                <a14:m>
+                  <m:oMath xmlns:m="http://schemas.openxmlformats.org/officeDocument/2006/math">
+                    <m:r>
+                      <a:rPr lang="en-US" b="0" i="1" smtClean="0">
+                        <a:latin typeface="Cambria Math" panose="02040503050406030204" pitchFamily="18" charset="0"/>
+                      </a:rPr>
+                      <m:t>𝑥</m:t>
+                    </m:r>
+                  </m:oMath>
+                </a14:m>
+                <a:r>
+                  <a:rPr lang="en-US" dirty="0"/>
+                  <a:t>):</a:t>
+                </a:r>
+              </a:p>
+              <a:p>
+                <a:r>
+                  <a:rPr lang="en-US" dirty="0"/>
+                  <a:t>Compute solution using Simulink/</a:t>
+                </a:r>
+                <a:r>
+                  <a:rPr lang="en-US" dirty="0" err="1"/>
+                  <a:t>Matlab</a:t>
+                </a:r>
+                <a:r>
+                  <a:rPr lang="en-US" dirty="0"/>
+                  <a:t>/Breach</a:t>
+                </a:r>
+              </a:p>
+              <a:p>
+                <a:endParaRPr lang="en-US" i="1" dirty="0"/>
+              </a:p>
+              <a:p>
+                <a:endParaRPr lang="en-US" dirty="0"/>
+              </a:p>
+            </p:txBody>
+          </p:sp>
+        </mc:Choice>
+        <mc:Fallback xmlns="">
+          <p:sp>
+            <p:nvSpPr>
+              <p:cNvPr id="5" name="Content Placeholder 1">
+                <a:extLst>
+                  <a:ext uri="{FF2B5EF4-FFF2-40B4-BE49-F238E27FC236}">
+                    <a16:creationId xmlns:a16="http://schemas.microsoft.com/office/drawing/2014/main" id="{39786FDD-2C83-4112-9AA4-648DF41ED105}"/>
+                  </a:ext>
+                </a:extLst>
+              </p:cNvPr>
+              <p:cNvSpPr>
+                <a:spLocks noGrp="1" noRot="1" noChangeAspect="1" noMove="1" noResize="1" noEditPoints="1" noAdjustHandles="1" noChangeArrowheads="1" noChangeShapeType="1" noTextEdit="1"/>
+              </p:cNvSpPr>
+              <p:nvPr>
+                <p:ph idx="1"/>
+              </p:nvPr>
+            </p:nvSpPr>
+            <p:spPr>
+              <a:xfrm>
+                <a:off x="166680" y="1372460"/>
+                <a:ext cx="11699087" cy="4351338"/>
+              </a:xfrm>
+              <a:blipFill>
+                <a:blip r:embed="rId2"/>
+                <a:stretch>
+                  <a:fillRect l="-625" t="-2241" r="-938"/>
+                </a:stretch>
+              </a:blipFill>
+            </p:spPr>
+            <p:txBody>
+              <a:bodyPr/>
+              <a:lstStyle/>
+              <a:p>
+                <a:r>
+                  <a:rPr lang="en-US">
+                    <a:noFill/>
+                  </a:rPr>
+                  <a:t> </a:t>
+                </a:r>
+              </a:p>
+            </p:txBody>
+          </p:sp>
+        </mc:Fallback>
+      </mc:AlternateContent>
+      <mc:AlternateContent xmlns:mc="http://schemas.openxmlformats.org/markup-compatibility/2006" xmlns:a14="http://schemas.microsoft.com/office/drawing/2010/main">
+        <mc:Choice Requires="a14">
+          <p:sp>
+            <p:nvSpPr>
+              <p:cNvPr id="6" name="TextBox 5">
+                <a:extLst>
+                  <a:ext uri="{FF2B5EF4-FFF2-40B4-BE49-F238E27FC236}">
+                    <a16:creationId xmlns:a16="http://schemas.microsoft.com/office/drawing/2014/main" id="{4FE1EF50-D185-490A-8D31-C9F6680E9F65}"/>
+                  </a:ext>
+                </a:extLst>
+              </p:cNvPr>
+              <p:cNvSpPr txBox="1"/>
+              <p:nvPr/>
+            </p:nvSpPr>
+            <p:spPr>
+              <a:xfrm>
+                <a:off x="9831743" y="4094922"/>
+                <a:ext cx="1961563" cy="830997"/>
+              </a:xfrm>
+              <a:prstGeom prst="rect">
+                <a:avLst/>
+              </a:prstGeom>
+            </p:spPr>
+            <p:style>
+              <a:lnRef idx="2">
+                <a:schemeClr val="accent1"/>
+              </a:lnRef>
+              <a:fillRef idx="1">
+                <a:schemeClr val="lt1"/>
+              </a:fillRef>
+              <a:effectRef idx="0">
+                <a:schemeClr val="accent1"/>
+              </a:effectRef>
+              <a:fontRef idx="minor">
+                <a:schemeClr val="dk1"/>
+              </a:fontRef>
+            </p:style>
+            <p:txBody>
+              <a:bodyPr wrap="none" rtlCol="0">
+                <a:spAutoFit/>
+              </a:bodyPr>
+              <a:lstStyle/>
+              <a:p>
+                <a:pPr algn="ctr"/>
+                <a14:m>
+                  <m:oMathPara xmlns:m="http://schemas.openxmlformats.org/officeDocument/2006/math">
+                    <m:oMathParaPr>
+                      <m:jc m:val="centerGroup"/>
+                    </m:oMathParaPr>
+                    <m:oMath xmlns:m="http://schemas.openxmlformats.org/officeDocument/2006/math">
+                      <m:r>
+                        <a:rPr lang="en-US" sz="2400" b="0" i="1" smtClean="0">
+                          <a:solidFill>
+                            <a:schemeClr val="accent1">
+                              <a:lumMod val="75000"/>
+                            </a:schemeClr>
+                          </a:solidFill>
+                          <a:latin typeface="Cambria Math" panose="02040503050406030204" pitchFamily="18" charset="0"/>
+                        </a:rPr>
+                        <m:t>𝑚</m:t>
+                      </m:r>
+                      <m:r>
+                        <a:rPr lang="en-US" sz="2400" b="0" i="0" smtClean="0">
+                          <a:solidFill>
+                            <a:schemeClr val="accent1">
+                              <a:lumMod val="75000"/>
+                            </a:schemeClr>
+                          </a:solidFill>
+                          <a:latin typeface="Cambria Math" panose="02040503050406030204" pitchFamily="18" charset="0"/>
+                        </a:rPr>
+                        <m:t>=1000</m:t>
+                      </m:r>
+                      <m:r>
+                        <m:rPr>
+                          <m:sty m:val="p"/>
+                        </m:rPr>
+                        <a:rPr lang="en-US" sz="2400" b="0" i="0" smtClean="0">
+                          <a:solidFill>
+                            <a:schemeClr val="accent1">
+                              <a:lumMod val="75000"/>
+                            </a:schemeClr>
+                          </a:solidFill>
+                          <a:latin typeface="Cambria Math" panose="02040503050406030204" pitchFamily="18" charset="0"/>
+                        </a:rPr>
+                        <m:t>kg</m:t>
+                      </m:r>
+                    </m:oMath>
+                  </m:oMathPara>
+                </a14:m>
+                <a:endParaRPr lang="en-US" sz="2400" dirty="0">
+                  <a:solidFill>
+                    <a:schemeClr val="accent1">
+                      <a:lumMod val="75000"/>
+                    </a:schemeClr>
+                  </a:solidFill>
+                </a:endParaRPr>
+              </a:p>
+              <a:p>
+                <a:pPr algn="ctr"/>
+                <a14:m>
+                  <m:oMathPara xmlns:m="http://schemas.openxmlformats.org/officeDocument/2006/math">
+                    <m:oMathParaPr>
+                      <m:jc m:val="centerGroup"/>
+                    </m:oMathParaPr>
+                    <m:oMath xmlns:m="http://schemas.openxmlformats.org/officeDocument/2006/math">
+                      <m:r>
+                        <a:rPr lang="en-US" sz="2400" b="0" i="1" smtClean="0">
+                          <a:solidFill>
+                            <a:schemeClr val="accent1">
+                              <a:lumMod val="75000"/>
+                            </a:schemeClr>
+                          </a:solidFill>
+                          <a:latin typeface="Cambria Math" panose="02040503050406030204" pitchFamily="18" charset="0"/>
+                        </a:rPr>
+                        <m:t>𝑘</m:t>
+                      </m:r>
+                      <m:r>
+                        <a:rPr lang="en-US" sz="2400" b="0" i="1" smtClean="0">
+                          <a:solidFill>
+                            <a:schemeClr val="accent1">
+                              <a:lumMod val="75000"/>
+                            </a:schemeClr>
+                          </a:solidFill>
+                          <a:latin typeface="Cambria Math" panose="02040503050406030204" pitchFamily="18" charset="0"/>
+                        </a:rPr>
+                        <m:t>=50</m:t>
+                      </m:r>
+                      <m:r>
+                        <a:rPr lang="en-US" sz="2400" b="0" i="1" smtClean="0">
+                          <a:solidFill>
+                            <a:schemeClr val="accent1">
+                              <a:lumMod val="75000"/>
+                            </a:schemeClr>
+                          </a:solidFill>
+                          <a:latin typeface="Cambria Math" panose="02040503050406030204" pitchFamily="18" charset="0"/>
+                        </a:rPr>
+                        <m:t>𝑁𝑠</m:t>
+                      </m:r>
+                      <m:r>
+                        <a:rPr lang="en-US" sz="2400" b="0" i="1" smtClean="0">
+                          <a:solidFill>
+                            <a:schemeClr val="accent1">
+                              <a:lumMod val="75000"/>
+                            </a:schemeClr>
+                          </a:solidFill>
+                          <a:latin typeface="Cambria Math" panose="02040503050406030204" pitchFamily="18" charset="0"/>
+                        </a:rPr>
+                        <m:t>/</m:t>
+                      </m:r>
+                      <m:r>
+                        <a:rPr lang="en-US" sz="2400" b="0" i="1" smtClean="0">
+                          <a:solidFill>
+                            <a:schemeClr val="accent1">
+                              <a:lumMod val="75000"/>
+                            </a:schemeClr>
+                          </a:solidFill>
+                          <a:latin typeface="Cambria Math" panose="02040503050406030204" pitchFamily="18" charset="0"/>
+                        </a:rPr>
+                        <m:t>𝑚</m:t>
+                      </m:r>
+                    </m:oMath>
+                  </m:oMathPara>
+                </a14:m>
+                <a:endParaRPr lang="en-US" sz="2400" dirty="0">
+                  <a:solidFill>
+                    <a:schemeClr val="accent1">
+                      <a:lumMod val="75000"/>
+                    </a:schemeClr>
+                  </a:solidFill>
+                </a:endParaRPr>
+              </a:p>
+            </p:txBody>
+          </p:sp>
+        </mc:Choice>
+        <mc:Fallback xmlns="">
+          <p:sp>
+            <p:nvSpPr>
+              <p:cNvPr id="6" name="TextBox 5">
+                <a:extLst>
+                  <a:ext uri="{FF2B5EF4-FFF2-40B4-BE49-F238E27FC236}">
+                    <a16:creationId xmlns:a16="http://schemas.microsoft.com/office/drawing/2014/main" id="{4FE1EF50-D185-490A-8D31-C9F6680E9F65}"/>
+                  </a:ext>
+                </a:extLst>
+              </p:cNvPr>
+              <p:cNvSpPr txBox="1">
+                <a:spLocks noRot="1" noChangeAspect="1" noMove="1" noResize="1" noEditPoints="1" noAdjustHandles="1" noChangeArrowheads="1" noChangeShapeType="1" noTextEdit="1"/>
+              </p:cNvSpPr>
+              <p:nvPr/>
+            </p:nvSpPr>
+            <p:spPr>
+              <a:xfrm>
+                <a:off x="9831743" y="4094922"/>
+                <a:ext cx="1961563" cy="830997"/>
+              </a:xfrm>
+              <a:prstGeom prst="rect">
+                <a:avLst/>
+              </a:prstGeom>
+              <a:blipFill>
+                <a:blip r:embed="rId3"/>
+                <a:stretch>
+                  <a:fillRect l="-309" b="-8696"/>
+                </a:stretch>
+              </a:blipFill>
+            </p:spPr>
+            <p:txBody>
+              <a:bodyPr/>
+              <a:lstStyle/>
+              <a:p>
+                <a:r>
+                  <a:rPr lang="en-US">
+                    <a:noFill/>
+                  </a:rPr>
+                  <a:t> </a:t>
+                </a:r>
+              </a:p>
+            </p:txBody>
+          </p:sp>
+        </mc:Fallback>
+      </mc:AlternateContent>
     </p:spTree>
     <p:extLst>
       <p:ext uri="{BB962C8B-B14F-4D97-AF65-F5344CB8AC3E}">
-        <p14:creationId xmlns:p14="http://schemas.microsoft.com/office/powerpoint/2010/main" val="1890867795"/>
+        <p14:creationId xmlns:p14="http://schemas.microsoft.com/office/powerpoint/2010/main" val="948794696"/>
       </p:ext>
     </p:extLst>
   </p:cSld>

--- a/teaching/cs513-autocps-fall-2020/lecture3-Dynamical-System-Models.pptx
+++ b/teaching/cs513-autocps-fall-2020/lecture3-Dynamical-System-Models.pptx
@@ -9253,8 +9253,8 @@
           <a:chExt cx="0" cy="0"/>
         </a:xfrm>
       </p:grpSpPr>
-      <mc:AlternateContent xmlns:mc="http://schemas.openxmlformats.org/markup-compatibility/2006" xmlns:a14="http://schemas.microsoft.com/office/drawing/2010/main">
-        <mc:Choice Requires="a14">
+      <mc:AlternateContent xmlns:mc="http://schemas.openxmlformats.org/markup-compatibility/2006">
+        <mc:Choice xmlns:a14="http://schemas.microsoft.com/office/drawing/2010/main" Requires="a14">
           <p:sp>
             <p:nvSpPr>
               <p:cNvPr id="2" name="Content Placeholder 1">
@@ -9359,62 +9359,6 @@
                       <a:rPr lang="en-US" b="0" i="1" smtClean="0">
                         <a:latin typeface="Cambria Math" panose="02040503050406030204" pitchFamily="18" charset="0"/>
                       </a:rPr>
-                      <m:t>+</m:t>
-                    </m:r>
-                    <m:sSub>
-                      <m:sSubPr>
-                        <m:ctrlPr>
-                          <a:rPr lang="en-US" b="0" i="1" smtClean="0">
-                            <a:latin typeface="Cambria Math" panose="02040503050406030204" pitchFamily="18" charset="0"/>
-                          </a:rPr>
-                        </m:ctrlPr>
-                      </m:sSubPr>
-                      <m:e>
-                        <m:r>
-                          <a:rPr lang="en-US" b="0" i="1" smtClean="0">
-                            <a:latin typeface="Cambria Math" panose="02040503050406030204" pitchFamily="18" charset="0"/>
-                          </a:rPr>
-                          <m:t>𝑎</m:t>
-                        </m:r>
-                      </m:e>
-                      <m:sub>
-                        <m:r>
-                          <a:rPr lang="en-US" b="0" i="1" smtClean="0">
-                            <a:latin typeface="Cambria Math" panose="02040503050406030204" pitchFamily="18" charset="0"/>
-                          </a:rPr>
-                          <m:t>2</m:t>
-                        </m:r>
-                      </m:sub>
-                    </m:sSub>
-                    <m:sSub>
-                      <m:sSubPr>
-                        <m:ctrlPr>
-                          <a:rPr lang="en-US" b="0" i="1" smtClean="0">
-                            <a:latin typeface="Cambria Math" panose="02040503050406030204" pitchFamily="18" charset="0"/>
-                          </a:rPr>
-                        </m:ctrlPr>
-                      </m:sSubPr>
-                      <m:e>
-                        <m:r>
-                          <a:rPr lang="en-US" b="0" i="1" smtClean="0">
-                            <a:latin typeface="Cambria Math" panose="02040503050406030204" pitchFamily="18" charset="0"/>
-                          </a:rPr>
-                          <m:t>𝑥</m:t>
-                        </m:r>
-                      </m:e>
-                      <m:sub>
-                        <m:r>
-                          <a:rPr lang="en-US" b="0" i="1" smtClean="0">
-                            <a:latin typeface="Cambria Math" panose="02040503050406030204" pitchFamily="18" charset="0"/>
-                          </a:rPr>
-                          <m:t>2</m:t>
-                        </m:r>
-                      </m:sub>
-                    </m:sSub>
-                    <m:r>
-                      <a:rPr lang="en-US" b="0" i="1" smtClean="0">
-                        <a:latin typeface="Cambria Math" panose="02040503050406030204" pitchFamily="18" charset="0"/>
-                      </a:rPr>
                       <m:t>+…+</m:t>
                     </m:r>
                     <m:sSub>
@@ -9471,10 +9415,124 @@
                 </a14:m>
                 <a:r>
                   <a:rPr lang="en-US" dirty="0"/>
-                  <a:t> or compactly, </a:t>
+                  <a:t> + </a:t>
                 </a:r>
                 <a14:m>
                   <m:oMath xmlns:m="http://schemas.openxmlformats.org/officeDocument/2006/math">
+                    <m:sSub>
+                      <m:sSubPr>
+                        <m:ctrlPr>
+                          <a:rPr lang="en-US" i="1">
+                            <a:latin typeface="Cambria Math" panose="02040503050406030204" pitchFamily="18" charset="0"/>
+                          </a:rPr>
+                        </m:ctrlPr>
+                      </m:sSubPr>
+                      <m:e>
+                        <m:r>
+                          <a:rPr lang="en-US" i="1">
+                            <a:latin typeface="Cambria Math" panose="02040503050406030204" pitchFamily="18" charset="0"/>
+                          </a:rPr>
+                          <m:t>𝑏</m:t>
+                        </m:r>
+                      </m:e>
+                      <m:sub>
+                        <m:r>
+                          <a:rPr lang="en-US" i="1">
+                            <a:latin typeface="Cambria Math" panose="02040503050406030204" pitchFamily="18" charset="0"/>
+                          </a:rPr>
+                          <m:t>1</m:t>
+                        </m:r>
+                      </m:sub>
+                    </m:sSub>
+                    <m:sSub>
+                      <m:sSubPr>
+                        <m:ctrlPr>
+                          <a:rPr lang="en-US" i="1">
+                            <a:latin typeface="Cambria Math" panose="02040503050406030204" pitchFamily="18" charset="0"/>
+                          </a:rPr>
+                        </m:ctrlPr>
+                      </m:sSubPr>
+                      <m:e>
+                        <m:r>
+                          <a:rPr lang="en-US" i="1">
+                            <a:latin typeface="Cambria Math" panose="02040503050406030204" pitchFamily="18" charset="0"/>
+                          </a:rPr>
+                          <m:t>𝑢</m:t>
+                        </m:r>
+                      </m:e>
+                      <m:sub>
+                        <m:r>
+                          <a:rPr lang="en-US" i="1">
+                            <a:latin typeface="Cambria Math" panose="02040503050406030204" pitchFamily="18" charset="0"/>
+                          </a:rPr>
+                          <m:t>1</m:t>
+                        </m:r>
+                      </m:sub>
+                    </m:sSub>
+                    <m:r>
+                      <a:rPr lang="en-US" i="1">
+                        <a:latin typeface="Cambria Math" panose="02040503050406030204" pitchFamily="18" charset="0"/>
+                      </a:rPr>
+                      <m:t>+…+</m:t>
+                    </m:r>
+                    <m:sSub>
+                      <m:sSubPr>
+                        <m:ctrlPr>
+                          <a:rPr lang="en-US" i="1">
+                            <a:latin typeface="Cambria Math" panose="02040503050406030204" pitchFamily="18" charset="0"/>
+                          </a:rPr>
+                        </m:ctrlPr>
+                      </m:sSubPr>
+                      <m:e>
+                        <m:r>
+                          <a:rPr lang="en-US" i="1">
+                            <a:latin typeface="Cambria Math" panose="02040503050406030204" pitchFamily="18" charset="0"/>
+                          </a:rPr>
+                          <m:t>𝑏</m:t>
+                        </m:r>
+                      </m:e>
+                      <m:sub>
+                        <m:r>
+                          <a:rPr lang="en-US" i="1">
+                            <a:latin typeface="Cambria Math" panose="02040503050406030204" pitchFamily="18" charset="0"/>
+                          </a:rPr>
+                          <m:t>𝑚</m:t>
+                        </m:r>
+                      </m:sub>
+                    </m:sSub>
+                    <m:sSub>
+                      <m:sSubPr>
+                        <m:ctrlPr>
+                          <a:rPr lang="en-US" i="1">
+                            <a:latin typeface="Cambria Math" panose="02040503050406030204" pitchFamily="18" charset="0"/>
+                          </a:rPr>
+                        </m:ctrlPr>
+                      </m:sSubPr>
+                      <m:e>
+                        <m:r>
+                          <a:rPr lang="en-US" i="1">
+                            <a:latin typeface="Cambria Math" panose="02040503050406030204" pitchFamily="18" charset="0"/>
+                          </a:rPr>
+                          <m:t>𝑢</m:t>
+                        </m:r>
+                      </m:e>
+                      <m:sub>
+                        <m:r>
+                          <a:rPr lang="en-US" i="1">
+                            <a:latin typeface="Cambria Math" panose="02040503050406030204" pitchFamily="18" charset="0"/>
+                          </a:rPr>
+                          <m:t>𝑚</m:t>
+                        </m:r>
+                      </m:sub>
+                    </m:sSub>
+                  </m:oMath>
+                </a14:m>
+                <a:r>
+                  <a:rPr lang="en-US" dirty="0"/>
+                  <a:t> or compactly, </a:t>
+                </a:r>
+                <a14:m>
+                  <m:oMath xmlns:m="http://schemas.openxmlformats.org/officeDocument/2006/math">
                     <m:r>
                       <a:rPr lang="en-US" b="0" i="1" smtClean="0">
                         <a:latin typeface="Cambria Math" panose="02040503050406030204" pitchFamily="18" charset="0"/>
@@ -9498,6 +9556,24 @@
                         <a:latin typeface="Cambria Math" panose="02040503050406030204" pitchFamily="18" charset="0"/>
                       </a:rPr>
                       <m:t>𝐱</m:t>
+                    </m:r>
+                    <m:r>
+                      <a:rPr lang="en-US" b="1" i="0" smtClean="0">
+                        <a:latin typeface="Cambria Math" panose="02040503050406030204" pitchFamily="18" charset="0"/>
+                      </a:rPr>
+                      <m:t>+</m:t>
+                    </m:r>
+                    <m:r>
+                      <a:rPr lang="en-US" b="0" i="1" dirty="0" smtClean="0">
+                        <a:latin typeface="Cambria Math" panose="02040503050406030204" pitchFamily="18" charset="0"/>
+                      </a:rPr>
+                      <m:t>𝐵</m:t>
+                    </m:r>
+                    <m:r>
+                      <a:rPr lang="en-US" b="1" i="0" smtClean="0">
+                        <a:latin typeface="Cambria Math" panose="02040503050406030204" pitchFamily="18" charset="0"/>
+                      </a:rPr>
+                      <m:t>𝐮</m:t>
                     </m:r>
                   </m:oMath>
                 </a14:m>
@@ -9524,7 +9600,7 @@
                     <m:sSub>
                       <m:sSubPr>
                         <m:ctrlPr>
-                          <a:rPr lang="en-US" b="0" i="1" smtClean="0">
+                          <a:rPr lang="en-US" i="1">
                             <a:latin typeface="Cambria Math" panose="02040503050406030204" pitchFamily="18" charset="0"/>
                           </a:rPr>
                         </m:ctrlPr>
@@ -9534,12 +9610,12 @@
                           <a:rPr lang="en-US" b="0" i="1" smtClean="0">
                             <a:latin typeface="Cambria Math" panose="02040503050406030204" pitchFamily="18" charset="0"/>
                           </a:rPr>
-                          <m:t>𝑏</m:t>
+                          <m:t>𝑐</m:t>
                         </m:r>
                       </m:e>
                       <m:sub>
                         <m:r>
-                          <a:rPr lang="en-US" b="0" i="1" smtClean="0">
+                          <a:rPr lang="en-US" i="1">
                             <a:latin typeface="Cambria Math" panose="02040503050406030204" pitchFamily="18" charset="0"/>
                           </a:rPr>
                           <m:t>1</m:t>
@@ -9549,7 +9625,38 @@
                     <m:sSub>
                       <m:sSubPr>
                         <m:ctrlPr>
-                          <a:rPr lang="en-US" b="0" i="1" smtClean="0">
+                          <a:rPr lang="en-US" i="1">
+                            <a:latin typeface="Cambria Math" panose="02040503050406030204" pitchFamily="18" charset="0"/>
+                          </a:rPr>
+                        </m:ctrlPr>
+                      </m:sSubPr>
+                      <m:e>
+                        <m:r>
+                          <a:rPr lang="en-US" i="1">
+                            <a:latin typeface="Cambria Math" panose="02040503050406030204" pitchFamily="18" charset="0"/>
+                          </a:rPr>
+                          <m:t>𝑥</m:t>
+                        </m:r>
+                      </m:e>
+                      <m:sub>
+                        <m:r>
+                          <a:rPr lang="en-US" i="1">
+                            <a:latin typeface="Cambria Math" panose="02040503050406030204" pitchFamily="18" charset="0"/>
+                          </a:rPr>
+                          <m:t>1</m:t>
+                        </m:r>
+                      </m:sub>
+                    </m:sSub>
+                    <m:r>
+                      <a:rPr lang="en-US" i="1">
+                        <a:latin typeface="Cambria Math" panose="02040503050406030204" pitchFamily="18" charset="0"/>
+                      </a:rPr>
+                      <m:t>+…+</m:t>
+                    </m:r>
+                    <m:sSub>
+                      <m:sSubPr>
+                        <m:ctrlPr>
+                          <a:rPr lang="en-US" i="1">
                             <a:latin typeface="Cambria Math" panose="02040503050406030204" pitchFamily="18" charset="0"/>
                           </a:rPr>
                         </m:ctrlPr>
@@ -9559,53 +9666,55 @@
                           <a:rPr lang="en-US" b="0" i="1" smtClean="0">
                             <a:latin typeface="Cambria Math" panose="02040503050406030204" pitchFamily="18" charset="0"/>
                           </a:rPr>
-                          <m:t>𝑢</m:t>
+                          <m:t>𝑐</m:t>
                         </m:r>
                       </m:e>
                       <m:sub>
                         <m:r>
-                          <a:rPr lang="en-US" b="0" i="1" smtClean="0">
-                            <a:latin typeface="Cambria Math" panose="02040503050406030204" pitchFamily="18" charset="0"/>
-                          </a:rPr>
-                          <m:t>1</m:t>
-                        </m:r>
-                      </m:sub>
-                    </m:sSub>
-                    <m:r>
-                      <a:rPr lang="en-US" b="0" i="1" smtClean="0">
-                        <a:latin typeface="Cambria Math" panose="02040503050406030204" pitchFamily="18" charset="0"/>
-                      </a:rPr>
-                      <m:t>+</m:t>
-                    </m:r>
-                    <m:sSub>
-                      <m:sSubPr>
-                        <m:ctrlPr>
-                          <a:rPr lang="en-US" b="0" i="1" smtClean="0">
-                            <a:latin typeface="Cambria Math" panose="02040503050406030204" pitchFamily="18" charset="0"/>
-                          </a:rPr>
-                        </m:ctrlPr>
-                      </m:sSubPr>
-                      <m:e>
-                        <m:r>
-                          <a:rPr lang="en-US" b="0" i="1" smtClean="0">
-                            <a:latin typeface="Cambria Math" panose="02040503050406030204" pitchFamily="18" charset="0"/>
-                          </a:rPr>
-                          <m:t>𝑏</m:t>
-                        </m:r>
-                      </m:e>
-                      <m:sub>
-                        <m:r>
-                          <a:rPr lang="en-US" b="0" i="1" smtClean="0">
-                            <a:latin typeface="Cambria Math" panose="02040503050406030204" pitchFamily="18" charset="0"/>
-                          </a:rPr>
-                          <m:t>2</m:t>
+                          <a:rPr lang="en-US" i="1">
+                            <a:latin typeface="Cambria Math" panose="02040503050406030204" pitchFamily="18" charset="0"/>
+                          </a:rPr>
+                          <m:t>𝑛</m:t>
                         </m:r>
                       </m:sub>
                     </m:sSub>
                     <m:sSub>
                       <m:sSubPr>
                         <m:ctrlPr>
-                          <a:rPr lang="en-US" b="0" i="1" smtClean="0">
+                          <a:rPr lang="en-US" i="1">
+                            <a:latin typeface="Cambria Math" panose="02040503050406030204" pitchFamily="18" charset="0"/>
+                          </a:rPr>
+                        </m:ctrlPr>
+                      </m:sSubPr>
+                      <m:e>
+                        <m:r>
+                          <a:rPr lang="en-US" i="1">
+                            <a:latin typeface="Cambria Math" panose="02040503050406030204" pitchFamily="18" charset="0"/>
+                          </a:rPr>
+                          <m:t>𝑥</m:t>
+                        </m:r>
+                      </m:e>
+                      <m:sub>
+                        <m:r>
+                          <a:rPr lang="en-US" i="1">
+                            <a:latin typeface="Cambria Math" panose="02040503050406030204" pitchFamily="18" charset="0"/>
+                          </a:rPr>
+                          <m:t>𝑛</m:t>
+                        </m:r>
+                      </m:sub>
+                    </m:sSub>
+                  </m:oMath>
+                </a14:m>
+                <a:r>
+                  <a:rPr lang="en-US" dirty="0"/>
+                  <a:t> + </a:t>
+                </a:r>
+                <a14:m>
+                  <m:oMath xmlns:m="http://schemas.openxmlformats.org/officeDocument/2006/math">
+                    <m:sSub>
+                      <m:sSubPr>
+                        <m:ctrlPr>
+                          <a:rPr lang="en-US" i="1">
                             <a:latin typeface="Cambria Math" panose="02040503050406030204" pitchFamily="18" charset="0"/>
                           </a:rPr>
                         </m:ctrlPr>
@@ -9615,20 +9724,45 @@
                           <a:rPr lang="en-US" b="0" i="1" smtClean="0">
                             <a:latin typeface="Cambria Math" panose="02040503050406030204" pitchFamily="18" charset="0"/>
                           </a:rPr>
+                          <m:t>𝑑</m:t>
+                        </m:r>
+                      </m:e>
+                      <m:sub>
+                        <m:r>
+                          <a:rPr lang="en-US" i="1">
+                            <a:latin typeface="Cambria Math" panose="02040503050406030204" pitchFamily="18" charset="0"/>
+                          </a:rPr>
+                          <m:t>1</m:t>
+                        </m:r>
+                      </m:sub>
+                    </m:sSub>
+                    <m:sSub>
+                      <m:sSubPr>
+                        <m:ctrlPr>
+                          <a:rPr lang="en-US" i="1">
+                            <a:latin typeface="Cambria Math" panose="02040503050406030204" pitchFamily="18" charset="0"/>
+                          </a:rPr>
+                        </m:ctrlPr>
+                      </m:sSubPr>
+                      <m:e>
+                        <m:r>
+                          <a:rPr lang="en-US" i="1">
+                            <a:latin typeface="Cambria Math" panose="02040503050406030204" pitchFamily="18" charset="0"/>
+                          </a:rPr>
                           <m:t>𝑢</m:t>
                         </m:r>
                       </m:e>
                       <m:sub>
                         <m:r>
-                          <a:rPr lang="en-US" b="0" i="1" smtClean="0">
-                            <a:latin typeface="Cambria Math" panose="02040503050406030204" pitchFamily="18" charset="0"/>
-                          </a:rPr>
-                          <m:t>2</m:t>
+                          <a:rPr lang="en-US" i="1">
+                            <a:latin typeface="Cambria Math" panose="02040503050406030204" pitchFamily="18" charset="0"/>
+                          </a:rPr>
+                          <m:t>1</m:t>
                         </m:r>
                       </m:sub>
                     </m:sSub>
                     <m:r>
-                      <a:rPr lang="en-US" b="0" i="1" smtClean="0">
+                      <a:rPr lang="en-US" i="1">
                         <a:latin typeface="Cambria Math" panose="02040503050406030204" pitchFamily="18" charset="0"/>
                       </a:rPr>
                       <m:t>+…+</m:t>
@@ -9636,7 +9770,7 @@
                     <m:sSub>
                       <m:sSubPr>
                         <m:ctrlPr>
-                          <a:rPr lang="en-US" b="0" i="1" smtClean="0">
+                          <a:rPr lang="en-US" i="1">
                             <a:latin typeface="Cambria Math" panose="02040503050406030204" pitchFamily="18" charset="0"/>
                           </a:rPr>
                         </m:ctrlPr>
@@ -9646,12 +9780,12 @@
                           <a:rPr lang="en-US" b="0" i="1" smtClean="0">
                             <a:latin typeface="Cambria Math" panose="02040503050406030204" pitchFamily="18" charset="0"/>
                           </a:rPr>
-                          <m:t>𝑏</m:t>
+                          <m:t>𝑑</m:t>
                         </m:r>
                       </m:e>
                       <m:sub>
                         <m:r>
-                          <a:rPr lang="en-US" b="0" i="1" smtClean="0">
+                          <a:rPr lang="en-US" i="1">
                             <a:latin typeface="Cambria Math" panose="02040503050406030204" pitchFamily="18" charset="0"/>
                           </a:rPr>
                           <m:t>𝑚</m:t>
@@ -9661,14 +9795,14 @@
                     <m:sSub>
                       <m:sSubPr>
                         <m:ctrlPr>
-                          <a:rPr lang="en-US" b="0" i="1" smtClean="0">
+                          <a:rPr lang="en-US" i="1">
                             <a:latin typeface="Cambria Math" panose="02040503050406030204" pitchFamily="18" charset="0"/>
                           </a:rPr>
                         </m:ctrlPr>
                       </m:sSubPr>
                       <m:e>
                         <m:r>
-                          <a:rPr lang="en-US" b="0" i="1" smtClean="0">
+                          <a:rPr lang="en-US" i="1">
                             <a:latin typeface="Cambria Math" panose="02040503050406030204" pitchFamily="18" charset="0"/>
                           </a:rPr>
                           <m:t>𝑢</m:t>
@@ -9676,7 +9810,7 @@
                       </m:e>
                       <m:sub>
                         <m:r>
-                          <a:rPr lang="en-US" b="0" i="1" smtClean="0">
+                          <a:rPr lang="en-US" i="1">
                             <a:latin typeface="Cambria Math" panose="02040503050406030204" pitchFamily="18" charset="0"/>
                           </a:rPr>
                           <m:t>𝑚</m:t>
@@ -9707,7 +9841,25 @@
                       <a:rPr lang="en-US" b="0" i="1" smtClean="0">
                         <a:latin typeface="Cambria Math" panose="02040503050406030204" pitchFamily="18" charset="0"/>
                       </a:rPr>
-                      <m:t>𝐵</m:t>
+                      <m:t>𝐶</m:t>
+                    </m:r>
+                    <m:r>
+                      <a:rPr lang="en-US" b="1" i="0" smtClean="0">
+                        <a:latin typeface="Cambria Math" panose="02040503050406030204" pitchFamily="18" charset="0"/>
+                      </a:rPr>
+                      <m:t>𝐱</m:t>
+                    </m:r>
+                    <m:r>
+                      <a:rPr lang="en-US" b="0" i="1" smtClean="0">
+                        <a:latin typeface="Cambria Math" panose="02040503050406030204" pitchFamily="18" charset="0"/>
+                      </a:rPr>
+                      <m:t>+</m:t>
+                    </m:r>
+                    <m:r>
+                      <a:rPr lang="en-US" b="0" i="1" smtClean="0">
+                        <a:latin typeface="Cambria Math" panose="02040503050406030204" pitchFamily="18" charset="0"/>
+                      </a:rPr>
+                      <m:t>𝐷</m:t>
                     </m:r>
                     <m:r>
                       <a:rPr lang="en-US" b="1" i="0" smtClean="0">
@@ -9752,7 +9904,7 @@
             </p:txBody>
           </p:sp>
         </mc:Choice>
-        <mc:Fallback xmlns="">
+        <mc:Fallback>
           <p:sp>
             <p:nvSpPr>
               <p:cNvPr id="2" name="Content Placeholder 1">
@@ -9773,7 +9925,7 @@
               <a:blipFill>
                 <a:blip r:embed="rId2"/>
                 <a:stretch>
-                  <a:fillRect l="-625" t="-2384" r="-313"/>
+                  <a:fillRect l="-625" t="-2384" r="-834"/>
                 </a:stretch>
               </a:blipFill>
             </p:spPr>

--- a/teaching/cs513-autocps-fall-2020/lecture3-Dynamical-System-Models.pptx
+++ b/teaching/cs513-autocps-fall-2020/lecture3-Dynamical-System-Models.pptx
@@ -11825,7 +11825,7 @@
         </p:nvSpPr>
         <p:spPr>
           <a:xfrm rot="9132603" flipH="1">
-            <a:off x="3265641" y="4140975"/>
+            <a:off x="3573958" y="4328023"/>
             <a:ext cx="750496" cy="739137"/>
           </a:xfrm>
           <a:prstGeom prst="arc">
@@ -21511,8 +21511,8 @@
           </a:p>
         </p:txBody>
       </p:sp>
-      <mc:AlternateContent xmlns:mc="http://schemas.openxmlformats.org/markup-compatibility/2006" xmlns:a14="http://schemas.microsoft.com/office/drawing/2010/main">
-        <mc:Choice Requires="a14">
+      <mc:AlternateContent xmlns:mc="http://schemas.openxmlformats.org/markup-compatibility/2006">
+        <mc:Choice xmlns:a14="http://schemas.microsoft.com/office/drawing/2010/main" Requires="a14">
           <p:sp>
             <p:nvSpPr>
               <p:cNvPr id="5" name="Content Placeholder 1">
@@ -21884,7 +21884,7 @@
                       <a:rPr lang="en-US" b="0" i="1" dirty="0" smtClean="0">
                         <a:latin typeface="Cambria Math" panose="02040503050406030204" pitchFamily="18" charset="0"/>
                       </a:rPr>
-                      <m:t>=−</m:t>
+                      <m:t>=</m:t>
                     </m:r>
                     <m:f>
                       <m:fPr>
@@ -21895,6 +21895,12 @@
                         </m:ctrlPr>
                       </m:fPr>
                       <m:num>
+                        <m:r>
+                          <a:rPr lang="en-US" i="1" dirty="0">
+                            <a:latin typeface="Cambria Math" panose="02040503050406030204" pitchFamily="18" charset="0"/>
+                          </a:rPr>
+                          <m:t>500−</m:t>
+                        </m:r>
                         <m:r>
                           <a:rPr lang="en-US" b="0" i="1" dirty="0" smtClean="0">
                             <a:latin typeface="Cambria Math" panose="02040503050406030204" pitchFamily="18" charset="0"/>
@@ -21972,7 +21978,7 @@
             </p:txBody>
           </p:sp>
         </mc:Choice>
-        <mc:Fallback xmlns="">
+        <mc:Fallback>
           <p:sp>
             <p:nvSpPr>
               <p:cNvPr id="5" name="Content Placeholder 1">

--- a/teaching/cs513-autocps-fall-2020/lecture3-Dynamical-System-Models.pptx
+++ b/teaching/cs513-autocps-fall-2020/lecture3-Dynamical-System-Models.pptx
@@ -29,9 +29,8 @@
     <p:sldId id="354" r:id="rId23"/>
     <p:sldId id="355" r:id="rId24"/>
     <p:sldId id="356" r:id="rId25"/>
-    <p:sldId id="364" r:id="rId26"/>
-    <p:sldId id="340" r:id="rId27"/>
-    <p:sldId id="341" r:id="rId28"/>
+    <p:sldId id="340" r:id="rId26"/>
+    <p:sldId id="341" r:id="rId27"/>
   </p:sldIdLst>
   <p:sldSz cx="12192000" cy="6858000"/>
   <p:notesSz cx="6858000" cy="9144000"/>
@@ -285,7 +284,7 @@
           <a:p>
             <a:fld id="{67A3F3DB-A97F-42A8-8666-E7552CF620C9}" type="datetimeFigureOut">
               <a:rPr lang="en-US" smtClean="0"/>
-              <a:t>8/30/2020</a:t>
+              <a:t>9/13/2020</a:t>
             </a:fld>
             <a:endParaRPr lang="en-US"/>
           </a:p>
@@ -483,7 +482,7 @@
           <a:p>
             <a:fld id="{67A3F3DB-A97F-42A8-8666-E7552CF620C9}" type="datetimeFigureOut">
               <a:rPr lang="en-US" smtClean="0"/>
-              <a:t>8/30/2020</a:t>
+              <a:t>9/13/2020</a:t>
             </a:fld>
             <a:endParaRPr lang="en-US"/>
           </a:p>
@@ -691,7 +690,7 @@
           <a:p>
             <a:fld id="{67A3F3DB-A97F-42A8-8666-E7552CF620C9}" type="datetimeFigureOut">
               <a:rPr lang="en-US" smtClean="0"/>
-              <a:t>8/30/2020</a:t>
+              <a:t>9/13/2020</a:t>
             </a:fld>
             <a:endParaRPr lang="en-US"/>
           </a:p>
@@ -1085,7 +1084,7 @@
           <p:nvPr userDrawn="1"/>
         </p:nvPicPr>
         <mc:AlternateContent xmlns:mc="http://schemas.openxmlformats.org/markup-compatibility/2006">
-          <mc:Choice xmlns:ma="http://schemas.microsoft.com/office/mac/drawingml/2008/main" xmlns:mv="urn:schemas-microsoft-com:mac:vml" xmlns="" Requires="ma">
+          <mc:Choice xmlns="" xmlns:mv="urn:schemas-microsoft-com:mac:vml" xmlns:ma="http://schemas.microsoft.com/office/mac/drawingml/2008/main" Requires="ma">
             <p:blipFill>
               <a:blip r:embed="rId3"/>
               <a:stretch>
@@ -1486,7 +1485,7 @@
           <a:p>
             <a:fld id="{67A3F3DB-A97F-42A8-8666-E7552CF620C9}" type="datetimeFigureOut">
               <a:rPr lang="en-US" smtClean="0"/>
-              <a:t>8/30/2020</a:t>
+              <a:t>9/13/2020</a:t>
             </a:fld>
             <a:endParaRPr lang="en-US"/>
           </a:p>
@@ -1761,7 +1760,7 @@
           <a:p>
             <a:fld id="{67A3F3DB-A97F-42A8-8666-E7552CF620C9}" type="datetimeFigureOut">
               <a:rPr lang="en-US" smtClean="0"/>
-              <a:t>8/30/2020</a:t>
+              <a:t>9/13/2020</a:t>
             </a:fld>
             <a:endParaRPr lang="en-US"/>
           </a:p>
@@ -2026,7 +2025,7 @@
           <a:p>
             <a:fld id="{67A3F3DB-A97F-42A8-8666-E7552CF620C9}" type="datetimeFigureOut">
               <a:rPr lang="en-US" smtClean="0"/>
-              <a:t>8/30/2020</a:t>
+              <a:t>9/13/2020</a:t>
             </a:fld>
             <a:endParaRPr lang="en-US"/>
           </a:p>
@@ -2438,7 +2437,7 @@
           <a:p>
             <a:fld id="{67A3F3DB-A97F-42A8-8666-E7552CF620C9}" type="datetimeFigureOut">
               <a:rPr lang="en-US" smtClean="0"/>
-              <a:t>8/30/2020</a:t>
+              <a:t>9/13/2020</a:t>
             </a:fld>
             <a:endParaRPr lang="en-US"/>
           </a:p>
@@ -2579,7 +2578,7 @@
           <a:p>
             <a:fld id="{67A3F3DB-A97F-42A8-8666-E7552CF620C9}" type="datetimeFigureOut">
               <a:rPr lang="en-US" smtClean="0"/>
-              <a:t>8/30/2020</a:t>
+              <a:t>9/13/2020</a:t>
             </a:fld>
             <a:endParaRPr lang="en-US"/>
           </a:p>
@@ -2692,7 +2691,7 @@
           <a:p>
             <a:fld id="{67A3F3DB-A97F-42A8-8666-E7552CF620C9}" type="datetimeFigureOut">
               <a:rPr lang="en-US" smtClean="0"/>
-              <a:t>8/30/2020</a:t>
+              <a:t>9/13/2020</a:t>
             </a:fld>
             <a:endParaRPr lang="en-US"/>
           </a:p>
@@ -3003,7 +3002,7 @@
           <a:p>
             <a:fld id="{67A3F3DB-A97F-42A8-8666-E7552CF620C9}" type="datetimeFigureOut">
               <a:rPr lang="en-US" smtClean="0"/>
-              <a:t>8/30/2020</a:t>
+              <a:t>9/13/2020</a:t>
             </a:fld>
             <a:endParaRPr lang="en-US"/>
           </a:p>
@@ -3291,7 +3290,7 @@
           <a:p>
             <a:fld id="{67A3F3DB-A97F-42A8-8666-E7552CF620C9}" type="datetimeFigureOut">
               <a:rPr lang="en-US" smtClean="0"/>
-              <a:t>8/30/2020</a:t>
+              <a:t>9/13/2020</a:t>
             </a:fld>
             <a:endParaRPr lang="en-US"/>
           </a:p>
@@ -3532,7 +3531,7 @@
           <a:p>
             <a:fld id="{67A3F3DB-A97F-42A8-8666-E7552CF620C9}" type="datetimeFigureOut">
               <a:rPr lang="en-US" smtClean="0"/>
-              <a:t>8/30/2020</a:t>
+              <a:t>9/13/2020</a:t>
             </a:fld>
             <a:endParaRPr lang="en-US"/>
           </a:p>
@@ -9253,8 +9252,8 @@
           <a:chExt cx="0" cy="0"/>
         </a:xfrm>
       </p:grpSpPr>
-      <mc:AlternateContent xmlns:mc="http://schemas.openxmlformats.org/markup-compatibility/2006">
-        <mc:Choice xmlns:a14="http://schemas.microsoft.com/office/drawing/2010/main" Requires="a14">
+      <mc:AlternateContent xmlns:mc="http://schemas.openxmlformats.org/markup-compatibility/2006" xmlns:a14="http://schemas.microsoft.com/office/drawing/2010/main">
+        <mc:Choice Requires="a14">
           <p:sp>
             <p:nvSpPr>
               <p:cNvPr id="2" name="Content Placeholder 1">
@@ -9904,7 +9903,7 @@
             </p:txBody>
           </p:sp>
         </mc:Choice>
-        <mc:Fallback>
+        <mc:Fallback xmlns="">
           <p:sp>
             <p:nvSpPr>
               <p:cNvPr id="2" name="Content Placeholder 1">
@@ -11950,8 +11949,8 @@
           </a:p>
         </p:txBody>
       </p:sp>
-      <mc:AlternateContent xmlns:mc="http://schemas.openxmlformats.org/markup-compatibility/2006">
-        <mc:Choice xmlns:a14="http://schemas.microsoft.com/office/drawing/2010/main" Requires="a14">
+      <mc:AlternateContent xmlns:mc="http://schemas.openxmlformats.org/markup-compatibility/2006" xmlns:a14="http://schemas.microsoft.com/office/drawing/2010/main">
+        <mc:Choice Requires="a14">
           <p:sp>
             <p:nvSpPr>
               <p:cNvPr id="2" name="Content Placeholder 1">
@@ -12431,7 +12430,7 @@
             </p:txBody>
           </p:sp>
         </mc:Choice>
-        <mc:Fallback>
+        <mc:Fallback xmlns="">
           <p:sp>
             <p:nvSpPr>
               <p:cNvPr id="2" name="Content Placeholder 1">
@@ -15369,131 +15368,6 @@
 </file>
 
 <file path=ppt/slides/slide25.xml><?xml version="1.0" encoding="utf-8"?>
-<p:sld xmlns:a="http://schemas.openxmlformats.org/drawingml/2006/main" xmlns:r="http://schemas.openxmlformats.org/officeDocument/2006/relationships" xmlns:p="http://schemas.openxmlformats.org/presentationml/2006/main">
-  <p:cSld>
-    <p:spTree>
-      <p:nvGrpSpPr>
-        <p:cNvPr id="1" name=""/>
-        <p:cNvGrpSpPr/>
-        <p:nvPr/>
-      </p:nvGrpSpPr>
-      <p:grpSpPr>
-        <a:xfrm>
-          <a:off x="0" y="0"/>
-          <a:ext cx="0" cy="0"/>
-          <a:chOff x="0" y="0"/>
-          <a:chExt cx="0" cy="0"/>
-        </a:xfrm>
-      </p:grpSpPr>
-      <p:sp>
-        <p:nvSpPr>
-          <p:cNvPr id="2" name="Content Placeholder 1">
-            <a:extLst>
-              <a:ext uri="{FF2B5EF4-FFF2-40B4-BE49-F238E27FC236}">
-                <a16:creationId xmlns:a16="http://schemas.microsoft.com/office/drawing/2014/main" id="{5A29C100-BE5F-4E1B-B347-CB971D716AFC}"/>
-              </a:ext>
-            </a:extLst>
-          </p:cNvPr>
-          <p:cNvSpPr>
-            <a:spLocks noGrp="1"/>
-          </p:cNvSpPr>
-          <p:nvPr>
-            <p:ph idx="1"/>
-          </p:nvPr>
-        </p:nvSpPr>
-        <p:spPr/>
-        <p:txBody>
-          <a:bodyPr/>
-          <a:lstStyle/>
-          <a:p>
-            <a:r>
-              <a:rPr lang="en-US" dirty="0"/>
-              <a:t>Basics of linear control</a:t>
-            </a:r>
-          </a:p>
-          <a:p>
-            <a:r>
-              <a:rPr lang="en-US" dirty="0"/>
-              <a:t>Nonlinear control</a:t>
-            </a:r>
-          </a:p>
-          <a:p>
-            <a:endParaRPr lang="en-US" dirty="0"/>
-          </a:p>
-        </p:txBody>
-      </p:sp>
-      <p:sp>
-        <p:nvSpPr>
-          <p:cNvPr id="3" name="Title 2">
-            <a:extLst>
-              <a:ext uri="{FF2B5EF4-FFF2-40B4-BE49-F238E27FC236}">
-                <a16:creationId xmlns:a16="http://schemas.microsoft.com/office/drawing/2014/main" id="{812887CB-5637-452B-95BA-034B4349060E}"/>
-              </a:ext>
-            </a:extLst>
-          </p:cNvPr>
-          <p:cNvSpPr>
-            <a:spLocks noGrp="1"/>
-          </p:cNvSpPr>
-          <p:nvPr>
-            <p:ph type="title"/>
-          </p:nvPr>
-        </p:nvSpPr>
-        <p:spPr/>
-        <p:txBody>
-          <a:bodyPr/>
-          <a:lstStyle/>
-          <a:p>
-            <a:r>
-              <a:rPr lang="en-US" dirty="0"/>
-              <a:t>Next lecture</a:t>
-            </a:r>
-          </a:p>
-        </p:txBody>
-      </p:sp>
-      <p:sp>
-        <p:nvSpPr>
-          <p:cNvPr id="4" name="Slide Number Placeholder 3">
-            <a:extLst>
-              <a:ext uri="{FF2B5EF4-FFF2-40B4-BE49-F238E27FC236}">
-                <a16:creationId xmlns:a16="http://schemas.microsoft.com/office/drawing/2014/main" id="{907A0716-2D26-4D0C-8799-4D3D6E72E25B}"/>
-              </a:ext>
-            </a:extLst>
-          </p:cNvPr>
-          <p:cNvSpPr>
-            <a:spLocks noGrp="1"/>
-          </p:cNvSpPr>
-          <p:nvPr>
-            <p:ph type="sldNum" sz="quarter" idx="12"/>
-          </p:nvPr>
-        </p:nvSpPr>
-        <p:spPr/>
-        <p:txBody>
-          <a:bodyPr/>
-          <a:lstStyle/>
-          <a:p>
-            <a:fld id="{29AAD378-655A-49C6-813C-9FD132EF7440}" type="slidenum">
-              <a:rPr lang="en-US" smtClean="0"/>
-              <a:pPr/>
-              <a:t>25</a:t>
-            </a:fld>
-            <a:endParaRPr lang="en-US" dirty="0"/>
-          </a:p>
-        </p:txBody>
-      </p:sp>
-    </p:spTree>
-    <p:extLst>
-      <p:ext uri="{BB962C8B-B14F-4D97-AF65-F5344CB8AC3E}">
-        <p14:creationId xmlns:p14="http://schemas.microsoft.com/office/powerpoint/2010/main" val="215927214"/>
-      </p:ext>
-    </p:extLst>
-  </p:cSld>
-  <p:clrMapOvr>
-    <a:masterClrMapping/>
-  </p:clrMapOvr>
-</p:sld>
-</file>
-
-<file path=ppt/slides/slide26.xml><?xml version="1.0" encoding="utf-8"?>
 <p:sld xmlns:a="http://schemas.openxmlformats.org/drawingml/2006/main" xmlns:r="http://schemas.openxmlformats.org/officeDocument/2006/relationships" xmlns:p="http://schemas.openxmlformats.org/presentationml/2006/main" show="0">
   <p:cSld>
     <p:spTree>
@@ -15597,7 +15471,7 @@
             <a:fld id="{29AAD378-655A-49C6-813C-9FD132EF7440}" type="slidenum">
               <a:rPr lang="en-US" smtClean="0"/>
               <a:pPr/>
-              <a:t>26</a:t>
+              <a:t>25</a:t>
             </a:fld>
             <a:endParaRPr lang="en-US" dirty="0"/>
           </a:p>
@@ -15645,7 +15519,7 @@
 </p:sld>
 </file>
 
-<file path=ppt/slides/slide27.xml><?xml version="1.0" encoding="utf-8"?>
+<file path=ppt/slides/slide26.xml><?xml version="1.0" encoding="utf-8"?>
 <p:sld xmlns:a="http://schemas.openxmlformats.org/drawingml/2006/main" xmlns:r="http://schemas.openxmlformats.org/officeDocument/2006/relationships" xmlns:p="http://schemas.openxmlformats.org/presentationml/2006/main" show="0">
   <p:cSld>
     <p:spTree>
@@ -15714,7 +15588,7 @@
             <a:fld id="{29AAD378-655A-49C6-813C-9FD132EF7440}" type="slidenum">
               <a:rPr lang="en-US" smtClean="0"/>
               <a:pPr/>
-              <a:t>27</a:t>
+              <a:t>26</a:t>
             </a:fld>
             <a:endParaRPr lang="en-US" dirty="0"/>
           </a:p>
@@ -20353,7 +20227,13 @@
                       <a:rPr lang="en-US" b="0" i="1" smtClean="0">
                         <a:latin typeface="Cambria Math" panose="02040503050406030204" pitchFamily="18" charset="0"/>
                       </a:rPr>
-                      <m:t>=0</m:t>
+                      <m:t>=</m:t>
+                    </m:r>
+                    <m:r>
+                      <a:rPr lang="en-US" b="0" i="1" smtClean="0">
+                        <a:latin typeface="Cambria Math" panose="02040503050406030204" pitchFamily="18" charset="0"/>
+                      </a:rPr>
+                      <m:t>0</m:t>
                     </m:r>
                     <m:r>
                       <a:rPr lang="en-US" b="0" i="0" smtClean="0">
@@ -20390,7 +20270,13 @@
                       <a:rPr lang="en-US" b="0" i="1" smtClean="0">
                         <a:latin typeface="Cambria Math" panose="02040503050406030204" pitchFamily="18" charset="0"/>
                       </a:rPr>
-                      <m:t>=5</m:t>
+                      <m:t>=</m:t>
+                    </m:r>
+                    <m:r>
+                      <a:rPr lang="en-US" b="0" i="1" smtClean="0">
+                        <a:latin typeface="Cambria Math" panose="02040503050406030204" pitchFamily="18" charset="0"/>
+                      </a:rPr>
+                      <m:t>5</m:t>
                     </m:r>
                     <m:r>
                       <a:rPr lang="en-US" b="0" i="0" smtClean="0">
@@ -20442,7 +20328,19 @@
                       <a:rPr lang="en-US" b="0" i="0" smtClean="0">
                         <a:latin typeface="Cambria Math" panose="02040503050406030204" pitchFamily="18" charset="0"/>
                       </a:rPr>
-                      <m:t>=20 </m:t>
+                      <m:t>=</m:t>
+                    </m:r>
+                    <m:r>
+                      <a:rPr lang="en-US" b="0" i="0" smtClean="0">
+                        <a:latin typeface="Cambria Math" panose="02040503050406030204" pitchFamily="18" charset="0"/>
+                      </a:rPr>
+                      <m:t>20</m:t>
+                    </m:r>
+                    <m:r>
+                      <a:rPr lang="en-US" b="0" i="0" smtClean="0">
+                        <a:latin typeface="Cambria Math" panose="02040503050406030204" pitchFamily="18" charset="0"/>
+                      </a:rPr>
+                      <m:t> </m:t>
                     </m:r>
                     <m:r>
                       <m:rPr>
@@ -20506,7 +20404,19 @@
                       <a:rPr lang="en-US" b="0" i="1" smtClean="0">
                         <a:latin typeface="Cambria Math" panose="02040503050406030204" pitchFamily="18" charset="0"/>
                       </a:rPr>
-                      <m:t>=5;</m:t>
+                      <m:t>=</m:t>
+                    </m:r>
+                    <m:r>
+                      <a:rPr lang="en-US" b="0" i="1" smtClean="0">
+                        <a:latin typeface="Cambria Math" panose="02040503050406030204" pitchFamily="18" charset="0"/>
+                      </a:rPr>
+                      <m:t>5</m:t>
+                    </m:r>
+                    <m:r>
+                      <a:rPr lang="en-US" b="0" i="1" smtClean="0">
+                        <a:latin typeface="Cambria Math" panose="02040503050406030204" pitchFamily="18" charset="0"/>
+                      </a:rPr>
+                      <m:t>;</m:t>
                     </m:r>
                     <m:r>
                       <a:rPr lang="en-US" b="0" i="1" smtClean="0">
@@ -20535,7 +20445,13 @@
                       <a:rPr lang="en-US" b="0" i="1" smtClean="0">
                         <a:latin typeface="Cambria Math" panose="02040503050406030204" pitchFamily="18" charset="0"/>
                       </a:rPr>
-                      <m:t>=20</m:t>
+                      <m:t>=</m:t>
+                    </m:r>
+                    <m:r>
+                      <a:rPr lang="en-US" b="0" i="1" smtClean="0">
+                        <a:latin typeface="Cambria Math" panose="02040503050406030204" pitchFamily="18" charset="0"/>
+                      </a:rPr>
+                      <m:t>20</m:t>
                     </m:r>
                   </m:oMath>
                 </a14:m>
@@ -20883,7 +20799,13 @@
                           <a:rPr lang="en-US" i="1">
                             <a:latin typeface="Cambria Math" panose="02040503050406030204" pitchFamily="18" charset="0"/>
                           </a:rPr>
-                          <m:t>1−</m:t>
+                          <m:t>1</m:t>
+                        </m:r>
+                        <m:r>
+                          <a:rPr lang="en-US" i="1">
+                            <a:latin typeface="Cambria Math" panose="02040503050406030204" pitchFamily="18" charset="0"/>
+                          </a:rPr>
+                          <m:t>−</m:t>
                         </m:r>
                         <m:sSup>
                           <m:sSupPr>
@@ -20964,7 +20886,13 @@
                       <a:rPr lang="en-US" b="0" i="1" smtClean="0">
                         <a:latin typeface="Cambria Math" panose="02040503050406030204" pitchFamily="18" charset="0"/>
                       </a:rPr>
-                      <m:t>→∞</m:t>
+                      <m:t>→</m:t>
+                    </m:r>
+                    <m:r>
+                      <a:rPr lang="en-US" b="0" i="1" smtClean="0">
+                        <a:latin typeface="Cambria Math" panose="02040503050406030204" pitchFamily="18" charset="0"/>
+                      </a:rPr>
+                      <m:t>∞</m:t>
                     </m:r>
                   </m:oMath>
                 </a14:m>
@@ -21001,7 +20929,13 @@
                       <a:rPr lang="en-US" b="0" i="1" smtClean="0">
                         <a:latin typeface="Cambria Math" panose="02040503050406030204" pitchFamily="18" charset="0"/>
                       </a:rPr>
-                      <m:t>→0</m:t>
+                      <m:t>→</m:t>
+                    </m:r>
+                    <m:r>
+                      <a:rPr lang="en-US" b="0" i="1" smtClean="0">
+                        <a:latin typeface="Cambria Math" panose="02040503050406030204" pitchFamily="18" charset="0"/>
+                      </a:rPr>
+                      <m:t>0</m:t>
                     </m:r>
                   </m:oMath>
                 </a14:m>
@@ -21274,7 +21208,18 @@
                           </a:solidFill>
                           <a:latin typeface="Cambria Math" panose="02040503050406030204" pitchFamily="18" charset="0"/>
                         </a:rPr>
-                        <m:t>=1000</m:t>
+                        <m:t>=</m:t>
+                      </m:r>
+                      <m:r>
+                        <a:rPr lang="en-US" sz="2400" b="0" i="0" smtClean="0">
+                          <a:solidFill>
+                            <a:schemeClr val="accent1">
+                              <a:lumMod val="75000"/>
+                            </a:schemeClr>
+                          </a:solidFill>
+                          <a:latin typeface="Cambria Math" panose="02040503050406030204" pitchFamily="18" charset="0"/>
+                        </a:rPr>
+                        <m:t>1000</m:t>
                       </m:r>
                       <m:r>
                         <m:rPr>
@@ -21329,7 +21274,18 @@
                           </a:solidFill>
                           <a:latin typeface="Cambria Math" panose="02040503050406030204" pitchFamily="18" charset="0"/>
                         </a:rPr>
-                        <m:t>=50</m:t>
+                        <m:t>=</m:t>
+                      </m:r>
+                      <m:r>
+                        <a:rPr lang="en-US" sz="2400" b="0" i="1" smtClean="0">
+                          <a:solidFill>
+                            <a:schemeClr val="accent1">
+                              <a:lumMod val="75000"/>
+                            </a:schemeClr>
+                          </a:solidFill>
+                          <a:latin typeface="Cambria Math" panose="02040503050406030204" pitchFamily="18" charset="0"/>
+                        </a:rPr>
+                        <m:t>50</m:t>
                       </m:r>
                       <m:r>
                         <a:rPr lang="en-US" sz="2400" b="0" i="1" smtClean="0">
@@ -21511,8 +21467,8 @@
           </a:p>
         </p:txBody>
       </p:sp>
-      <mc:AlternateContent xmlns:mc="http://schemas.openxmlformats.org/markup-compatibility/2006">
-        <mc:Choice xmlns:a14="http://schemas.microsoft.com/office/drawing/2010/main" Requires="a14">
+      <mc:AlternateContent xmlns:mc="http://schemas.openxmlformats.org/markup-compatibility/2006" xmlns:a14="http://schemas.microsoft.com/office/drawing/2010/main">
+        <mc:Choice Requires="a14">
           <p:sp>
             <p:nvSpPr>
               <p:cNvPr id="5" name="Content Placeholder 1">
@@ -21978,7 +21934,7 @@
             </p:txBody>
           </p:sp>
         </mc:Choice>
-        <mc:Fallback>
+        <mc:Fallback xmlns="">
           <p:sp>
             <p:nvSpPr>
               <p:cNvPr id="5" name="Content Placeholder 1">

--- a/teaching/cs513-autocps-fall-2020/lecture3-Dynamical-System-Models.pptx
+++ b/teaching/cs513-autocps-fall-2020/lecture3-Dynamical-System-Models.pptx
@@ -284,7 +284,7 @@
           <a:p>
             <a:fld id="{67A3F3DB-A97F-42A8-8666-E7552CF620C9}" type="datetimeFigureOut">
               <a:rPr lang="en-US" smtClean="0"/>
-              <a:t>9/13/2020</a:t>
+              <a:t>9/21/2020</a:t>
             </a:fld>
             <a:endParaRPr lang="en-US"/>
           </a:p>
@@ -482,7 +482,7 @@
           <a:p>
             <a:fld id="{67A3F3DB-A97F-42A8-8666-E7552CF620C9}" type="datetimeFigureOut">
               <a:rPr lang="en-US" smtClean="0"/>
-              <a:t>9/13/2020</a:t>
+              <a:t>9/21/2020</a:t>
             </a:fld>
             <a:endParaRPr lang="en-US"/>
           </a:p>
@@ -690,7 +690,7 @@
           <a:p>
             <a:fld id="{67A3F3DB-A97F-42A8-8666-E7552CF620C9}" type="datetimeFigureOut">
               <a:rPr lang="en-US" smtClean="0"/>
-              <a:t>9/13/2020</a:t>
+              <a:t>9/21/2020</a:t>
             </a:fld>
             <a:endParaRPr lang="en-US"/>
           </a:p>
@@ -1084,7 +1084,7 @@
           <p:nvPr userDrawn="1"/>
         </p:nvPicPr>
         <mc:AlternateContent xmlns:mc="http://schemas.openxmlformats.org/markup-compatibility/2006">
-          <mc:Choice xmlns="" xmlns:mv="urn:schemas-microsoft-com:mac:vml" xmlns:ma="http://schemas.microsoft.com/office/mac/drawingml/2008/main" Requires="ma">
+          <mc:Choice xmlns:ma="http://schemas.microsoft.com/office/mac/drawingml/2008/main" xmlns:mv="urn:schemas-microsoft-com:mac:vml" xmlns="" Requires="ma">
             <p:blipFill>
               <a:blip r:embed="rId3"/>
               <a:stretch>
@@ -1485,7 +1485,7 @@
           <a:p>
             <a:fld id="{67A3F3DB-A97F-42A8-8666-E7552CF620C9}" type="datetimeFigureOut">
               <a:rPr lang="en-US" smtClean="0"/>
-              <a:t>9/13/2020</a:t>
+              <a:t>9/21/2020</a:t>
             </a:fld>
             <a:endParaRPr lang="en-US"/>
           </a:p>
@@ -1760,7 +1760,7 @@
           <a:p>
             <a:fld id="{67A3F3DB-A97F-42A8-8666-E7552CF620C9}" type="datetimeFigureOut">
               <a:rPr lang="en-US" smtClean="0"/>
-              <a:t>9/13/2020</a:t>
+              <a:t>9/21/2020</a:t>
             </a:fld>
             <a:endParaRPr lang="en-US"/>
           </a:p>
@@ -2025,7 +2025,7 @@
           <a:p>
             <a:fld id="{67A3F3DB-A97F-42A8-8666-E7552CF620C9}" type="datetimeFigureOut">
               <a:rPr lang="en-US" smtClean="0"/>
-              <a:t>9/13/2020</a:t>
+              <a:t>9/21/2020</a:t>
             </a:fld>
             <a:endParaRPr lang="en-US"/>
           </a:p>
@@ -2437,7 +2437,7 @@
           <a:p>
             <a:fld id="{67A3F3DB-A97F-42A8-8666-E7552CF620C9}" type="datetimeFigureOut">
               <a:rPr lang="en-US" smtClean="0"/>
-              <a:t>9/13/2020</a:t>
+              <a:t>9/21/2020</a:t>
             </a:fld>
             <a:endParaRPr lang="en-US"/>
           </a:p>
@@ -2578,7 +2578,7 @@
           <a:p>
             <a:fld id="{67A3F3DB-A97F-42A8-8666-E7552CF620C9}" type="datetimeFigureOut">
               <a:rPr lang="en-US" smtClean="0"/>
-              <a:t>9/13/2020</a:t>
+              <a:t>9/21/2020</a:t>
             </a:fld>
             <a:endParaRPr lang="en-US"/>
           </a:p>
@@ -2691,7 +2691,7 @@
           <a:p>
             <a:fld id="{67A3F3DB-A97F-42A8-8666-E7552CF620C9}" type="datetimeFigureOut">
               <a:rPr lang="en-US" smtClean="0"/>
-              <a:t>9/13/2020</a:t>
+              <a:t>9/21/2020</a:t>
             </a:fld>
             <a:endParaRPr lang="en-US"/>
           </a:p>
@@ -3002,7 +3002,7 @@
           <a:p>
             <a:fld id="{67A3F3DB-A97F-42A8-8666-E7552CF620C9}" type="datetimeFigureOut">
               <a:rPr lang="en-US" smtClean="0"/>
-              <a:t>9/13/2020</a:t>
+              <a:t>9/21/2020</a:t>
             </a:fld>
             <a:endParaRPr lang="en-US"/>
           </a:p>
@@ -3290,7 +3290,7 @@
           <a:p>
             <a:fld id="{67A3F3DB-A97F-42A8-8666-E7552CF620C9}" type="datetimeFigureOut">
               <a:rPr lang="en-US" smtClean="0"/>
-              <a:t>9/13/2020</a:t>
+              <a:t>9/21/2020</a:t>
             </a:fld>
             <a:endParaRPr lang="en-US"/>
           </a:p>
@@ -3531,7 +3531,7 @@
           <a:p>
             <a:fld id="{67A3F3DB-A97F-42A8-8666-E7552CF620C9}" type="datetimeFigureOut">
               <a:rPr lang="en-US" smtClean="0"/>
-              <a:t>9/13/2020</a:t>
+              <a:t>9/21/2020</a:t>
             </a:fld>
             <a:endParaRPr lang="en-US"/>
           </a:p>
@@ -8406,8 +8406,8 @@
           <a:chExt cx="0" cy="0"/>
         </a:xfrm>
       </p:grpSpPr>
-      <mc:AlternateContent xmlns:mc="http://schemas.openxmlformats.org/markup-compatibility/2006" xmlns:a14="http://schemas.microsoft.com/office/drawing/2010/main">
-        <mc:Choice Requires="a14">
+      <mc:AlternateContent xmlns:mc="http://schemas.openxmlformats.org/markup-compatibility/2006">
+        <mc:Choice xmlns:a14="http://schemas.microsoft.com/office/drawing/2010/main" Requires="a14">
           <p:sp>
             <p:nvSpPr>
               <p:cNvPr id="2" name="Content Placeholder 1">
@@ -8714,6 +8714,21 @@
                                 </a:rPr>
                                 <m:t>1</m:t>
                               </m:r>
+                              <m:r>
+                                <m:rPr>
+                                  <m:lit/>
+                                </m:rPr>
+                                <a:rPr lang="en-US" b="0" i="1" smtClean="0">
+                                  <a:latin typeface="Cambria Math" panose="02040503050406030204" pitchFamily="18" charset="0"/>
+                                </a:rPr>
+                                <m:t>/</m:t>
+                              </m:r>
+                              <m:r>
+                                <a:rPr lang="en-US" b="0" i="1" smtClean="0">
+                                  <a:latin typeface="Cambria Math" panose="02040503050406030204" pitchFamily="18" charset="0"/>
+                                </a:rPr>
+                                <m:t>𝑚</m:t>
+                              </m:r>
                             </m:e>
                           </m:mr>
                         </m:m>
@@ -9124,7 +9139,7 @@
             </p:txBody>
           </p:sp>
         </mc:Choice>
-        <mc:Fallback xmlns="">
+        <mc:Fallback>
           <p:sp>
             <p:nvSpPr>
               <p:cNvPr id="2" name="Content Placeholder 1">
@@ -20227,13 +20242,7 @@
                       <a:rPr lang="en-US" b="0" i="1" smtClean="0">
                         <a:latin typeface="Cambria Math" panose="02040503050406030204" pitchFamily="18" charset="0"/>
                       </a:rPr>
-                      <m:t>=</m:t>
-                    </m:r>
-                    <m:r>
-                      <a:rPr lang="en-US" b="0" i="1" smtClean="0">
-                        <a:latin typeface="Cambria Math" panose="02040503050406030204" pitchFamily="18" charset="0"/>
-                      </a:rPr>
-                      <m:t>0</m:t>
+                      <m:t>=0</m:t>
                     </m:r>
                     <m:r>
                       <a:rPr lang="en-US" b="0" i="0" smtClean="0">
@@ -20270,13 +20279,7 @@
                       <a:rPr lang="en-US" b="0" i="1" smtClean="0">
                         <a:latin typeface="Cambria Math" panose="02040503050406030204" pitchFamily="18" charset="0"/>
                       </a:rPr>
-                      <m:t>=</m:t>
-                    </m:r>
-                    <m:r>
-                      <a:rPr lang="en-US" b="0" i="1" smtClean="0">
-                        <a:latin typeface="Cambria Math" panose="02040503050406030204" pitchFamily="18" charset="0"/>
-                      </a:rPr>
-                      <m:t>5</m:t>
+                      <m:t>=5</m:t>
                     </m:r>
                     <m:r>
                       <a:rPr lang="en-US" b="0" i="0" smtClean="0">
@@ -20328,19 +20331,7 @@
                       <a:rPr lang="en-US" b="0" i="0" smtClean="0">
                         <a:latin typeface="Cambria Math" panose="02040503050406030204" pitchFamily="18" charset="0"/>
                       </a:rPr>
-                      <m:t>=</m:t>
-                    </m:r>
-                    <m:r>
-                      <a:rPr lang="en-US" b="0" i="0" smtClean="0">
-                        <a:latin typeface="Cambria Math" panose="02040503050406030204" pitchFamily="18" charset="0"/>
-                      </a:rPr>
-                      <m:t>20</m:t>
-                    </m:r>
-                    <m:r>
-                      <a:rPr lang="en-US" b="0" i="0" smtClean="0">
-                        <a:latin typeface="Cambria Math" panose="02040503050406030204" pitchFamily="18" charset="0"/>
-                      </a:rPr>
-                      <m:t> </m:t>
+                      <m:t>=20 </m:t>
                     </m:r>
                     <m:r>
                       <m:rPr>
@@ -20404,19 +20395,7 @@
                       <a:rPr lang="en-US" b="0" i="1" smtClean="0">
                         <a:latin typeface="Cambria Math" panose="02040503050406030204" pitchFamily="18" charset="0"/>
                       </a:rPr>
-                      <m:t>=</m:t>
-                    </m:r>
-                    <m:r>
-                      <a:rPr lang="en-US" b="0" i="1" smtClean="0">
-                        <a:latin typeface="Cambria Math" panose="02040503050406030204" pitchFamily="18" charset="0"/>
-                      </a:rPr>
-                      <m:t>5</m:t>
-                    </m:r>
-                    <m:r>
-                      <a:rPr lang="en-US" b="0" i="1" smtClean="0">
-                        <a:latin typeface="Cambria Math" panose="02040503050406030204" pitchFamily="18" charset="0"/>
-                      </a:rPr>
-                      <m:t>;</m:t>
+                      <m:t>=5;</m:t>
                     </m:r>
                     <m:r>
                       <a:rPr lang="en-US" b="0" i="1" smtClean="0">
@@ -20445,13 +20424,7 @@
                       <a:rPr lang="en-US" b="0" i="1" smtClean="0">
                         <a:latin typeface="Cambria Math" panose="02040503050406030204" pitchFamily="18" charset="0"/>
                       </a:rPr>
-                      <m:t>=</m:t>
-                    </m:r>
-                    <m:r>
-                      <a:rPr lang="en-US" b="0" i="1" smtClean="0">
-                        <a:latin typeface="Cambria Math" panose="02040503050406030204" pitchFamily="18" charset="0"/>
-                      </a:rPr>
-                      <m:t>20</m:t>
+                      <m:t>=20</m:t>
                     </m:r>
                   </m:oMath>
                 </a14:m>
@@ -20799,13 +20772,7 @@
                           <a:rPr lang="en-US" i="1">
                             <a:latin typeface="Cambria Math" panose="02040503050406030204" pitchFamily="18" charset="0"/>
                           </a:rPr>
-                          <m:t>1</m:t>
-                        </m:r>
-                        <m:r>
-                          <a:rPr lang="en-US" i="1">
-                            <a:latin typeface="Cambria Math" panose="02040503050406030204" pitchFamily="18" charset="0"/>
-                          </a:rPr>
-                          <m:t>−</m:t>
+                          <m:t>1−</m:t>
                         </m:r>
                         <m:sSup>
                           <m:sSupPr>
@@ -20886,13 +20853,7 @@
                       <a:rPr lang="en-US" b="0" i="1" smtClean="0">
                         <a:latin typeface="Cambria Math" panose="02040503050406030204" pitchFamily="18" charset="0"/>
                       </a:rPr>
-                      <m:t>→</m:t>
-                    </m:r>
-                    <m:r>
-                      <a:rPr lang="en-US" b="0" i="1" smtClean="0">
-                        <a:latin typeface="Cambria Math" panose="02040503050406030204" pitchFamily="18" charset="0"/>
-                      </a:rPr>
-                      <m:t>∞</m:t>
+                      <m:t>→∞</m:t>
                     </m:r>
                   </m:oMath>
                 </a14:m>
@@ -20929,13 +20890,7 @@
                       <a:rPr lang="en-US" b="0" i="1" smtClean="0">
                         <a:latin typeface="Cambria Math" panose="02040503050406030204" pitchFamily="18" charset="0"/>
                       </a:rPr>
-                      <m:t>→</m:t>
-                    </m:r>
-                    <m:r>
-                      <a:rPr lang="en-US" b="0" i="1" smtClean="0">
-                        <a:latin typeface="Cambria Math" panose="02040503050406030204" pitchFamily="18" charset="0"/>
-                      </a:rPr>
-                      <m:t>0</m:t>
+                      <m:t>→0</m:t>
                     </m:r>
                   </m:oMath>
                 </a14:m>
@@ -21208,18 +21163,7 @@
                           </a:solidFill>
                           <a:latin typeface="Cambria Math" panose="02040503050406030204" pitchFamily="18" charset="0"/>
                         </a:rPr>
-                        <m:t>=</m:t>
-                      </m:r>
-                      <m:r>
-                        <a:rPr lang="en-US" sz="2400" b="0" i="0" smtClean="0">
-                          <a:solidFill>
-                            <a:schemeClr val="accent1">
-                              <a:lumMod val="75000"/>
-                            </a:schemeClr>
-                          </a:solidFill>
-                          <a:latin typeface="Cambria Math" panose="02040503050406030204" pitchFamily="18" charset="0"/>
-                        </a:rPr>
-                        <m:t>1000</m:t>
+                        <m:t>=1000</m:t>
                       </m:r>
                       <m:r>
                         <m:rPr>
@@ -21274,18 +21218,7 @@
                           </a:solidFill>
                           <a:latin typeface="Cambria Math" panose="02040503050406030204" pitchFamily="18" charset="0"/>
                         </a:rPr>
-                        <m:t>=</m:t>
-                      </m:r>
-                      <m:r>
-                        <a:rPr lang="en-US" sz="2400" b="0" i="1" smtClean="0">
-                          <a:solidFill>
-                            <a:schemeClr val="accent1">
-                              <a:lumMod val="75000"/>
-                            </a:schemeClr>
-                          </a:solidFill>
-                          <a:latin typeface="Cambria Math" panose="02040503050406030204" pitchFamily="18" charset="0"/>
-                        </a:rPr>
-                        <m:t>50</m:t>
+                        <m:t>=50</m:t>
                       </m:r>
                       <m:r>
                         <a:rPr lang="en-US" sz="2400" b="0" i="1" smtClean="0">
